--- a/work_flow_concept.pptx
+++ b/work_flow_concept.pptx
@@ -5,18 +5,19 @@
     <p:sldMasterId id="2147483696" r:id="rId1"/>
   </p:sldMasterIdLst>
   <p:notesMasterIdLst>
-    <p:notesMasterId r:id="rId11"/>
+    <p:notesMasterId r:id="rId12"/>
   </p:notesMasterIdLst>
   <p:sldIdLst>
     <p:sldId id="256" r:id="rId2"/>
-    <p:sldId id="257" r:id="rId3"/>
-    <p:sldId id="258" r:id="rId4"/>
-    <p:sldId id="262" r:id="rId5"/>
-    <p:sldId id="259" r:id="rId6"/>
-    <p:sldId id="260" r:id="rId7"/>
-    <p:sldId id="261" r:id="rId8"/>
-    <p:sldId id="263" r:id="rId9"/>
-    <p:sldId id="264" r:id="rId10"/>
+    <p:sldId id="265" r:id="rId3"/>
+    <p:sldId id="264" r:id="rId4"/>
+    <p:sldId id="266" r:id="rId5"/>
+    <p:sldId id="258" r:id="rId6"/>
+    <p:sldId id="262" r:id="rId7"/>
+    <p:sldId id="259" r:id="rId8"/>
+    <p:sldId id="260" r:id="rId9"/>
+    <p:sldId id="261" r:id="rId10"/>
+    <p:sldId id="257" r:id="rId11"/>
   </p:sldIdLst>
   <p:sldSz cx="12192000" cy="6858000"/>
   <p:notesSz cx="6858000" cy="9144000"/>
@@ -205,7 +206,7 @@
           <a:p>
             <a:fld id="{7FBE2988-E5FE-C74C-8703-47CAD4FC4BFA}" type="datetimeFigureOut">
               <a:rPr lang="en-US" smtClean="0"/>
-              <a:t>5/18/23</a:t>
+              <a:t>2/14/24</a:t>
             </a:fld>
             <a:endParaRPr lang="en-US"/>
           </a:p>
@@ -537,7 +538,7 @@
           <a:p>
             <a:fld id="{036E4D14-12DA-FF48-84A2-3AD99A9E1D7E}" type="slidenum">
               <a:rPr lang="en-US" smtClean="0"/>
-              <a:t>5</a:t>
+              <a:t>7</a:t>
             </a:fld>
             <a:endParaRPr lang="en-US"/>
           </a:p>
@@ -687,7 +688,7 @@
           <a:p>
             <a:fld id="{FDC45AEB-4243-7B49-898C-EE9CC232CE47}" type="datetimeFigureOut">
               <a:rPr lang="en-US" smtClean="0"/>
-              <a:t>5/18/23</a:t>
+              <a:t>2/14/24</a:t>
             </a:fld>
             <a:endParaRPr lang="en-US"/>
           </a:p>
@@ -857,7 +858,7 @@
           <a:p>
             <a:fld id="{FDC45AEB-4243-7B49-898C-EE9CC232CE47}" type="datetimeFigureOut">
               <a:rPr lang="en-US" smtClean="0"/>
-              <a:t>5/18/23</a:t>
+              <a:t>2/14/24</a:t>
             </a:fld>
             <a:endParaRPr lang="en-US"/>
           </a:p>
@@ -1037,7 +1038,7 @@
           <a:p>
             <a:fld id="{FDC45AEB-4243-7B49-898C-EE9CC232CE47}" type="datetimeFigureOut">
               <a:rPr lang="en-US" smtClean="0"/>
-              <a:t>5/18/23</a:t>
+              <a:t>2/14/24</a:t>
             </a:fld>
             <a:endParaRPr lang="en-US"/>
           </a:p>
@@ -1207,7 +1208,7 @@
           <a:p>
             <a:fld id="{FDC45AEB-4243-7B49-898C-EE9CC232CE47}" type="datetimeFigureOut">
               <a:rPr lang="en-US" smtClean="0"/>
-              <a:t>5/18/23</a:t>
+              <a:t>2/14/24</a:t>
             </a:fld>
             <a:endParaRPr lang="en-US"/>
           </a:p>
@@ -1453,7 +1454,7 @@
           <a:p>
             <a:fld id="{FDC45AEB-4243-7B49-898C-EE9CC232CE47}" type="datetimeFigureOut">
               <a:rPr lang="en-US" smtClean="0"/>
-              <a:t>5/18/23</a:t>
+              <a:t>2/14/24</a:t>
             </a:fld>
             <a:endParaRPr lang="en-US"/>
           </a:p>
@@ -1685,7 +1686,7 @@
           <a:p>
             <a:fld id="{FDC45AEB-4243-7B49-898C-EE9CC232CE47}" type="datetimeFigureOut">
               <a:rPr lang="en-US" smtClean="0"/>
-              <a:t>5/18/23</a:t>
+              <a:t>2/14/24</a:t>
             </a:fld>
             <a:endParaRPr lang="en-US"/>
           </a:p>
@@ -2052,7 +2053,7 @@
           <a:p>
             <a:fld id="{FDC45AEB-4243-7B49-898C-EE9CC232CE47}" type="datetimeFigureOut">
               <a:rPr lang="en-US" smtClean="0"/>
-              <a:t>5/18/23</a:t>
+              <a:t>2/14/24</a:t>
             </a:fld>
             <a:endParaRPr lang="en-US"/>
           </a:p>
@@ -2170,7 +2171,7 @@
           <a:p>
             <a:fld id="{FDC45AEB-4243-7B49-898C-EE9CC232CE47}" type="datetimeFigureOut">
               <a:rPr lang="en-US" smtClean="0"/>
-              <a:t>5/18/23</a:t>
+              <a:t>2/14/24</a:t>
             </a:fld>
             <a:endParaRPr lang="en-US"/>
           </a:p>
@@ -2265,7 +2266,7 @@
           <a:p>
             <a:fld id="{FDC45AEB-4243-7B49-898C-EE9CC232CE47}" type="datetimeFigureOut">
               <a:rPr lang="en-US" smtClean="0"/>
-              <a:t>5/18/23</a:t>
+              <a:t>2/14/24</a:t>
             </a:fld>
             <a:endParaRPr lang="en-US"/>
           </a:p>
@@ -2542,7 +2543,7 @@
           <a:p>
             <a:fld id="{FDC45AEB-4243-7B49-898C-EE9CC232CE47}" type="datetimeFigureOut">
               <a:rPr lang="en-US" smtClean="0"/>
-              <a:t>5/18/23</a:t>
+              <a:t>2/14/24</a:t>
             </a:fld>
             <a:endParaRPr lang="en-US"/>
           </a:p>
@@ -2799,7 +2800,7 @@
           <a:p>
             <a:fld id="{FDC45AEB-4243-7B49-898C-EE9CC232CE47}" type="datetimeFigureOut">
               <a:rPr lang="en-US" smtClean="0"/>
-              <a:t>5/18/23</a:t>
+              <a:t>2/14/24</a:t>
             </a:fld>
             <a:endParaRPr lang="en-US"/>
           </a:p>
@@ -3012,7 +3013,7 @@
           <a:p>
             <a:fld id="{FDC45AEB-4243-7B49-898C-EE9CC232CE47}" type="datetimeFigureOut">
               <a:rPr lang="en-US" smtClean="0"/>
-              <a:t>5/18/23</a:t>
+              <a:t>2/14/24</a:t>
             </a:fld>
             <a:endParaRPr lang="en-US"/>
           </a:p>
@@ -3431,8 +3432,8 @@
         </p:nvSpPr>
         <p:spPr>
           <a:xfrm>
-            <a:off x="5529945" y="2275113"/>
-            <a:ext cx="1545772" cy="1556657"/>
+            <a:off x="5715547" y="2482838"/>
+            <a:ext cx="2151015" cy="1556657"/>
           </a:xfrm>
           <a:prstGeom prst="roundRect">
             <a:avLst/>
@@ -3489,8 +3490,8 @@
         </p:nvSpPr>
         <p:spPr>
           <a:xfrm>
-            <a:off x="4914901" y="2579912"/>
-            <a:ext cx="440872" cy="947057"/>
+            <a:off x="4983481" y="2324454"/>
+            <a:ext cx="440872" cy="1709599"/>
           </a:xfrm>
           <a:prstGeom prst="rightBrace">
             <a:avLst>
@@ -3537,8 +3538,8 @@
         </p:nvSpPr>
         <p:spPr>
           <a:xfrm>
-            <a:off x="789212" y="1398814"/>
-            <a:ext cx="1681845" cy="772886"/>
+            <a:off x="2320832" y="1154135"/>
+            <a:ext cx="2351315" cy="772886"/>
           </a:xfrm>
           <a:prstGeom prst="roundRect">
             <a:avLst/>
@@ -3580,204 +3581,6 @@
       </p:sp>
       <p:sp>
         <p:nvSpPr>
-          <p:cNvPr id="20" name="TextBox 19">
-            <a:extLst>
-              <a:ext uri="{FF2B5EF4-FFF2-40B4-BE49-F238E27FC236}">
-                <a16:creationId xmlns:a16="http://schemas.microsoft.com/office/drawing/2014/main" id="{DA6E73D5-6CD8-5C3F-728D-5F9299FF4D91}"/>
-              </a:ext>
-            </a:extLst>
-          </p:cNvPr>
-          <p:cNvSpPr txBox="1"/>
-          <p:nvPr/>
-        </p:nvSpPr>
-        <p:spPr>
-          <a:xfrm>
-            <a:off x="949776" y="552880"/>
-            <a:ext cx="3488872" cy="523220"/>
-          </a:xfrm>
-          <a:prstGeom prst="rect">
-            <a:avLst/>
-          </a:prstGeom>
-          <a:noFill/>
-        </p:spPr>
-        <p:txBody>
-          <a:bodyPr wrap="square" rtlCol="0">
-            <a:spAutoFit/>
-          </a:bodyPr>
-          <a:lstStyle/>
-          <a:p>
-            <a:pPr algn="ctr"/>
-            <a:r>
-              <a:rPr lang="en-US" sz="2800" dirty="0">
-                <a:latin typeface="Avenir Book" panose="02000503020000020003" pitchFamily="2" charset="0"/>
-              </a:rPr>
-              <a:t>INPUTS</a:t>
-            </a:r>
-          </a:p>
-        </p:txBody>
-      </p:sp>
-      <p:sp>
-        <p:nvSpPr>
-          <p:cNvPr id="21" name="TextBox 20">
-            <a:extLst>
-              <a:ext uri="{FF2B5EF4-FFF2-40B4-BE49-F238E27FC236}">
-                <a16:creationId xmlns:a16="http://schemas.microsoft.com/office/drawing/2014/main" id="{597A9F5C-BE85-494F-676B-7FE7D47A724E}"/>
-              </a:ext>
-            </a:extLst>
-          </p:cNvPr>
-          <p:cNvSpPr txBox="1"/>
-          <p:nvPr/>
-        </p:nvSpPr>
-        <p:spPr>
-          <a:xfrm>
-            <a:off x="7600948" y="598361"/>
-            <a:ext cx="3488872" cy="523220"/>
-          </a:xfrm>
-          <a:prstGeom prst="rect">
-            <a:avLst/>
-          </a:prstGeom>
-          <a:noFill/>
-        </p:spPr>
-        <p:txBody>
-          <a:bodyPr wrap="square" rtlCol="0">
-            <a:spAutoFit/>
-          </a:bodyPr>
-          <a:lstStyle/>
-          <a:p>
-            <a:pPr algn="ctr"/>
-            <a:r>
-              <a:rPr lang="en-US" sz="2800" dirty="0">
-                <a:latin typeface="Avenir Book" panose="02000503020000020003" pitchFamily="2" charset="0"/>
-              </a:rPr>
-              <a:t>OUTPUTS</a:t>
-            </a:r>
-          </a:p>
-        </p:txBody>
-      </p:sp>
-      <p:sp>
-        <p:nvSpPr>
-          <p:cNvPr id="2" name="TextBox 1">
-            <a:extLst>
-              <a:ext uri="{FF2B5EF4-FFF2-40B4-BE49-F238E27FC236}">
-                <a16:creationId xmlns:a16="http://schemas.microsoft.com/office/drawing/2014/main" id="{372918A9-07C1-6136-20E7-3B1AB4F78AB7}"/>
-              </a:ext>
-            </a:extLst>
-          </p:cNvPr>
-          <p:cNvSpPr txBox="1"/>
-          <p:nvPr/>
-        </p:nvSpPr>
-        <p:spPr>
-          <a:xfrm>
-            <a:off x="7747363" y="1287250"/>
-            <a:ext cx="3488872" cy="3139321"/>
-          </a:xfrm>
-          <a:prstGeom prst="rect">
-            <a:avLst/>
-          </a:prstGeom>
-          <a:noFill/>
-        </p:spPr>
-        <p:txBody>
-          <a:bodyPr wrap="square" rtlCol="0">
-            <a:spAutoFit/>
-          </a:bodyPr>
-          <a:lstStyle/>
-          <a:p>
-            <a:pPr marL="285750" indent="-285750">
-              <a:buFont typeface="Arial" panose="020B0604020202020204" pitchFamily="34" charset="0"/>
-              <a:buChar char="•"/>
-            </a:pPr>
-            <a:r>
-              <a:rPr lang="en-US" dirty="0"/>
-              <a:t>For Munoz full food web model:</a:t>
-            </a:r>
-          </a:p>
-          <a:p>
-            <a:pPr marL="742950" lvl="1" indent="-285750">
-              <a:buFont typeface="Arial" panose="020B0604020202020204" pitchFamily="34" charset="0"/>
-              <a:buChar char="•"/>
-            </a:pPr>
-            <a:r>
-              <a:rPr lang="en-US" dirty="0"/>
-              <a:t>One data frame </a:t>
-            </a:r>
-          </a:p>
-          <a:p>
-            <a:pPr marL="742950" lvl="1" indent="-285750">
-              <a:buFont typeface="Arial" panose="020B0604020202020204" pitchFamily="34" charset="0"/>
-              <a:buChar char="•"/>
-            </a:pPr>
-            <a:r>
-              <a:rPr lang="en-US" dirty="0"/>
-              <a:t>Replicates Figures 3, 4 (sun et al)</a:t>
-            </a:r>
-          </a:p>
-          <a:p>
-            <a:pPr marL="285750" indent="-285750">
-              <a:buFont typeface="Arial" panose="020B0604020202020204" pitchFamily="34" charset="0"/>
-              <a:buChar char="•"/>
-            </a:pPr>
-            <a:r>
-              <a:rPr lang="en-US" dirty="0"/>
-              <a:t>BMF and BCF </a:t>
-            </a:r>
-          </a:p>
-          <a:p>
-            <a:pPr marL="742950" lvl="1" indent="-285750">
-              <a:buFont typeface="Arial" panose="020B0604020202020204" pitchFamily="34" charset="0"/>
-              <a:buChar char="•"/>
-            </a:pPr>
-            <a:r>
-              <a:rPr lang="en-US" dirty="0"/>
-              <a:t>Data frame, </a:t>
-            </a:r>
-            <a:r>
-              <a:rPr lang="en-US" dirty="0" err="1"/>
-              <a:t>lm</a:t>
-            </a:r>
-            <a:r>
-              <a:rPr lang="en-US" dirty="0"/>
-              <a:t>, predicted </a:t>
-            </a:r>
-            <a:r>
-              <a:rPr lang="en-US" dirty="0" err="1"/>
-              <a:t>lm</a:t>
-            </a:r>
-            <a:r>
-              <a:rPr lang="en-US" dirty="0"/>
-              <a:t> data </a:t>
-            </a:r>
-          </a:p>
-          <a:p>
-            <a:pPr marL="742950" lvl="1" indent="-285750">
-              <a:buFont typeface="Arial" panose="020B0604020202020204" pitchFamily="34" charset="0"/>
-              <a:buChar char="•"/>
-            </a:pPr>
-            <a:r>
-              <a:rPr lang="en-US" dirty="0"/>
-              <a:t>Replicates Fig 2, and suppl. Fig 8 </a:t>
-            </a:r>
-          </a:p>
-          <a:p>
-            <a:pPr marL="742950" lvl="1" indent="-285750">
-              <a:buFont typeface="Arial" panose="020B0604020202020204" pitchFamily="34" charset="0"/>
-              <a:buChar char="•"/>
-            </a:pPr>
-            <a:r>
-              <a:rPr lang="en-US" dirty="0"/>
-              <a:t>Used to get Table S6c</a:t>
-            </a:r>
-          </a:p>
-          <a:p>
-            <a:pPr marL="742950" lvl="1" indent="-285750">
-              <a:buFont typeface="Arial" panose="020B0604020202020204" pitchFamily="34" charset="0"/>
-              <a:buChar char="•"/>
-            </a:pPr>
-            <a:endParaRPr lang="en-US" dirty="0"/>
-          </a:p>
-        </p:txBody>
-      </p:sp>
-      <p:sp>
-        <p:nvSpPr>
           <p:cNvPr id="7" name="Rounded Rectangle 6">
             <a:extLst>
               <a:ext uri="{FF2B5EF4-FFF2-40B4-BE49-F238E27FC236}">
@@ -3790,7 +3593,7 @@
         </p:nvSpPr>
         <p:spPr>
           <a:xfrm>
-            <a:off x="1582237" y="2107971"/>
+            <a:off x="2323009" y="2207651"/>
             <a:ext cx="2351315" cy="772886"/>
           </a:xfrm>
           <a:prstGeom prst="roundRect">
@@ -3845,7 +3648,7 @@
         </p:nvSpPr>
         <p:spPr>
           <a:xfrm>
-            <a:off x="2471057" y="2702825"/>
+            <a:off x="2340972" y="3261167"/>
             <a:ext cx="2351315" cy="772886"/>
           </a:xfrm>
           <a:prstGeom prst="roundRect">
@@ -3883,10 +3686,628 @@
           </a:p>
         </p:txBody>
       </p:sp>
+      <p:sp>
+        <p:nvSpPr>
+          <p:cNvPr id="4" name="Oval 3">
+            <a:extLst>
+              <a:ext uri="{FF2B5EF4-FFF2-40B4-BE49-F238E27FC236}">
+                <a16:creationId xmlns:a16="http://schemas.microsoft.com/office/drawing/2014/main" id="{A9DFB1C0-3BB0-FBD4-0345-18B790D30B06}"/>
+              </a:ext>
+            </a:extLst>
+          </p:cNvPr>
+          <p:cNvSpPr/>
+          <p:nvPr/>
+        </p:nvSpPr>
+        <p:spPr>
+          <a:xfrm>
+            <a:off x="1805940" y="1314450"/>
+            <a:ext cx="434340" cy="468630"/>
+          </a:xfrm>
+          <a:prstGeom prst="ellipse">
+            <a:avLst/>
+          </a:prstGeom>
+        </p:spPr>
+        <p:style>
+          <a:lnRef idx="2">
+            <a:schemeClr val="accent6"/>
+          </a:lnRef>
+          <a:fillRef idx="1">
+            <a:schemeClr val="lt1"/>
+          </a:fillRef>
+          <a:effectRef idx="0">
+            <a:schemeClr val="accent6"/>
+          </a:effectRef>
+          <a:fontRef idx="minor">
+            <a:schemeClr val="dk1"/>
+          </a:fontRef>
+        </p:style>
+        <p:txBody>
+          <a:bodyPr rtlCol="0" anchor="ctr"/>
+          <a:lstStyle/>
+          <a:p>
+            <a:pPr algn="ctr"/>
+            <a:r>
+              <a:rPr lang="en-US" dirty="0"/>
+              <a:t>1</a:t>
+            </a:r>
+          </a:p>
+        </p:txBody>
+      </p:sp>
+      <p:sp>
+        <p:nvSpPr>
+          <p:cNvPr id="5" name="Oval 4">
+            <a:extLst>
+              <a:ext uri="{FF2B5EF4-FFF2-40B4-BE49-F238E27FC236}">
+                <a16:creationId xmlns:a16="http://schemas.microsoft.com/office/drawing/2014/main" id="{89FB489D-0551-0029-A1FF-A55D123AB915}"/>
+              </a:ext>
+            </a:extLst>
+          </p:cNvPr>
+          <p:cNvSpPr/>
+          <p:nvPr/>
+        </p:nvSpPr>
+        <p:spPr>
+          <a:xfrm>
+            <a:off x="1796682" y="2324454"/>
+            <a:ext cx="434340" cy="468630"/>
+          </a:xfrm>
+          <a:prstGeom prst="ellipse">
+            <a:avLst/>
+          </a:prstGeom>
+        </p:spPr>
+        <p:style>
+          <a:lnRef idx="2">
+            <a:schemeClr val="accent6"/>
+          </a:lnRef>
+          <a:fillRef idx="1">
+            <a:schemeClr val="lt1"/>
+          </a:fillRef>
+          <a:effectRef idx="0">
+            <a:schemeClr val="accent6"/>
+          </a:effectRef>
+          <a:fontRef idx="minor">
+            <a:schemeClr val="dk1"/>
+          </a:fontRef>
+        </p:style>
+        <p:txBody>
+          <a:bodyPr rtlCol="0" anchor="ctr"/>
+          <a:lstStyle/>
+          <a:p>
+            <a:pPr algn="ctr"/>
+            <a:r>
+              <a:rPr lang="en-US" dirty="0"/>
+              <a:t>2</a:t>
+            </a:r>
+          </a:p>
+        </p:txBody>
+      </p:sp>
+      <p:sp>
+        <p:nvSpPr>
+          <p:cNvPr id="8" name="Oval 7">
+            <a:extLst>
+              <a:ext uri="{FF2B5EF4-FFF2-40B4-BE49-F238E27FC236}">
+                <a16:creationId xmlns:a16="http://schemas.microsoft.com/office/drawing/2014/main" id="{619960ED-450D-AC88-7548-698CA1A9A0D2}"/>
+              </a:ext>
+            </a:extLst>
+          </p:cNvPr>
+          <p:cNvSpPr/>
+          <p:nvPr/>
+        </p:nvSpPr>
+        <p:spPr>
+          <a:xfrm>
+            <a:off x="1796682" y="3413295"/>
+            <a:ext cx="434340" cy="468630"/>
+          </a:xfrm>
+          <a:prstGeom prst="ellipse">
+            <a:avLst/>
+          </a:prstGeom>
+        </p:spPr>
+        <p:style>
+          <a:lnRef idx="2">
+            <a:schemeClr val="accent6"/>
+          </a:lnRef>
+          <a:fillRef idx="1">
+            <a:schemeClr val="lt1"/>
+          </a:fillRef>
+          <a:effectRef idx="0">
+            <a:schemeClr val="accent6"/>
+          </a:effectRef>
+          <a:fontRef idx="minor">
+            <a:schemeClr val="dk1"/>
+          </a:fontRef>
+        </p:style>
+        <p:txBody>
+          <a:bodyPr rtlCol="0" anchor="ctr"/>
+          <a:lstStyle/>
+          <a:p>
+            <a:pPr algn="ctr"/>
+            <a:r>
+              <a:rPr lang="en-US" dirty="0"/>
+              <a:t>3</a:t>
+            </a:r>
+          </a:p>
+        </p:txBody>
+      </p:sp>
     </p:spTree>
     <p:extLst>
       <p:ext uri="{BB962C8B-B14F-4D97-AF65-F5344CB8AC3E}">
         <p14:creationId xmlns:p14="http://schemas.microsoft.com/office/powerpoint/2010/main" val="1080311057"/>
+      </p:ext>
+    </p:extLst>
+  </p:cSld>
+  <p:clrMapOvr>
+    <a:masterClrMapping/>
+  </p:clrMapOvr>
+</p:sld>
+</file>
+
+<file path=ppt/slides/slide10.xml><?xml version="1.0" encoding="utf-8"?>
+<p:sld xmlns:a="http://schemas.openxmlformats.org/drawingml/2006/main" xmlns:r="http://schemas.openxmlformats.org/officeDocument/2006/relationships" xmlns:p="http://schemas.openxmlformats.org/presentationml/2006/main">
+  <p:cSld>
+    <p:spTree>
+      <p:nvGrpSpPr>
+        <p:cNvPr id="1" name=""/>
+        <p:cNvGrpSpPr/>
+        <p:nvPr/>
+      </p:nvGrpSpPr>
+      <p:grpSpPr>
+        <a:xfrm>
+          <a:off x="0" y="0"/>
+          <a:ext cx="0" cy="0"/>
+          <a:chOff x="0" y="0"/>
+          <a:chExt cx="0" cy="0"/>
+        </a:xfrm>
+      </p:grpSpPr>
+      <p:sp>
+        <p:nvSpPr>
+          <p:cNvPr id="4" name="Rounded Rectangle 3">
+            <a:extLst>
+              <a:ext uri="{FF2B5EF4-FFF2-40B4-BE49-F238E27FC236}">
+                <a16:creationId xmlns:a16="http://schemas.microsoft.com/office/drawing/2014/main" id="{6973EDB9-E358-0481-6084-51FEDA0B4640}"/>
+              </a:ext>
+            </a:extLst>
+          </p:cNvPr>
+          <p:cNvSpPr/>
+          <p:nvPr/>
+        </p:nvSpPr>
+        <p:spPr>
+          <a:xfrm>
+            <a:off x="1559376" y="756554"/>
+            <a:ext cx="1681845" cy="772886"/>
+          </a:xfrm>
+          <a:prstGeom prst="roundRect">
+            <a:avLst/>
+          </a:prstGeom>
+          <a:solidFill>
+            <a:schemeClr val="accent5"/>
+          </a:solidFill>
+        </p:spPr>
+        <p:style>
+          <a:lnRef idx="2">
+            <a:schemeClr val="accent1">
+              <a:shade val="50000"/>
+            </a:schemeClr>
+          </a:lnRef>
+          <a:fillRef idx="1">
+            <a:schemeClr val="accent1"/>
+          </a:fillRef>
+          <a:effectRef idx="0">
+            <a:schemeClr val="accent1"/>
+          </a:effectRef>
+          <a:fontRef idx="minor">
+            <a:schemeClr val="lt1"/>
+          </a:fontRef>
+        </p:style>
+        <p:txBody>
+          <a:bodyPr rtlCol="0" anchor="ctr"/>
+          <a:lstStyle/>
+          <a:p>
+            <a:pPr algn="ctr"/>
+            <a:r>
+              <a:rPr lang="en-US" b="1" dirty="0">
+                <a:latin typeface="Avenir Book" panose="02000503020000020003" pitchFamily="2" charset="0"/>
+                <a:cs typeface="Baghdad" pitchFamily="2" charset="-78"/>
+              </a:rPr>
+              <a:t>Input files </a:t>
+            </a:r>
+          </a:p>
+          <a:p>
+            <a:pPr algn="ctr"/>
+            <a:r>
+              <a:rPr lang="en-US" sz="1400" b="1" dirty="0">
+                <a:latin typeface="Avenir Book" panose="02000503020000020003" pitchFamily="2" charset="0"/>
+                <a:cs typeface="Baghdad" pitchFamily="2" charset="-78"/>
+              </a:rPr>
+              <a:t>(.csv)</a:t>
+            </a:r>
+          </a:p>
+        </p:txBody>
+      </p:sp>
+      <p:sp>
+        <p:nvSpPr>
+          <p:cNvPr id="5" name="TextBox 4">
+            <a:extLst>
+              <a:ext uri="{FF2B5EF4-FFF2-40B4-BE49-F238E27FC236}">
+                <a16:creationId xmlns:a16="http://schemas.microsoft.com/office/drawing/2014/main" id="{16EB8147-7F4C-7EA9-83FA-E6B083407208}"/>
+              </a:ext>
+            </a:extLst>
+          </p:cNvPr>
+          <p:cNvSpPr txBox="1"/>
+          <p:nvPr/>
+        </p:nvSpPr>
+        <p:spPr>
+          <a:xfrm>
+            <a:off x="1559376" y="1529440"/>
+            <a:ext cx="2444452" cy="1754326"/>
+          </a:xfrm>
+          <a:prstGeom prst="rect">
+            <a:avLst/>
+          </a:prstGeom>
+          <a:noFill/>
+        </p:spPr>
+        <p:txBody>
+          <a:bodyPr wrap="none" rtlCol="0">
+            <a:spAutoFit/>
+          </a:bodyPr>
+          <a:lstStyle/>
+          <a:p>
+            <a:pPr marL="285750" indent="-285750">
+              <a:buFont typeface="Arial" panose="020B0604020202020204" pitchFamily="34" charset="0"/>
+              <a:buChar char="•"/>
+            </a:pPr>
+            <a:r>
+              <a:rPr lang="en-US" dirty="0" err="1"/>
+              <a:t>OceanData</a:t>
+            </a:r>
+            <a:endParaRPr lang="en-US" dirty="0"/>
+          </a:p>
+          <a:p>
+            <a:pPr marL="285750" indent="-285750">
+              <a:buFont typeface="Arial" panose="020B0604020202020204" pitchFamily="34" charset="0"/>
+              <a:buChar char="•"/>
+            </a:pPr>
+            <a:r>
+              <a:rPr lang="en-US" dirty="0" err="1"/>
+              <a:t>ChemicalPArameters</a:t>
+            </a:r>
+            <a:endParaRPr lang="en-US" dirty="0"/>
+          </a:p>
+          <a:p>
+            <a:pPr marL="285750" indent="-285750">
+              <a:buFont typeface="Arial" panose="020B0604020202020204" pitchFamily="34" charset="0"/>
+              <a:buChar char="•"/>
+            </a:pPr>
+            <a:r>
+              <a:rPr lang="en-US" dirty="0" err="1"/>
+              <a:t>chemicalData</a:t>
+            </a:r>
+            <a:endParaRPr lang="en-US" dirty="0"/>
+          </a:p>
+          <a:p>
+            <a:pPr marL="285750" indent="-285750">
+              <a:buFont typeface="Arial" panose="020B0604020202020204" pitchFamily="34" charset="0"/>
+              <a:buChar char="•"/>
+            </a:pPr>
+            <a:r>
+              <a:rPr lang="en-US" dirty="0" err="1"/>
+              <a:t>oganismData</a:t>
+            </a:r>
+            <a:endParaRPr lang="en-US" dirty="0"/>
+          </a:p>
+          <a:p>
+            <a:pPr marL="285750" indent="-285750">
+              <a:buFont typeface="Arial" panose="020B0604020202020204" pitchFamily="34" charset="0"/>
+              <a:buChar char="•"/>
+            </a:pPr>
+            <a:r>
+              <a:rPr lang="en-US" dirty="0" err="1"/>
+              <a:t>foodWebData</a:t>
+            </a:r>
+            <a:endParaRPr lang="en-US" dirty="0"/>
+          </a:p>
+          <a:p>
+            <a:pPr marL="285750" indent="-285750">
+              <a:buFont typeface="Arial" panose="020B0604020202020204" pitchFamily="34" charset="0"/>
+              <a:buChar char="•"/>
+            </a:pPr>
+            <a:endParaRPr lang="en-US" b="1" dirty="0"/>
+          </a:p>
+        </p:txBody>
+      </p:sp>
+      <p:sp>
+        <p:nvSpPr>
+          <p:cNvPr id="7" name="Rounded Rectangle 6">
+            <a:extLst>
+              <a:ext uri="{FF2B5EF4-FFF2-40B4-BE49-F238E27FC236}">
+                <a16:creationId xmlns:a16="http://schemas.microsoft.com/office/drawing/2014/main" id="{232D5B40-1F45-D379-6C52-F5B8DB292712}"/>
+              </a:ext>
+            </a:extLst>
+          </p:cNvPr>
+          <p:cNvSpPr/>
+          <p:nvPr/>
+        </p:nvSpPr>
+        <p:spPr>
+          <a:xfrm>
+            <a:off x="4509404" y="756554"/>
+            <a:ext cx="1681845" cy="772886"/>
+          </a:xfrm>
+          <a:prstGeom prst="roundRect">
+            <a:avLst/>
+          </a:prstGeom>
+          <a:solidFill>
+            <a:schemeClr val="accent5"/>
+          </a:solidFill>
+        </p:spPr>
+        <p:style>
+          <a:lnRef idx="2">
+            <a:schemeClr val="accent1">
+              <a:shade val="50000"/>
+            </a:schemeClr>
+          </a:lnRef>
+          <a:fillRef idx="1">
+            <a:schemeClr val="accent1"/>
+          </a:fillRef>
+          <a:effectRef idx="0">
+            <a:schemeClr val="accent1"/>
+          </a:effectRef>
+          <a:fontRef idx="minor">
+            <a:schemeClr val="lt1"/>
+          </a:fontRef>
+        </p:style>
+        <p:txBody>
+          <a:bodyPr rtlCol="0" anchor="ctr"/>
+          <a:lstStyle/>
+          <a:p>
+            <a:pPr algn="ctr"/>
+            <a:r>
+              <a:rPr lang="en-US" b="1" dirty="0">
+                <a:latin typeface="Avenir Book" panose="02000503020000020003" pitchFamily="2" charset="0"/>
+                <a:cs typeface="Baghdad" pitchFamily="2" charset="-78"/>
+              </a:rPr>
+              <a:t>Input data </a:t>
+            </a:r>
+          </a:p>
+          <a:p>
+            <a:pPr algn="ctr"/>
+            <a:r>
+              <a:rPr lang="en-US" sz="1400" b="1" dirty="0">
+                <a:latin typeface="Avenir Book" panose="02000503020000020003" pitchFamily="2" charset="0"/>
+                <a:cs typeface="Baghdad" pitchFamily="2" charset="-78"/>
+              </a:rPr>
+              <a:t>(hard coded)</a:t>
+            </a:r>
+          </a:p>
+        </p:txBody>
+      </p:sp>
+      <p:sp>
+        <p:nvSpPr>
+          <p:cNvPr id="8" name="TextBox 7">
+            <a:extLst>
+              <a:ext uri="{FF2B5EF4-FFF2-40B4-BE49-F238E27FC236}">
+                <a16:creationId xmlns:a16="http://schemas.microsoft.com/office/drawing/2014/main" id="{72551B64-6D3E-06B2-1E7F-AF0335E8A964}"/>
+              </a:ext>
+            </a:extLst>
+          </p:cNvPr>
+          <p:cNvSpPr txBox="1"/>
+          <p:nvPr/>
+        </p:nvSpPr>
+        <p:spPr>
+          <a:xfrm>
+            <a:off x="4324347" y="1529440"/>
+            <a:ext cx="3490123" cy="2677656"/>
+          </a:xfrm>
+          <a:prstGeom prst="rect">
+            <a:avLst/>
+          </a:prstGeom>
+          <a:noFill/>
+        </p:spPr>
+        <p:txBody>
+          <a:bodyPr wrap="none" rtlCol="0">
+            <a:spAutoFit/>
+          </a:bodyPr>
+          <a:lstStyle/>
+          <a:p>
+            <a:pPr marL="285750" indent="-285750">
+              <a:buFont typeface="Arial" panose="020B0604020202020204" pitchFamily="34" charset="0"/>
+              <a:buChar char="•"/>
+            </a:pPr>
+            <a:r>
+              <a:rPr lang="en-US" dirty="0" err="1"/>
+              <a:t>NgData</a:t>
+            </a:r>
+            <a:r>
+              <a:rPr lang="en-US" dirty="0"/>
+              <a:t> </a:t>
+            </a:r>
+            <a:r>
+              <a:rPr lang="en-US" sz="1400" dirty="0">
+                <a:solidFill>
+                  <a:schemeClr val="bg1">
+                    <a:lumMod val="50000"/>
+                  </a:schemeClr>
+                </a:solidFill>
+              </a:rPr>
+              <a:t>(BMF &amp; BCF)</a:t>
+            </a:r>
+          </a:p>
+          <a:p>
+            <a:pPr marL="285750" indent="-285750">
+              <a:buFont typeface="Arial" panose="020B0604020202020204" pitchFamily="34" charset="0"/>
+              <a:buChar char="•"/>
+            </a:pPr>
+            <a:r>
+              <a:rPr lang="en-US" dirty="0" err="1"/>
+              <a:t>Consoer_PFOSratio</a:t>
+            </a:r>
+            <a:r>
+              <a:rPr lang="en-US" dirty="0"/>
+              <a:t> </a:t>
+            </a:r>
+            <a:r>
+              <a:rPr lang="en-US" sz="1400" dirty="0">
+                <a:solidFill>
+                  <a:schemeClr val="bg1">
+                    <a:lumMod val="50000"/>
+                  </a:schemeClr>
+                </a:solidFill>
+              </a:rPr>
+              <a:t>(BMF &amp; BCF)</a:t>
+            </a:r>
+          </a:p>
+          <a:p>
+            <a:pPr marL="285750" indent="-285750">
+              <a:buFont typeface="Arial" panose="020B0604020202020204" pitchFamily="34" charset="0"/>
+              <a:buChar char="•"/>
+            </a:pPr>
+            <a:r>
+              <a:rPr lang="en-US" sz="2000" dirty="0" err="1"/>
+              <a:t>Consoer_PFOAratio</a:t>
+            </a:r>
+            <a:r>
+              <a:rPr lang="en-US" sz="2000" dirty="0"/>
+              <a:t> </a:t>
+            </a:r>
+            <a:r>
+              <a:rPr lang="en-US" sz="1400" dirty="0">
+                <a:solidFill>
+                  <a:schemeClr val="bg1">
+                    <a:lumMod val="50000"/>
+                  </a:schemeClr>
+                </a:solidFill>
+              </a:rPr>
+              <a:t>(BMF &amp; BCF)</a:t>
+            </a:r>
+          </a:p>
+          <a:p>
+            <a:pPr marL="285750" indent="-285750">
+              <a:buFont typeface="Arial" panose="020B0604020202020204" pitchFamily="34" charset="0"/>
+              <a:buChar char="•"/>
+            </a:pPr>
+            <a:endParaRPr lang="en-US" sz="1400" dirty="0">
+              <a:solidFill>
+                <a:schemeClr val="bg1">
+                  <a:lumMod val="50000"/>
+                </a:schemeClr>
+              </a:solidFill>
+            </a:endParaRPr>
+          </a:p>
+          <a:p>
+            <a:pPr marL="285750" indent="-285750">
+              <a:buFont typeface="Arial" panose="020B0604020202020204" pitchFamily="34" charset="0"/>
+              <a:buChar char="•"/>
+            </a:pPr>
+            <a:endParaRPr lang="en-US" sz="2000" dirty="0"/>
+          </a:p>
+          <a:p>
+            <a:pPr marL="285750" indent="-285750">
+              <a:buFont typeface="Arial" panose="020B0604020202020204" pitchFamily="34" charset="0"/>
+              <a:buChar char="•"/>
+            </a:pPr>
+            <a:r>
+              <a:rPr lang="en-US" sz="2000" dirty="0" err="1"/>
+              <a:t>observedData_BCF</a:t>
+            </a:r>
+            <a:r>
+              <a:rPr lang="en-US" sz="2000" dirty="0"/>
+              <a:t> </a:t>
+            </a:r>
+          </a:p>
+          <a:p>
+            <a:pPr marL="285750" indent="-285750">
+              <a:buFont typeface="Arial" panose="020B0604020202020204" pitchFamily="34" charset="0"/>
+              <a:buChar char="•"/>
+            </a:pPr>
+            <a:r>
+              <a:rPr lang="en-US" sz="2000" dirty="0" err="1"/>
+              <a:t>observedData_BMF</a:t>
+            </a:r>
+            <a:endParaRPr lang="en-US" sz="2000" dirty="0"/>
+          </a:p>
+          <a:p>
+            <a:pPr marL="285750" indent="-285750">
+              <a:buFont typeface="Arial" panose="020B0604020202020204" pitchFamily="34" charset="0"/>
+              <a:buChar char="•"/>
+            </a:pPr>
+            <a:endParaRPr lang="en-US" sz="2000" dirty="0"/>
+          </a:p>
+          <a:p>
+            <a:endParaRPr lang="en-US" b="1" dirty="0"/>
+          </a:p>
+        </p:txBody>
+      </p:sp>
+      <p:sp>
+        <p:nvSpPr>
+          <p:cNvPr id="2" name="TextBox 1">
+            <a:extLst>
+              <a:ext uri="{FF2B5EF4-FFF2-40B4-BE49-F238E27FC236}">
+                <a16:creationId xmlns:a16="http://schemas.microsoft.com/office/drawing/2014/main" id="{FC1AF65A-B008-EB35-B74E-3081BA7BC789}"/>
+              </a:ext>
+            </a:extLst>
+          </p:cNvPr>
+          <p:cNvSpPr txBox="1"/>
+          <p:nvPr/>
+        </p:nvSpPr>
+        <p:spPr>
+          <a:xfrm>
+            <a:off x="7255663" y="2914434"/>
+            <a:ext cx="1563826" cy="369332"/>
+          </a:xfrm>
+          <a:prstGeom prst="rect">
+            <a:avLst/>
+          </a:prstGeom>
+          <a:noFill/>
+        </p:spPr>
+        <p:txBody>
+          <a:bodyPr wrap="none" rtlCol="0">
+            <a:spAutoFit/>
+          </a:bodyPr>
+          <a:lstStyle/>
+          <a:p>
+            <a:r>
+              <a:rPr lang="en-US" i="1" dirty="0"/>
+              <a:t>BCF units: L/kg</a:t>
+            </a:r>
+          </a:p>
+        </p:txBody>
+      </p:sp>
+      <p:sp>
+        <p:nvSpPr>
+          <p:cNvPr id="3" name="TextBox 2">
+            <a:extLst>
+              <a:ext uri="{FF2B5EF4-FFF2-40B4-BE49-F238E27FC236}">
+                <a16:creationId xmlns:a16="http://schemas.microsoft.com/office/drawing/2014/main" id="{0AE8474E-0C2D-C3C6-7290-0BE3F4BAC753}"/>
+              </a:ext>
+            </a:extLst>
+          </p:cNvPr>
+          <p:cNvSpPr txBox="1"/>
+          <p:nvPr/>
+        </p:nvSpPr>
+        <p:spPr>
+          <a:xfrm>
+            <a:off x="7255663" y="3244334"/>
+            <a:ext cx="1758366" cy="369332"/>
+          </a:xfrm>
+          <a:prstGeom prst="rect">
+            <a:avLst/>
+          </a:prstGeom>
+          <a:noFill/>
+        </p:spPr>
+        <p:txBody>
+          <a:bodyPr wrap="none" rtlCol="0">
+            <a:spAutoFit/>
+          </a:bodyPr>
+          <a:lstStyle/>
+          <a:p>
+            <a:r>
+              <a:rPr lang="en-US" i="1" dirty="0"/>
+              <a:t>BMF units: kg/kg</a:t>
+            </a:r>
+          </a:p>
+        </p:txBody>
+      </p:sp>
+    </p:spTree>
+    <p:extLst>
+      <p:ext uri="{BB962C8B-B14F-4D97-AF65-F5344CB8AC3E}">
+        <p14:creationId xmlns:p14="http://schemas.microsoft.com/office/powerpoint/2010/main" val="4254676780"/>
       </p:ext>
     </p:extLst>
   </p:cSld>
@@ -3915,10 +4336,10 @@
       </p:grpSpPr>
       <p:sp>
         <p:nvSpPr>
-          <p:cNvPr id="4" name="Rounded Rectangle 3">
+          <p:cNvPr id="2" name="Rounded Rectangle 1">
             <a:extLst>
               <a:ext uri="{FF2B5EF4-FFF2-40B4-BE49-F238E27FC236}">
-                <a16:creationId xmlns:a16="http://schemas.microsoft.com/office/drawing/2014/main" id="{6973EDB9-E358-0481-6084-51FEDA0B4640}"/>
+                <a16:creationId xmlns:a16="http://schemas.microsoft.com/office/drawing/2014/main" id="{FA07C88F-7F24-63A1-9797-8C567BC62D55}"/>
               </a:ext>
             </a:extLst>
           </p:cNvPr>
@@ -3927,14 +4348,14 @@
         </p:nvSpPr>
         <p:spPr>
           <a:xfrm>
-            <a:off x="1559376" y="756554"/>
-            <a:ext cx="1681845" cy="772886"/>
+            <a:off x="768529" y="447431"/>
+            <a:ext cx="2351315" cy="772886"/>
           </a:xfrm>
           <a:prstGeom prst="roundRect">
             <a:avLst/>
           </a:prstGeom>
           <a:solidFill>
-            <a:schemeClr val="accent5"/>
+            <a:schemeClr val="accent3"/>
           </a:solidFill>
         </p:spPr>
         <p:style>
@@ -3963,17 +4384,54 @@
                 <a:latin typeface="Avenir Book" panose="02000503020000020003" pitchFamily="2" charset="0"/>
                 <a:cs typeface="Baghdad" pitchFamily="2" charset="-78"/>
               </a:rPr>
-              <a:t>Input files </a:t>
-            </a:r>
-          </a:p>
+              <a:t>Steady State model</a:t>
+            </a:r>
+          </a:p>
+        </p:txBody>
+      </p:sp>
+      <p:sp>
+        <p:nvSpPr>
+          <p:cNvPr id="3" name="Oval 2">
+            <a:extLst>
+              <a:ext uri="{FF2B5EF4-FFF2-40B4-BE49-F238E27FC236}">
+                <a16:creationId xmlns:a16="http://schemas.microsoft.com/office/drawing/2014/main" id="{2EAB9B24-70B0-56A3-27BB-2313C1B1EDF4}"/>
+              </a:ext>
+            </a:extLst>
+          </p:cNvPr>
+          <p:cNvSpPr/>
+          <p:nvPr/>
+        </p:nvSpPr>
+        <p:spPr>
+          <a:xfrm>
+            <a:off x="242202" y="564234"/>
+            <a:ext cx="434340" cy="468630"/>
+          </a:xfrm>
+          <a:prstGeom prst="ellipse">
+            <a:avLst/>
+          </a:prstGeom>
+        </p:spPr>
+        <p:style>
+          <a:lnRef idx="2">
+            <a:schemeClr val="accent6"/>
+          </a:lnRef>
+          <a:fillRef idx="1">
+            <a:schemeClr val="lt1"/>
+          </a:fillRef>
+          <a:effectRef idx="0">
+            <a:schemeClr val="accent6"/>
+          </a:effectRef>
+          <a:fontRef idx="minor">
+            <a:schemeClr val="dk1"/>
+          </a:fontRef>
+        </p:style>
+        <p:txBody>
+          <a:bodyPr rtlCol="0" anchor="ctr"/>
+          <a:lstStyle/>
           <a:p>
             <a:pPr algn="ctr"/>
             <a:r>
-              <a:rPr lang="en-US" sz="1400" b="1" dirty="0">
-                <a:latin typeface="Avenir Book" panose="02000503020000020003" pitchFamily="2" charset="0"/>
-                <a:cs typeface="Baghdad" pitchFamily="2" charset="-78"/>
-              </a:rPr>
-              <a:t>(.csv)</a:t>
+              <a:rPr lang="en-US" dirty="0"/>
+              <a:t>2</a:t>
             </a:r>
           </a:p>
         </p:txBody>
@@ -3983,7 +4441,7 @@
           <p:cNvPr id="5" name="TextBox 4">
             <a:extLst>
               <a:ext uri="{FF2B5EF4-FFF2-40B4-BE49-F238E27FC236}">
-                <a16:creationId xmlns:a16="http://schemas.microsoft.com/office/drawing/2014/main" id="{16EB8147-7F4C-7EA9-83FA-E6B083407208}"/>
+                <a16:creationId xmlns:a16="http://schemas.microsoft.com/office/drawing/2014/main" id="{341277AF-A0A6-EEC3-F7CC-FDE1B41E1C06}"/>
               </a:ext>
             </a:extLst>
           </p:cNvPr>
@@ -3992,8 +4450,8 @@
         </p:nvSpPr>
         <p:spPr>
           <a:xfrm>
-            <a:off x="1559376" y="1529440"/>
-            <a:ext cx="2444452" cy="1754326"/>
+            <a:off x="790521" y="1426964"/>
+            <a:ext cx="4523033" cy="2031325"/>
           </a:xfrm>
           <a:prstGeom prst="rect">
             <a:avLst/>
@@ -4006,15 +4464,24 @@
           </a:bodyPr>
           <a:lstStyle/>
           <a:p>
+            <a:r>
+              <a:rPr lang="en-US" dirty="0">
+                <a:latin typeface="Avenir Book" panose="02000503020000020003" pitchFamily="2" charset="0"/>
+              </a:rPr>
+              <a:t>Use:</a:t>
+            </a:r>
+          </a:p>
+          <a:p>
             <a:pPr marL="285750" indent="-285750">
               <a:buFont typeface="Arial" panose="020B0604020202020204" pitchFamily="34" charset="0"/>
               <a:buChar char="•"/>
             </a:pPr>
             <a:r>
-              <a:rPr lang="en-US" dirty="0" err="1"/>
-              <a:t>OceanData</a:t>
-            </a:r>
-            <a:endParaRPr lang="en-US" dirty="0"/>
+              <a:rPr lang="en-US" dirty="0">
+                <a:latin typeface="Avenir Book" panose="02000503020000020003" pitchFamily="2" charset="0"/>
+              </a:rPr>
+              <a:t>chem data</a:t>
+            </a:r>
           </a:p>
           <a:p>
             <a:pPr marL="285750" indent="-285750">
@@ -4022,10 +4489,11 @@
               <a:buChar char="•"/>
             </a:pPr>
             <a:r>
-              <a:rPr lang="en-US" dirty="0" err="1"/>
-              <a:t>ChemicalPArameters</a:t>
-            </a:r>
-            <a:endParaRPr lang="en-US" dirty="0"/>
+              <a:rPr lang="en-US" dirty="0">
+                <a:latin typeface="Avenir Book" panose="02000503020000020003" pitchFamily="2" charset="0"/>
+              </a:rPr>
+              <a:t>organism data</a:t>
+            </a:r>
           </a:p>
           <a:p>
             <a:pPr marL="285750" indent="-285750">
@@ -4033,10 +4501,11 @@
               <a:buChar char="•"/>
             </a:pPr>
             <a:r>
-              <a:rPr lang="en-US" dirty="0" err="1"/>
-              <a:t>chemicalData</a:t>
-            </a:r>
-            <a:endParaRPr lang="en-US" dirty="0"/>
+              <a:rPr lang="en-US" dirty="0">
+                <a:latin typeface="Avenir Book" panose="02000503020000020003" pitchFamily="2" charset="0"/>
+              </a:rPr>
+              <a:t>environment data</a:t>
+            </a:r>
           </a:p>
           <a:p>
             <a:pPr marL="285750" indent="-285750">
@@ -4044,10 +4513,11 @@
               <a:buChar char="•"/>
             </a:pPr>
             <a:r>
-              <a:rPr lang="en-US" dirty="0" err="1"/>
-              <a:t>oganismData</a:t>
-            </a:r>
-            <a:endParaRPr lang="en-US" dirty="0"/>
+              <a:rPr lang="en-US" dirty="0">
+                <a:latin typeface="Avenir Book" panose="02000503020000020003" pitchFamily="2" charset="0"/>
+              </a:rPr>
+              <a:t>environmental chem</a:t>
+            </a:r>
           </a:p>
           <a:p>
             <a:pPr marL="285750" indent="-285750">
@@ -4055,91 +4525,32 @@
               <a:buChar char="•"/>
             </a:pPr>
             <a:r>
-              <a:rPr lang="en-US" dirty="0" err="1"/>
-              <a:t>foodWebData</a:t>
-            </a:r>
-            <a:endParaRPr lang="en-US" dirty="0"/>
+              <a:rPr lang="en-US" dirty="0">
+                <a:latin typeface="Avenir Book" panose="02000503020000020003" pitchFamily="2" charset="0"/>
+              </a:rPr>
+              <a:t>P (proportion of consumed food items )</a:t>
+            </a:r>
           </a:p>
           <a:p>
             <a:pPr marL="285750" indent="-285750">
               <a:buFont typeface="Arial" panose="020B0604020202020204" pitchFamily="34" charset="0"/>
               <a:buChar char="•"/>
             </a:pPr>
-            <a:endParaRPr lang="en-US" b="1" dirty="0"/>
-          </a:p>
-        </p:txBody>
-      </p:sp>
-      <p:sp>
-        <p:nvSpPr>
-          <p:cNvPr id="7" name="Rounded Rectangle 6">
+            <a:r>
+              <a:rPr lang="en-US" dirty="0">
+                <a:latin typeface="Avenir Book" panose="02000503020000020003" pitchFamily="2" charset="0"/>
+              </a:rPr>
+              <a:t>Pd ( proportion of consumed sediment)</a:t>
+            </a:r>
+          </a:p>
+        </p:txBody>
+      </p:sp>
+      <p:sp>
+        <p:nvSpPr>
+          <p:cNvPr id="6" name="TextBox 5">
             <a:extLst>
               <a:ext uri="{FF2B5EF4-FFF2-40B4-BE49-F238E27FC236}">
-                <a16:creationId xmlns:a16="http://schemas.microsoft.com/office/drawing/2014/main" id="{232D5B40-1F45-D379-6C52-F5B8DB292712}"/>
-              </a:ext>
-            </a:extLst>
-          </p:cNvPr>
-          <p:cNvSpPr/>
-          <p:nvPr/>
-        </p:nvSpPr>
-        <p:spPr>
-          <a:xfrm>
-            <a:off x="4509404" y="756554"/>
-            <a:ext cx="1681845" cy="772886"/>
-          </a:xfrm>
-          <a:prstGeom prst="roundRect">
-            <a:avLst/>
-          </a:prstGeom>
-          <a:solidFill>
-            <a:schemeClr val="accent5"/>
-          </a:solidFill>
-        </p:spPr>
-        <p:style>
-          <a:lnRef idx="2">
-            <a:schemeClr val="accent1">
-              <a:shade val="50000"/>
-            </a:schemeClr>
-          </a:lnRef>
-          <a:fillRef idx="1">
-            <a:schemeClr val="accent1"/>
-          </a:fillRef>
-          <a:effectRef idx="0">
-            <a:schemeClr val="accent1"/>
-          </a:effectRef>
-          <a:fontRef idx="minor">
-            <a:schemeClr val="lt1"/>
-          </a:fontRef>
-        </p:style>
-        <p:txBody>
-          <a:bodyPr rtlCol="0" anchor="ctr"/>
-          <a:lstStyle/>
-          <a:p>
-            <a:pPr algn="ctr"/>
-            <a:r>
-              <a:rPr lang="en-US" b="1" dirty="0">
-                <a:latin typeface="Avenir Book" panose="02000503020000020003" pitchFamily="2" charset="0"/>
-                <a:cs typeface="Baghdad" pitchFamily="2" charset="-78"/>
-              </a:rPr>
-              <a:t>Input data </a:t>
-            </a:r>
-          </a:p>
-          <a:p>
-            <a:pPr algn="ctr"/>
-            <a:r>
-              <a:rPr lang="en-US" sz="1400" b="1" dirty="0">
-                <a:latin typeface="Avenir Book" panose="02000503020000020003" pitchFamily="2" charset="0"/>
-                <a:cs typeface="Baghdad" pitchFamily="2" charset="-78"/>
-              </a:rPr>
-              <a:t>(hard coded)</a:t>
-            </a:r>
-          </a:p>
-        </p:txBody>
-      </p:sp>
-      <p:sp>
-        <p:nvSpPr>
-          <p:cNvPr id="8" name="TextBox 7">
-            <a:extLst>
-              <a:ext uri="{FF2B5EF4-FFF2-40B4-BE49-F238E27FC236}">
-                <a16:creationId xmlns:a16="http://schemas.microsoft.com/office/drawing/2014/main" id="{72551B64-6D3E-06B2-1E7F-AF0335E8A964}"/>
+                <a16:creationId xmlns:a16="http://schemas.microsoft.com/office/drawing/2014/main" id="{F7C54EB9-0FE5-4143-5962-75487EC2FAF8}"/>
               </a:ext>
             </a:extLst>
           </p:cNvPr>
@@ -4148,8 +4559,8 @@
         </p:nvSpPr>
         <p:spPr>
           <a:xfrm>
-            <a:off x="4324347" y="1529440"/>
-            <a:ext cx="3490123" cy="2677656"/>
+            <a:off x="838200" y="3429000"/>
+            <a:ext cx="5057923" cy="369332"/>
           </a:xfrm>
           <a:prstGeom prst="rect">
             <a:avLst/>
@@ -4162,200 +4573,11 @@
           </a:bodyPr>
           <a:lstStyle/>
           <a:p>
-            <a:pPr marL="285750" indent="-285750">
-              <a:buFont typeface="Arial" panose="020B0604020202020204" pitchFamily="34" charset="0"/>
-              <a:buChar char="•"/>
-            </a:pPr>
-            <a:r>
-              <a:rPr lang="en-US" dirty="0" err="1"/>
-              <a:t>NgData</a:t>
-            </a:r>
-            <a:r>
-              <a:rPr lang="en-US" dirty="0"/>
-              <a:t> </a:t>
-            </a:r>
-            <a:r>
-              <a:rPr lang="en-US" sz="1400" dirty="0">
-                <a:solidFill>
-                  <a:schemeClr val="bg1">
-                    <a:lumMod val="50000"/>
-                  </a:schemeClr>
-                </a:solidFill>
+            <a:r>
+              <a:rPr lang="en-US" dirty="0">
+                <a:latin typeface="Avenir Book" panose="02000503020000020003" pitchFamily="2" charset="0"/>
               </a:rPr>
-              <a:t>(BMF &amp; BCF)</a:t>
-            </a:r>
-          </a:p>
-          <a:p>
-            <a:pPr marL="285750" indent="-285750">
-              <a:buFont typeface="Arial" panose="020B0604020202020204" pitchFamily="34" charset="0"/>
-              <a:buChar char="•"/>
-            </a:pPr>
-            <a:r>
-              <a:rPr lang="en-US" dirty="0" err="1"/>
-              <a:t>Consoer_PFOSratio</a:t>
-            </a:r>
-            <a:r>
-              <a:rPr lang="en-US" dirty="0"/>
-              <a:t> </a:t>
-            </a:r>
-            <a:r>
-              <a:rPr lang="en-US" sz="1400" dirty="0">
-                <a:solidFill>
-                  <a:schemeClr val="bg1">
-                    <a:lumMod val="50000"/>
-                  </a:schemeClr>
-                </a:solidFill>
-              </a:rPr>
-              <a:t>(BMF &amp; BCF)</a:t>
-            </a:r>
-          </a:p>
-          <a:p>
-            <a:pPr marL="285750" indent="-285750">
-              <a:buFont typeface="Arial" panose="020B0604020202020204" pitchFamily="34" charset="0"/>
-              <a:buChar char="•"/>
-            </a:pPr>
-            <a:r>
-              <a:rPr lang="en-US" sz="2000" dirty="0" err="1"/>
-              <a:t>Consoer_PFOAratio</a:t>
-            </a:r>
-            <a:r>
-              <a:rPr lang="en-US" sz="2000" dirty="0"/>
-              <a:t> </a:t>
-            </a:r>
-            <a:r>
-              <a:rPr lang="en-US" sz="1400" dirty="0">
-                <a:solidFill>
-                  <a:schemeClr val="bg1">
-                    <a:lumMod val="50000"/>
-                  </a:schemeClr>
-                </a:solidFill>
-              </a:rPr>
-              <a:t>(BMF &amp; BCF)</a:t>
-            </a:r>
-          </a:p>
-          <a:p>
-            <a:pPr marL="285750" indent="-285750">
-              <a:buFont typeface="Arial" panose="020B0604020202020204" pitchFamily="34" charset="0"/>
-              <a:buChar char="•"/>
-            </a:pPr>
-            <a:endParaRPr lang="en-US" sz="1400" dirty="0">
-              <a:solidFill>
-                <a:schemeClr val="bg1">
-                  <a:lumMod val="50000"/>
-                </a:schemeClr>
-              </a:solidFill>
-            </a:endParaRPr>
-          </a:p>
-          <a:p>
-            <a:pPr marL="285750" indent="-285750">
-              <a:buFont typeface="Arial" panose="020B0604020202020204" pitchFamily="34" charset="0"/>
-              <a:buChar char="•"/>
-            </a:pPr>
-            <a:endParaRPr lang="en-US" sz="2000" dirty="0"/>
-          </a:p>
-          <a:p>
-            <a:pPr marL="285750" indent="-285750">
-              <a:buFont typeface="Arial" panose="020B0604020202020204" pitchFamily="34" charset="0"/>
-              <a:buChar char="•"/>
-            </a:pPr>
-            <a:r>
-              <a:rPr lang="en-US" sz="2000" dirty="0" err="1"/>
-              <a:t>observedData_BCF</a:t>
-            </a:r>
-            <a:r>
-              <a:rPr lang="en-US" sz="2000" dirty="0"/>
-              <a:t> </a:t>
-            </a:r>
-          </a:p>
-          <a:p>
-            <a:pPr marL="285750" indent="-285750">
-              <a:buFont typeface="Arial" panose="020B0604020202020204" pitchFamily="34" charset="0"/>
-              <a:buChar char="•"/>
-            </a:pPr>
-            <a:r>
-              <a:rPr lang="en-US" sz="2000" dirty="0" err="1"/>
-              <a:t>observedData_BMF</a:t>
-            </a:r>
-            <a:endParaRPr lang="en-US" sz="2000" dirty="0"/>
-          </a:p>
-          <a:p>
-            <a:pPr marL="285750" indent="-285750">
-              <a:buFont typeface="Arial" panose="020B0604020202020204" pitchFamily="34" charset="0"/>
-              <a:buChar char="•"/>
-            </a:pPr>
-            <a:endParaRPr lang="en-US" sz="2000" dirty="0"/>
-          </a:p>
-          <a:p>
-            <a:endParaRPr lang="en-US" b="1" dirty="0"/>
-          </a:p>
-        </p:txBody>
-      </p:sp>
-      <p:sp>
-        <p:nvSpPr>
-          <p:cNvPr id="2" name="TextBox 1">
-            <a:extLst>
-              <a:ext uri="{FF2B5EF4-FFF2-40B4-BE49-F238E27FC236}">
-                <a16:creationId xmlns:a16="http://schemas.microsoft.com/office/drawing/2014/main" id="{FC1AF65A-B008-EB35-B74E-3081BA7BC789}"/>
-              </a:ext>
-            </a:extLst>
-          </p:cNvPr>
-          <p:cNvSpPr txBox="1"/>
-          <p:nvPr/>
-        </p:nvSpPr>
-        <p:spPr>
-          <a:xfrm>
-            <a:off x="7255663" y="2914434"/>
-            <a:ext cx="1563826" cy="369332"/>
-          </a:xfrm>
-          <a:prstGeom prst="rect">
-            <a:avLst/>
-          </a:prstGeom>
-          <a:noFill/>
-        </p:spPr>
-        <p:txBody>
-          <a:bodyPr wrap="none" rtlCol="0">
-            <a:spAutoFit/>
-          </a:bodyPr>
-          <a:lstStyle/>
-          <a:p>
-            <a:r>
-              <a:rPr lang="en-US" i="1" dirty="0"/>
-              <a:t>BCF units: L/kg</a:t>
-            </a:r>
-          </a:p>
-        </p:txBody>
-      </p:sp>
-      <p:sp>
-        <p:nvSpPr>
-          <p:cNvPr id="3" name="TextBox 2">
-            <a:extLst>
-              <a:ext uri="{FF2B5EF4-FFF2-40B4-BE49-F238E27FC236}">
-                <a16:creationId xmlns:a16="http://schemas.microsoft.com/office/drawing/2014/main" id="{0AE8474E-0C2D-C3C6-7290-0BE3F4BAC753}"/>
-              </a:ext>
-            </a:extLst>
-          </p:cNvPr>
-          <p:cNvSpPr txBox="1"/>
-          <p:nvPr/>
-        </p:nvSpPr>
-        <p:spPr>
-          <a:xfrm>
-            <a:off x="7255663" y="3244334"/>
-            <a:ext cx="1758366" cy="369332"/>
-          </a:xfrm>
-          <a:prstGeom prst="rect">
-            <a:avLst/>
-          </a:prstGeom>
-          <a:noFill/>
-        </p:spPr>
-        <p:txBody>
-          <a:bodyPr wrap="none" rtlCol="0">
-            <a:spAutoFit/>
-          </a:bodyPr>
-          <a:lstStyle/>
-          <a:p>
-            <a:r>
-              <a:rPr lang="en-US" i="1" dirty="0"/>
-              <a:t>BMF units: kg/kg</a:t>
+              <a:t>Calculates:  C_B  = tissue PFAA concentrations </a:t>
             </a:r>
           </a:p>
         </p:txBody>
@@ -4363,7 +4585,7 @@
     </p:spTree>
     <p:extLst>
       <p:ext uri="{BB962C8B-B14F-4D97-AF65-F5344CB8AC3E}">
-        <p14:creationId xmlns:p14="http://schemas.microsoft.com/office/powerpoint/2010/main" val="4254676780"/>
+        <p14:creationId xmlns:p14="http://schemas.microsoft.com/office/powerpoint/2010/main" val="3906542593"/>
       </p:ext>
     </p:extLst>
   </p:cSld>
@@ -4374,2706 +4596,6 @@
 </file>
 
 <file path=ppt/slides/slide3.xml><?xml version="1.0" encoding="utf-8"?>
-<p:sld xmlns:a="http://schemas.openxmlformats.org/drawingml/2006/main" xmlns:r="http://schemas.openxmlformats.org/officeDocument/2006/relationships" xmlns:p="http://schemas.openxmlformats.org/presentationml/2006/main">
-  <p:cSld>
-    <p:spTree>
-      <p:nvGrpSpPr>
-        <p:cNvPr id="1" name=""/>
-        <p:cNvGrpSpPr/>
-        <p:nvPr/>
-      </p:nvGrpSpPr>
-      <p:grpSpPr>
-        <a:xfrm>
-          <a:off x="0" y="0"/>
-          <a:ext cx="0" cy="0"/>
-          <a:chOff x="0" y="0"/>
-          <a:chExt cx="0" cy="0"/>
-        </a:xfrm>
-      </p:grpSpPr>
-      <p:sp>
-        <p:nvSpPr>
-          <p:cNvPr id="2" name="Rounded Rectangle 1">
-            <a:extLst>
-              <a:ext uri="{FF2B5EF4-FFF2-40B4-BE49-F238E27FC236}">
-                <a16:creationId xmlns:a16="http://schemas.microsoft.com/office/drawing/2014/main" id="{8A452E0C-13AD-86A3-AC9F-148FD6057228}"/>
-              </a:ext>
-            </a:extLst>
-          </p:cNvPr>
-          <p:cNvSpPr/>
-          <p:nvPr/>
-        </p:nvSpPr>
-        <p:spPr>
-          <a:xfrm>
-            <a:off x="721176" y="544285"/>
-            <a:ext cx="1681845" cy="772886"/>
-          </a:xfrm>
-          <a:prstGeom prst="roundRect">
-            <a:avLst/>
-          </a:prstGeom>
-          <a:solidFill>
-            <a:schemeClr val="accent2"/>
-          </a:solidFill>
-        </p:spPr>
-        <p:style>
-          <a:lnRef idx="2">
-            <a:schemeClr val="accent1">
-              <a:shade val="50000"/>
-            </a:schemeClr>
-          </a:lnRef>
-          <a:fillRef idx="1">
-            <a:schemeClr val="accent1"/>
-          </a:fillRef>
-          <a:effectRef idx="0">
-            <a:schemeClr val="accent1"/>
-          </a:effectRef>
-          <a:fontRef idx="minor">
-            <a:schemeClr val="lt1"/>
-          </a:fontRef>
-        </p:style>
-        <p:txBody>
-          <a:bodyPr rtlCol="0" anchor="ctr"/>
-          <a:lstStyle/>
-          <a:p>
-            <a:pPr algn="ctr"/>
-            <a:r>
-              <a:rPr lang="en-US" b="1" dirty="0">
-                <a:latin typeface="Avenir Book" panose="02000503020000020003" pitchFamily="2" charset="0"/>
-                <a:cs typeface="Baghdad" pitchFamily="2" charset="-78"/>
-              </a:rPr>
-              <a:t>Define Classes</a:t>
-            </a:r>
-          </a:p>
-        </p:txBody>
-      </p:sp>
-      <p:sp>
-        <p:nvSpPr>
-          <p:cNvPr id="3" name="TextBox 2">
-            <a:extLst>
-              <a:ext uri="{FF2B5EF4-FFF2-40B4-BE49-F238E27FC236}">
-                <a16:creationId xmlns:a16="http://schemas.microsoft.com/office/drawing/2014/main" id="{A5068393-64E4-FE55-55F0-47067636F83C}"/>
-              </a:ext>
-            </a:extLst>
-          </p:cNvPr>
-          <p:cNvSpPr txBox="1"/>
-          <p:nvPr/>
-        </p:nvSpPr>
-        <p:spPr>
-          <a:xfrm>
-            <a:off x="621992" y="1402806"/>
-            <a:ext cx="1844479" cy="1754326"/>
-          </a:xfrm>
-          <a:prstGeom prst="rect">
-            <a:avLst/>
-          </a:prstGeom>
-          <a:noFill/>
-        </p:spPr>
-        <p:txBody>
-          <a:bodyPr wrap="none" rtlCol="0">
-            <a:spAutoFit/>
-          </a:bodyPr>
-          <a:lstStyle/>
-          <a:p>
-            <a:pPr marL="285750" indent="-285750">
-              <a:buFont typeface="Arial" panose="020B0604020202020204" pitchFamily="34" charset="0"/>
-              <a:buChar char="•"/>
-            </a:pPr>
-            <a:r>
-              <a:rPr lang="en-US" b="1" dirty="0">
-                <a:solidFill>
-                  <a:schemeClr val="accent2"/>
-                </a:solidFill>
-              </a:rPr>
-              <a:t>Settings</a:t>
-            </a:r>
-          </a:p>
-          <a:p>
-            <a:pPr marL="285750" indent="-285750">
-              <a:buFont typeface="Arial" panose="020B0604020202020204" pitchFamily="34" charset="0"/>
-              <a:buChar char="•"/>
-            </a:pPr>
-            <a:r>
-              <a:rPr lang="en-US" b="1" dirty="0"/>
-              <a:t>Environment </a:t>
-            </a:r>
-          </a:p>
-          <a:p>
-            <a:pPr marL="285750" indent="-285750">
-              <a:buFont typeface="Arial" panose="020B0604020202020204" pitchFamily="34" charset="0"/>
-              <a:buChar char="•"/>
-            </a:pPr>
-            <a:r>
-              <a:rPr lang="en-US" b="1" dirty="0"/>
-              <a:t>Chemical </a:t>
-            </a:r>
-          </a:p>
-          <a:p>
-            <a:pPr marL="285750" indent="-285750">
-              <a:buFont typeface="Arial" panose="020B0604020202020204" pitchFamily="34" charset="0"/>
-              <a:buChar char="•"/>
-            </a:pPr>
-            <a:r>
-              <a:rPr lang="en-US" b="1" dirty="0"/>
-              <a:t>Chemical Data</a:t>
-            </a:r>
-          </a:p>
-          <a:p>
-            <a:pPr marL="285750" indent="-285750">
-              <a:buFont typeface="Arial" panose="020B0604020202020204" pitchFamily="34" charset="0"/>
-              <a:buChar char="•"/>
-            </a:pPr>
-            <a:r>
-              <a:rPr lang="en-US" b="1" dirty="0"/>
-              <a:t>Organism </a:t>
-            </a:r>
-          </a:p>
-          <a:p>
-            <a:endParaRPr lang="en-US" b="1" dirty="0"/>
-          </a:p>
-        </p:txBody>
-      </p:sp>
-      <p:sp>
-        <p:nvSpPr>
-          <p:cNvPr id="6" name="Left Arrow 5">
-            <a:extLst>
-              <a:ext uri="{FF2B5EF4-FFF2-40B4-BE49-F238E27FC236}">
-                <a16:creationId xmlns:a16="http://schemas.microsoft.com/office/drawing/2014/main" id="{C67B7D99-433A-42C2-67EB-080E1FC518C1}"/>
-              </a:ext>
-            </a:extLst>
-          </p:cNvPr>
-          <p:cNvSpPr/>
-          <p:nvPr/>
-        </p:nvSpPr>
-        <p:spPr>
-          <a:xfrm rot="10800000">
-            <a:off x="1853291" y="1513113"/>
-            <a:ext cx="522513" cy="206829"/>
-          </a:xfrm>
-          <a:prstGeom prst="leftArrow">
-            <a:avLst/>
-          </a:prstGeom>
-          <a:solidFill>
-            <a:schemeClr val="accent2">
-              <a:lumMod val="20000"/>
-              <a:lumOff val="80000"/>
-            </a:schemeClr>
-          </a:solidFill>
-          <a:ln>
-            <a:solidFill>
-              <a:schemeClr val="accent2"/>
-            </a:solidFill>
-          </a:ln>
-        </p:spPr>
-        <p:style>
-          <a:lnRef idx="2">
-            <a:schemeClr val="accent1">
-              <a:shade val="50000"/>
-            </a:schemeClr>
-          </a:lnRef>
-          <a:fillRef idx="1">
-            <a:schemeClr val="accent1"/>
-          </a:fillRef>
-          <a:effectRef idx="0">
-            <a:schemeClr val="accent1"/>
-          </a:effectRef>
-          <a:fontRef idx="minor">
-            <a:schemeClr val="lt1"/>
-          </a:fontRef>
-        </p:style>
-        <p:txBody>
-          <a:bodyPr rtlCol="0" anchor="ctr"/>
-          <a:lstStyle/>
-          <a:p>
-            <a:pPr algn="ctr"/>
-            <a:endParaRPr lang="en-US"/>
-          </a:p>
-        </p:txBody>
-      </p:sp>
-      <p:pic>
-        <p:nvPicPr>
-          <p:cNvPr id="8" name="Picture 7">
-            <a:extLst>
-              <a:ext uri="{FF2B5EF4-FFF2-40B4-BE49-F238E27FC236}">
-                <a16:creationId xmlns:a16="http://schemas.microsoft.com/office/drawing/2014/main" id="{55B4A4A8-8A95-1FE3-FF8E-7003D25588CA}"/>
-              </a:ext>
-            </a:extLst>
-          </p:cNvPr>
-          <p:cNvPicPr>
-            <a:picLocks noChangeAspect="1"/>
-          </p:cNvPicPr>
-          <p:nvPr/>
-        </p:nvPicPr>
-        <p:blipFill>
-          <a:blip r:embed="rId2"/>
-          <a:stretch>
-            <a:fillRect/>
-          </a:stretch>
-        </p:blipFill>
-        <p:spPr>
-          <a:xfrm>
-            <a:off x="2708730" y="857818"/>
-            <a:ext cx="3530600" cy="2019300"/>
-          </a:xfrm>
-          <a:prstGeom prst="rect">
-            <a:avLst/>
-          </a:prstGeom>
-        </p:spPr>
-      </p:pic>
-      <p:sp>
-        <p:nvSpPr>
-          <p:cNvPr id="5" name="TextBox 4">
-            <a:extLst>
-              <a:ext uri="{FF2B5EF4-FFF2-40B4-BE49-F238E27FC236}">
-                <a16:creationId xmlns:a16="http://schemas.microsoft.com/office/drawing/2014/main" id="{30307DF8-7D57-978C-570E-6713CEDED4E9}"/>
-              </a:ext>
-            </a:extLst>
-          </p:cNvPr>
-          <p:cNvSpPr txBox="1"/>
-          <p:nvPr/>
-        </p:nvSpPr>
-        <p:spPr>
-          <a:xfrm>
-            <a:off x="7126784" y="581814"/>
-            <a:ext cx="4712972" cy="523220"/>
-          </a:xfrm>
-          <a:prstGeom prst="rect">
-            <a:avLst/>
-          </a:prstGeom>
-          <a:noFill/>
-        </p:spPr>
-        <p:txBody>
-          <a:bodyPr wrap="square" rtlCol="0">
-            <a:spAutoFit/>
-          </a:bodyPr>
-          <a:lstStyle/>
-          <a:p>
-            <a:pPr algn="ctr"/>
-            <a:r>
-              <a:rPr lang="en-US" sz="2800" dirty="0">
-                <a:latin typeface="Avenir Book" panose="02000503020000020003" pitchFamily="2" charset="0"/>
-              </a:rPr>
-              <a:t>OUTPUTS/ description</a:t>
-            </a:r>
-          </a:p>
-        </p:txBody>
-      </p:sp>
-      <p:sp>
-        <p:nvSpPr>
-          <p:cNvPr id="9" name="TextBox 8">
-            <a:extLst>
-              <a:ext uri="{FF2B5EF4-FFF2-40B4-BE49-F238E27FC236}">
-                <a16:creationId xmlns:a16="http://schemas.microsoft.com/office/drawing/2014/main" id="{98BE9636-5666-E2AC-DFDC-2246333F5865}"/>
-              </a:ext>
-            </a:extLst>
-          </p:cNvPr>
-          <p:cNvSpPr txBox="1"/>
-          <p:nvPr/>
-        </p:nvSpPr>
-        <p:spPr>
-          <a:xfrm>
-            <a:off x="6774197" y="1105034"/>
-            <a:ext cx="5234923" cy="5893921"/>
-          </a:xfrm>
-          <a:prstGeom prst="rect">
-            <a:avLst/>
-          </a:prstGeom>
-          <a:noFill/>
-        </p:spPr>
-        <p:txBody>
-          <a:bodyPr wrap="square" rtlCol="0">
-            <a:spAutoFit/>
-          </a:bodyPr>
-          <a:lstStyle/>
-          <a:p>
-            <a:pPr marL="285750" indent="-285750">
-              <a:buFont typeface="Arial" panose="020B0604020202020204" pitchFamily="34" charset="0"/>
-              <a:buChar char="•"/>
-            </a:pPr>
-            <a:r>
-              <a:rPr lang="en-US" dirty="0"/>
-              <a:t>New settings, used to define how the model runs</a:t>
-            </a:r>
-          </a:p>
-          <a:p>
-            <a:pPr marL="285750" indent="-285750">
-              <a:buFont typeface="Arial" panose="020B0604020202020204" pitchFamily="34" charset="0"/>
-              <a:buChar char="•"/>
-            </a:pPr>
-            <a:r>
-              <a:rPr lang="en-US" b="1" dirty="0" err="1"/>
-              <a:t>chooseEd</a:t>
-            </a:r>
-            <a:endParaRPr lang="en-US" dirty="0"/>
-          </a:p>
-          <a:p>
-            <a:r>
-              <a:rPr lang="en-US" sz="1050" i="1" dirty="0">
-                <a:effectLst/>
-                <a:latin typeface="Helvetica" pitchFamily="2" charset="0"/>
-              </a:rPr>
-              <a:t>E_D = Chemical absorption efficiency across the gut</a:t>
-            </a:r>
-            <a:r>
-              <a:rPr lang="en-US" sz="1050" dirty="0">
-                <a:latin typeface="Helvetica" pitchFamily="2" charset="0"/>
-              </a:rPr>
-              <a:t> </a:t>
-            </a:r>
-            <a:r>
-              <a:rPr lang="en-US" sz="1050" i="1" dirty="0">
-                <a:effectLst/>
-                <a:latin typeface="Helvetica" pitchFamily="2" charset="0"/>
-              </a:rPr>
-              <a:t>membrane (gut or dietary chemical absorption efficiency) </a:t>
-            </a:r>
-            <a:endParaRPr lang="en-US" sz="1050" dirty="0">
-              <a:effectLst/>
-              <a:latin typeface="Helvetica" pitchFamily="2" charset="0"/>
-            </a:endParaRPr>
-          </a:p>
-          <a:p>
-            <a:pPr marL="742950" lvl="1" indent="-285750">
-              <a:buFont typeface="Arial" panose="020B0604020202020204" pitchFamily="34" charset="0"/>
-              <a:buChar char="•"/>
-            </a:pPr>
-            <a:r>
-              <a:rPr lang="en-US" dirty="0">
-                <a:solidFill>
-                  <a:schemeClr val="accent3"/>
-                </a:solidFill>
-              </a:rPr>
-              <a:t>In </a:t>
-            </a:r>
-            <a:r>
-              <a:rPr lang="en-US" dirty="0" err="1">
-                <a:solidFill>
-                  <a:schemeClr val="accent3"/>
-                </a:solidFill>
-              </a:rPr>
-              <a:t>chemicalParameters</a:t>
-            </a:r>
-            <a:r>
-              <a:rPr lang="en-US" dirty="0">
-                <a:solidFill>
-                  <a:schemeClr val="accent3"/>
-                </a:solidFill>
-              </a:rPr>
-              <a:t> data</a:t>
-            </a:r>
-          </a:p>
-          <a:p>
-            <a:pPr marL="285750" indent="-285750">
-              <a:buFont typeface="Arial" panose="020B0604020202020204" pitchFamily="34" charset="0"/>
-              <a:buChar char="•"/>
-            </a:pPr>
-            <a:r>
-              <a:rPr lang="en-US" b="1" dirty="0" err="1"/>
-              <a:t>chooseDiet</a:t>
-            </a:r>
-            <a:endParaRPr lang="en-US" b="1" dirty="0"/>
-          </a:p>
-          <a:p>
-            <a:pPr marL="742950" lvl="1" indent="-285750">
-              <a:buFont typeface="Arial" panose="020B0604020202020204" pitchFamily="34" charset="0"/>
-              <a:buChar char="•"/>
-            </a:pPr>
-            <a:r>
-              <a:rPr lang="en-US" sz="1600" dirty="0"/>
-              <a:t>‘default’, ‘zero’, 'Martin BMF’ | 'Martin BMF rev’, 'forced Munoz’ (</a:t>
-            </a:r>
-            <a:r>
-              <a:rPr lang="en-US" sz="1600" u="sng" dirty="0"/>
-              <a:t>Manual –read in provided data)</a:t>
-            </a:r>
-          </a:p>
-          <a:p>
-            <a:pPr marL="742950" lvl="1" indent="-285750">
-              <a:buFont typeface="Arial" panose="020B0604020202020204" pitchFamily="34" charset="0"/>
-              <a:buChar char="•"/>
-            </a:pPr>
-            <a:r>
-              <a:rPr lang="en-US" dirty="0" err="1">
-                <a:solidFill>
-                  <a:schemeClr val="accent1"/>
-                </a:solidFill>
-              </a:rPr>
-              <a:t>dietData</a:t>
-            </a:r>
-            <a:endParaRPr lang="en-US" dirty="0">
-              <a:solidFill>
-                <a:schemeClr val="accent1"/>
-              </a:solidFill>
-            </a:endParaRPr>
-          </a:p>
-          <a:p>
-            <a:pPr marL="285750" indent="-285750">
-              <a:buFont typeface="Arial" panose="020B0604020202020204" pitchFamily="34" charset="0"/>
-              <a:buChar char="•"/>
-            </a:pPr>
-            <a:r>
-              <a:rPr lang="en-US" b="1" dirty="0" err="1"/>
-              <a:t>chooseDmw</a:t>
-            </a:r>
-            <a:r>
-              <a:rPr lang="en-US" dirty="0"/>
-              <a:t> = "</a:t>
-            </a:r>
-            <a:r>
-              <a:rPr lang="en-US" dirty="0" err="1"/>
-              <a:t>Droge</a:t>
-            </a:r>
-            <a:r>
-              <a:rPr lang="en-US" dirty="0"/>
-              <a:t>”</a:t>
-            </a:r>
-          </a:p>
-          <a:p>
-            <a:r>
-              <a:rPr lang="en-US" sz="1100" i="1" dirty="0">
-                <a:effectLst/>
-                <a:latin typeface="Helvetica" pitchFamily="2" charset="0"/>
-              </a:rPr>
-              <a:t>Partitioning to phospholipids is described by the membrane-water partitioning coefficient</a:t>
-            </a:r>
-            <a:endParaRPr lang="en-US" sz="1100" dirty="0"/>
-          </a:p>
-          <a:p>
-            <a:pPr marL="742950" lvl="1" indent="-285750">
-              <a:buFont typeface="Arial" panose="020B0604020202020204" pitchFamily="34" charset="0"/>
-              <a:buChar char="•"/>
-            </a:pPr>
-            <a:r>
-              <a:rPr lang="en-US" dirty="0">
-                <a:solidFill>
-                  <a:schemeClr val="accent3"/>
-                </a:solidFill>
-              </a:rPr>
-              <a:t>In </a:t>
-            </a:r>
-            <a:r>
-              <a:rPr lang="en-US" dirty="0" err="1">
-                <a:solidFill>
-                  <a:schemeClr val="accent3"/>
-                </a:solidFill>
-              </a:rPr>
-              <a:t>chemicalParameters</a:t>
-            </a:r>
-            <a:r>
-              <a:rPr lang="en-US" dirty="0">
-                <a:solidFill>
-                  <a:schemeClr val="accent3"/>
-                </a:solidFill>
-              </a:rPr>
-              <a:t> data</a:t>
-            </a:r>
-          </a:p>
-          <a:p>
-            <a:pPr marL="742950" lvl="1" indent="-285750">
-              <a:buFont typeface="Arial" panose="020B0604020202020204" pitchFamily="34" charset="0"/>
-              <a:buChar char="•"/>
-            </a:pPr>
-            <a:r>
-              <a:rPr lang="en-US" dirty="0"/>
-              <a:t>Table S3a. Log </a:t>
-            </a:r>
-            <a:r>
-              <a:rPr lang="en-US" dirty="0" err="1"/>
-              <a:t>Dmw</a:t>
-            </a:r>
-            <a:endParaRPr lang="en-US" dirty="0"/>
-          </a:p>
-          <a:p>
-            <a:pPr marL="285750" indent="-285750">
-              <a:buFont typeface="Arial" panose="020B0604020202020204" pitchFamily="34" charset="0"/>
-              <a:buChar char="•"/>
-            </a:pPr>
-            <a:r>
-              <a:rPr lang="en-US" b="1" dirty="0" err="1"/>
-              <a:t>chooseEw</a:t>
-            </a:r>
-            <a:r>
-              <a:rPr lang="en-US" b="1" dirty="0"/>
-              <a:t> </a:t>
-            </a:r>
-            <a:r>
-              <a:rPr lang="en-US" dirty="0"/>
-              <a:t>= "empirical”</a:t>
-            </a:r>
-          </a:p>
-          <a:p>
-            <a:r>
-              <a:rPr lang="en-US" sz="1100" i="1" dirty="0">
-                <a:effectLst/>
-                <a:latin typeface="Helvetica" pitchFamily="2" charset="0"/>
-              </a:rPr>
-              <a:t>Chemical absorption efficiency across the gill</a:t>
-            </a:r>
-            <a:r>
-              <a:rPr lang="en-US" sz="1100" dirty="0">
-                <a:latin typeface="Helvetica" pitchFamily="2" charset="0"/>
-              </a:rPr>
-              <a:t> </a:t>
-            </a:r>
-            <a:r>
-              <a:rPr lang="en-US" sz="1100" i="1" dirty="0">
-                <a:effectLst/>
-                <a:latin typeface="Helvetica" pitchFamily="2" charset="0"/>
-              </a:rPr>
-              <a:t>membrane (aqueous chemical absorption</a:t>
-            </a:r>
-            <a:r>
-              <a:rPr lang="en-US" sz="1100" dirty="0">
-                <a:latin typeface="Helvetica" pitchFamily="2" charset="0"/>
-              </a:rPr>
-              <a:t> </a:t>
-            </a:r>
-            <a:r>
-              <a:rPr lang="en-US" sz="1100" i="1" dirty="0">
-                <a:effectLst/>
-                <a:latin typeface="Helvetica" pitchFamily="2" charset="0"/>
-              </a:rPr>
-              <a:t>efficiency)</a:t>
-            </a:r>
-            <a:endParaRPr lang="en-US" sz="1100" dirty="0"/>
-          </a:p>
-          <a:p>
-            <a:pPr marL="742950" lvl="1" indent="-285750">
-              <a:buFont typeface="Arial" panose="020B0604020202020204" pitchFamily="34" charset="0"/>
-              <a:buChar char="•"/>
-            </a:pPr>
-            <a:r>
-              <a:rPr lang="en-US" dirty="0">
-                <a:solidFill>
-                  <a:schemeClr val="accent3"/>
-                </a:solidFill>
-              </a:rPr>
-              <a:t>In </a:t>
-            </a:r>
-            <a:r>
-              <a:rPr lang="en-US" dirty="0" err="1">
-                <a:solidFill>
-                  <a:schemeClr val="accent3"/>
-                </a:solidFill>
-              </a:rPr>
-              <a:t>chemicalParameters</a:t>
-            </a:r>
-            <a:r>
-              <a:rPr lang="en-US" dirty="0">
-                <a:solidFill>
-                  <a:schemeClr val="accent3"/>
-                </a:solidFill>
-              </a:rPr>
-              <a:t> data</a:t>
-            </a:r>
-            <a:endParaRPr lang="en-US" dirty="0"/>
-          </a:p>
-          <a:p>
-            <a:pPr marL="285750" indent="-285750">
-              <a:buFont typeface="Arial" panose="020B0604020202020204" pitchFamily="34" charset="0"/>
-              <a:buChar char="•"/>
-            </a:pPr>
-            <a:r>
-              <a:rPr lang="en-US" b="1" dirty="0" err="1"/>
-              <a:t>chooseKoc</a:t>
-            </a:r>
-            <a:r>
-              <a:rPr lang="en-US" dirty="0"/>
-              <a:t> = "</a:t>
-            </a:r>
-            <a:r>
-              <a:rPr lang="en-US" dirty="0" err="1"/>
-              <a:t>Koc_Munoz</a:t>
-            </a:r>
-            <a:r>
-              <a:rPr lang="en-US" dirty="0"/>
-              <a:t>”</a:t>
-            </a:r>
-          </a:p>
-          <a:p>
-            <a:r>
-              <a:rPr lang="en-US" sz="1200" i="1" dirty="0" err="1"/>
-              <a:t>Koc</a:t>
-            </a:r>
-            <a:r>
-              <a:rPr lang="en-US" sz="1200" i="1" dirty="0"/>
-              <a:t> is the organic carbon partitioning coefficient; </a:t>
-            </a:r>
-            <a:r>
-              <a:rPr lang="en-US" sz="1200" i="1" dirty="0" err="1"/>
-              <a:t>Koc</a:t>
-            </a:r>
-            <a:r>
-              <a:rPr lang="en-US" sz="1200" i="1" dirty="0"/>
-              <a:t> = </a:t>
-            </a:r>
-            <a:r>
-              <a:rPr lang="en-US" sz="1200" i="1" dirty="0" err="1"/>
-              <a:t>Kd</a:t>
-            </a:r>
-            <a:r>
-              <a:rPr lang="en-US" sz="1200" i="1" dirty="0"/>
-              <a:t> / OCS</a:t>
-            </a:r>
-          </a:p>
-          <a:p>
-            <a:r>
-              <a:rPr lang="en-US" sz="1200" i="1" dirty="0"/>
-              <a:t>OCS is the organic carbon content of the sediment</a:t>
-            </a:r>
-          </a:p>
-          <a:p>
-            <a:r>
-              <a:rPr lang="en-US" sz="1200" i="1" dirty="0" err="1"/>
-              <a:t>Kd</a:t>
-            </a:r>
-            <a:r>
-              <a:rPr lang="en-US" sz="1200" i="1" dirty="0"/>
-              <a:t> = </a:t>
-            </a:r>
-            <a:r>
-              <a:rPr lang="en-US" sz="1200" i="1" dirty="0">
-                <a:effectLst/>
-                <a:latin typeface="Helvetica" pitchFamily="2" charset="0"/>
-              </a:rPr>
-              <a:t>Dietary uptake rate constant</a:t>
-            </a:r>
-            <a:endParaRPr lang="en-US" sz="1200" i="1" dirty="0"/>
-          </a:p>
-          <a:p>
-            <a:pPr marL="742950" lvl="1" indent="-285750">
-              <a:buFont typeface="Arial" panose="020B0604020202020204" pitchFamily="34" charset="0"/>
-              <a:buChar char="•"/>
-            </a:pPr>
-            <a:r>
-              <a:rPr lang="en-US" dirty="0">
-                <a:solidFill>
-                  <a:schemeClr val="accent3"/>
-                </a:solidFill>
-              </a:rPr>
-              <a:t>In </a:t>
-            </a:r>
-            <a:r>
-              <a:rPr lang="en-US" dirty="0" err="1">
-                <a:solidFill>
-                  <a:schemeClr val="accent3"/>
-                </a:solidFill>
-              </a:rPr>
-              <a:t>chemicalParameters</a:t>
-            </a:r>
-            <a:r>
-              <a:rPr lang="en-US" dirty="0">
-                <a:solidFill>
-                  <a:schemeClr val="accent3"/>
-                </a:solidFill>
-              </a:rPr>
-              <a:t> data</a:t>
-            </a:r>
-          </a:p>
-          <a:p>
-            <a:pPr lvl="1"/>
-            <a:endParaRPr lang="en-US" dirty="0"/>
-          </a:p>
-        </p:txBody>
-      </p:sp>
-    </p:spTree>
-    <p:extLst>
-      <p:ext uri="{BB962C8B-B14F-4D97-AF65-F5344CB8AC3E}">
-        <p14:creationId xmlns:p14="http://schemas.microsoft.com/office/powerpoint/2010/main" val="441069687"/>
-      </p:ext>
-    </p:extLst>
-  </p:cSld>
-  <p:clrMapOvr>
-    <a:masterClrMapping/>
-  </p:clrMapOvr>
-</p:sld>
-</file>
-
-<file path=ppt/slides/slide4.xml><?xml version="1.0" encoding="utf-8"?>
-<p:sld xmlns:a="http://schemas.openxmlformats.org/drawingml/2006/main" xmlns:r="http://schemas.openxmlformats.org/officeDocument/2006/relationships" xmlns:p="http://schemas.openxmlformats.org/presentationml/2006/main">
-  <p:cSld>
-    <p:spTree>
-      <p:nvGrpSpPr>
-        <p:cNvPr id="1" name=""/>
-        <p:cNvGrpSpPr/>
-        <p:nvPr/>
-      </p:nvGrpSpPr>
-      <p:grpSpPr>
-        <a:xfrm>
-          <a:off x="0" y="0"/>
-          <a:ext cx="0" cy="0"/>
-          <a:chOff x="0" y="0"/>
-          <a:chExt cx="0" cy="0"/>
-        </a:xfrm>
-      </p:grpSpPr>
-      <p:sp>
-        <p:nvSpPr>
-          <p:cNvPr id="2" name="Rounded Rectangle 1">
-            <a:extLst>
-              <a:ext uri="{FF2B5EF4-FFF2-40B4-BE49-F238E27FC236}">
-                <a16:creationId xmlns:a16="http://schemas.microsoft.com/office/drawing/2014/main" id="{8A452E0C-13AD-86A3-AC9F-148FD6057228}"/>
-              </a:ext>
-            </a:extLst>
-          </p:cNvPr>
-          <p:cNvSpPr/>
-          <p:nvPr/>
-        </p:nvSpPr>
-        <p:spPr>
-          <a:xfrm>
-            <a:off x="721176" y="544285"/>
-            <a:ext cx="1681845" cy="772886"/>
-          </a:xfrm>
-          <a:prstGeom prst="roundRect">
-            <a:avLst/>
-          </a:prstGeom>
-          <a:solidFill>
-            <a:schemeClr val="accent2"/>
-          </a:solidFill>
-        </p:spPr>
-        <p:style>
-          <a:lnRef idx="2">
-            <a:schemeClr val="accent1">
-              <a:shade val="50000"/>
-            </a:schemeClr>
-          </a:lnRef>
-          <a:fillRef idx="1">
-            <a:schemeClr val="accent1"/>
-          </a:fillRef>
-          <a:effectRef idx="0">
-            <a:schemeClr val="accent1"/>
-          </a:effectRef>
-          <a:fontRef idx="minor">
-            <a:schemeClr val="lt1"/>
-          </a:fontRef>
-        </p:style>
-        <p:txBody>
-          <a:bodyPr rtlCol="0" anchor="ctr"/>
-          <a:lstStyle/>
-          <a:p>
-            <a:pPr algn="ctr"/>
-            <a:r>
-              <a:rPr lang="en-US" b="1" dirty="0">
-                <a:latin typeface="Avenir Book" panose="02000503020000020003" pitchFamily="2" charset="0"/>
-                <a:cs typeface="Baghdad" pitchFamily="2" charset="-78"/>
-              </a:rPr>
-              <a:t>Define Classes</a:t>
-            </a:r>
-          </a:p>
-        </p:txBody>
-      </p:sp>
-      <p:sp>
-        <p:nvSpPr>
-          <p:cNvPr id="6" name="Left Arrow 5">
-            <a:extLst>
-              <a:ext uri="{FF2B5EF4-FFF2-40B4-BE49-F238E27FC236}">
-                <a16:creationId xmlns:a16="http://schemas.microsoft.com/office/drawing/2014/main" id="{C67B7D99-433A-42C2-67EB-080E1FC518C1}"/>
-              </a:ext>
-            </a:extLst>
-          </p:cNvPr>
-          <p:cNvSpPr/>
-          <p:nvPr/>
-        </p:nvSpPr>
-        <p:spPr>
-          <a:xfrm rot="10800000">
-            <a:off x="2315724" y="1788342"/>
-            <a:ext cx="522513" cy="206829"/>
-          </a:xfrm>
-          <a:prstGeom prst="leftArrow">
-            <a:avLst/>
-          </a:prstGeom>
-          <a:solidFill>
-            <a:schemeClr val="accent2">
-              <a:lumMod val="20000"/>
-              <a:lumOff val="80000"/>
-            </a:schemeClr>
-          </a:solidFill>
-          <a:ln>
-            <a:solidFill>
-              <a:schemeClr val="accent2"/>
-            </a:solidFill>
-          </a:ln>
-        </p:spPr>
-        <p:style>
-          <a:lnRef idx="2">
-            <a:schemeClr val="accent1">
-              <a:shade val="50000"/>
-            </a:schemeClr>
-          </a:lnRef>
-          <a:fillRef idx="1">
-            <a:schemeClr val="accent1"/>
-          </a:fillRef>
-          <a:effectRef idx="0">
-            <a:schemeClr val="accent1"/>
-          </a:effectRef>
-          <a:fontRef idx="minor">
-            <a:schemeClr val="lt1"/>
-          </a:fontRef>
-        </p:style>
-        <p:txBody>
-          <a:bodyPr rtlCol="0" anchor="ctr"/>
-          <a:lstStyle/>
-          <a:p>
-            <a:pPr algn="ctr"/>
-            <a:endParaRPr lang="en-US"/>
-          </a:p>
-        </p:txBody>
-      </p:sp>
-      <p:pic>
-        <p:nvPicPr>
-          <p:cNvPr id="7" name="Picture 6">
-            <a:extLst>
-              <a:ext uri="{FF2B5EF4-FFF2-40B4-BE49-F238E27FC236}">
-                <a16:creationId xmlns:a16="http://schemas.microsoft.com/office/drawing/2014/main" id="{40988A4E-8CC1-7B17-FB8A-8693A92D4AC2}"/>
-              </a:ext>
-            </a:extLst>
-          </p:cNvPr>
-          <p:cNvPicPr>
-            <a:picLocks noChangeAspect="1"/>
-          </p:cNvPicPr>
-          <p:nvPr/>
-        </p:nvPicPr>
-        <p:blipFill>
-          <a:blip r:embed="rId2"/>
-          <a:stretch>
-            <a:fillRect/>
-          </a:stretch>
-        </p:blipFill>
-        <p:spPr>
-          <a:xfrm>
-            <a:off x="2941865" y="1402806"/>
-            <a:ext cx="2933700" cy="1803400"/>
-          </a:xfrm>
-          <a:prstGeom prst="rect">
-            <a:avLst/>
-          </a:prstGeom>
-        </p:spPr>
-      </p:pic>
-      <p:sp>
-        <p:nvSpPr>
-          <p:cNvPr id="4" name="TextBox 3">
-            <a:extLst>
-              <a:ext uri="{FF2B5EF4-FFF2-40B4-BE49-F238E27FC236}">
-                <a16:creationId xmlns:a16="http://schemas.microsoft.com/office/drawing/2014/main" id="{29737E63-4DF2-09F3-8932-D54F51C2B4B1}"/>
-              </a:ext>
-            </a:extLst>
-          </p:cNvPr>
-          <p:cNvSpPr txBox="1"/>
-          <p:nvPr/>
-        </p:nvSpPr>
-        <p:spPr>
-          <a:xfrm>
-            <a:off x="621992" y="1402806"/>
-            <a:ext cx="1844479" cy="1477328"/>
-          </a:xfrm>
-          <a:prstGeom prst="rect">
-            <a:avLst/>
-          </a:prstGeom>
-          <a:noFill/>
-        </p:spPr>
-        <p:txBody>
-          <a:bodyPr wrap="none" rtlCol="0">
-            <a:spAutoFit/>
-          </a:bodyPr>
-          <a:lstStyle/>
-          <a:p>
-            <a:pPr marL="285750" indent="-285750">
-              <a:buFont typeface="Arial" panose="020B0604020202020204" pitchFamily="34" charset="0"/>
-              <a:buChar char="•"/>
-            </a:pPr>
-            <a:r>
-              <a:rPr lang="en-US" b="1" dirty="0"/>
-              <a:t>Settings</a:t>
-            </a:r>
-          </a:p>
-          <a:p>
-            <a:pPr marL="285750" indent="-285750">
-              <a:buFont typeface="Arial" panose="020B0604020202020204" pitchFamily="34" charset="0"/>
-              <a:buChar char="•"/>
-            </a:pPr>
-            <a:r>
-              <a:rPr lang="en-US" b="1" dirty="0">
-                <a:solidFill>
-                  <a:schemeClr val="accent2"/>
-                </a:solidFill>
-              </a:rPr>
-              <a:t>Environment</a:t>
-            </a:r>
-            <a:r>
-              <a:rPr lang="en-US" b="1" dirty="0"/>
-              <a:t> </a:t>
-            </a:r>
-          </a:p>
-          <a:p>
-            <a:pPr marL="285750" indent="-285750">
-              <a:buFont typeface="Arial" panose="020B0604020202020204" pitchFamily="34" charset="0"/>
-              <a:buChar char="•"/>
-            </a:pPr>
-            <a:r>
-              <a:rPr lang="en-US" b="1" dirty="0"/>
-              <a:t>Chemical </a:t>
-            </a:r>
-          </a:p>
-          <a:p>
-            <a:pPr marL="285750" indent="-285750">
-              <a:buFont typeface="Arial" panose="020B0604020202020204" pitchFamily="34" charset="0"/>
-              <a:buChar char="•"/>
-            </a:pPr>
-            <a:r>
-              <a:rPr lang="en-US" b="1" dirty="0"/>
-              <a:t>Chemical Data</a:t>
-            </a:r>
-          </a:p>
-          <a:p>
-            <a:pPr marL="285750" indent="-285750">
-              <a:buFont typeface="Arial" panose="020B0604020202020204" pitchFamily="34" charset="0"/>
-              <a:buChar char="•"/>
-            </a:pPr>
-            <a:r>
-              <a:rPr lang="en-US" b="1" dirty="0"/>
-              <a:t>Organism </a:t>
-            </a:r>
-          </a:p>
-        </p:txBody>
-      </p:sp>
-      <p:sp>
-        <p:nvSpPr>
-          <p:cNvPr id="3" name="TextBox 2">
-            <a:extLst>
-              <a:ext uri="{FF2B5EF4-FFF2-40B4-BE49-F238E27FC236}">
-                <a16:creationId xmlns:a16="http://schemas.microsoft.com/office/drawing/2014/main" id="{B44BA849-0768-8954-1A29-5F2B94C401FC}"/>
-              </a:ext>
-            </a:extLst>
-          </p:cNvPr>
-          <p:cNvSpPr txBox="1"/>
-          <p:nvPr/>
-        </p:nvSpPr>
-        <p:spPr>
-          <a:xfrm>
-            <a:off x="7600948" y="598361"/>
-            <a:ext cx="3488872" cy="738664"/>
-          </a:xfrm>
-          <a:prstGeom prst="rect">
-            <a:avLst/>
-          </a:prstGeom>
-          <a:noFill/>
-        </p:spPr>
-        <p:txBody>
-          <a:bodyPr wrap="square" rtlCol="0">
-            <a:spAutoFit/>
-          </a:bodyPr>
-          <a:lstStyle/>
-          <a:p>
-            <a:pPr algn="ctr"/>
-            <a:r>
-              <a:rPr lang="en-US" sz="2800" dirty="0">
-                <a:latin typeface="Avenir Book" panose="02000503020000020003" pitchFamily="2" charset="0"/>
-              </a:rPr>
-              <a:t>OUTPUTS</a:t>
-            </a:r>
-          </a:p>
-          <a:p>
-            <a:pPr algn="ctr"/>
-            <a:r>
-              <a:rPr lang="en-US" sz="1400" dirty="0">
-                <a:latin typeface="Avenir Book" panose="02000503020000020003" pitchFamily="2" charset="0"/>
-              </a:rPr>
-              <a:t>(all provided no internal calculations)</a:t>
-            </a:r>
-          </a:p>
-        </p:txBody>
-      </p:sp>
-      <p:sp>
-        <p:nvSpPr>
-          <p:cNvPr id="5" name="TextBox 4">
-            <a:extLst>
-              <a:ext uri="{FF2B5EF4-FFF2-40B4-BE49-F238E27FC236}">
-                <a16:creationId xmlns:a16="http://schemas.microsoft.com/office/drawing/2014/main" id="{313C2BA3-D27C-8B9B-9618-C3CBA9506DAB}"/>
-              </a:ext>
-            </a:extLst>
-          </p:cNvPr>
-          <p:cNvSpPr txBox="1"/>
-          <p:nvPr/>
-        </p:nvSpPr>
-        <p:spPr>
-          <a:xfrm>
-            <a:off x="6879771" y="1524000"/>
-            <a:ext cx="4093029" cy="3416320"/>
-          </a:xfrm>
-          <a:prstGeom prst="rect">
-            <a:avLst/>
-          </a:prstGeom>
-          <a:noFill/>
-        </p:spPr>
-        <p:txBody>
-          <a:bodyPr wrap="square" rtlCol="0">
-            <a:spAutoFit/>
-          </a:bodyPr>
-          <a:lstStyle/>
-          <a:p>
-            <a:pPr marL="285750" indent="-285750">
-              <a:buFont typeface="Arial" panose="020B0604020202020204" pitchFamily="34" charset="0"/>
-              <a:buChar char="•"/>
-            </a:pPr>
-            <a:r>
-              <a:rPr lang="en-US" b="1" dirty="0" err="1"/>
-              <a:t>oceanData</a:t>
-            </a:r>
-            <a:endParaRPr lang="en-US" b="1" dirty="0"/>
-          </a:p>
-          <a:p>
-            <a:pPr marL="742950" lvl="1" indent="-285750">
-              <a:buFont typeface="Arial" panose="020B0604020202020204" pitchFamily="34" charset="0"/>
-              <a:buChar char="•"/>
-            </a:pPr>
-            <a:r>
-              <a:rPr lang="en-US" dirty="0"/>
-              <a:t>C_OX: dissolved oxygen concentration (mg/L)</a:t>
-            </a:r>
-          </a:p>
-          <a:p>
-            <a:pPr marL="742950" lvl="1" indent="-285750">
-              <a:buFont typeface="Arial" panose="020B0604020202020204" pitchFamily="34" charset="0"/>
-              <a:buChar char="•"/>
-            </a:pPr>
-            <a:r>
-              <a:rPr lang="en-US" dirty="0"/>
-              <a:t>T: temperature (C)</a:t>
-            </a:r>
-          </a:p>
-          <a:p>
-            <a:pPr marL="742950" lvl="1" indent="-285750">
-              <a:buFont typeface="Arial" panose="020B0604020202020204" pitchFamily="34" charset="0"/>
-              <a:buChar char="•"/>
-            </a:pPr>
-            <a:r>
-              <a:rPr lang="en-US" dirty="0"/>
-              <a:t>C_SS: concentration of suspended solids (kg/L)</a:t>
-            </a:r>
-          </a:p>
-          <a:p>
-            <a:pPr marL="742950" lvl="1" indent="-285750">
-              <a:buFont typeface="Arial" panose="020B0604020202020204" pitchFamily="34" charset="0"/>
-              <a:buChar char="•"/>
-            </a:pPr>
-            <a:r>
-              <a:rPr lang="en-US" dirty="0"/>
-              <a:t>OCS: organic carbon content of the sediment (kg/L)</a:t>
-            </a:r>
-          </a:p>
-          <a:p>
-            <a:pPr marL="742950" lvl="1" indent="-285750">
-              <a:buFont typeface="Arial" panose="020B0604020202020204" pitchFamily="34" charset="0"/>
-              <a:buChar char="•"/>
-            </a:pPr>
-            <a:r>
-              <a:rPr lang="en-US" dirty="0"/>
-              <a:t>pH</a:t>
-            </a:r>
-          </a:p>
-          <a:p>
-            <a:pPr marL="742950" lvl="1" indent="-285750">
-              <a:buFont typeface="Arial" panose="020B0604020202020204" pitchFamily="34" charset="0"/>
-              <a:buChar char="•"/>
-            </a:pPr>
-            <a:r>
-              <a:rPr lang="en-US" dirty="0" err="1"/>
-              <a:t>pHi</a:t>
-            </a:r>
-            <a:r>
-              <a:rPr lang="en-US" dirty="0"/>
-              <a:t> = 7.4 default for internal pH as suggested by Armitage et  al. 2013</a:t>
-            </a:r>
-          </a:p>
-        </p:txBody>
-      </p:sp>
-    </p:spTree>
-    <p:extLst>
-      <p:ext uri="{BB962C8B-B14F-4D97-AF65-F5344CB8AC3E}">
-        <p14:creationId xmlns:p14="http://schemas.microsoft.com/office/powerpoint/2010/main" val="1287239087"/>
-      </p:ext>
-    </p:extLst>
-  </p:cSld>
-  <p:clrMapOvr>
-    <a:masterClrMapping/>
-  </p:clrMapOvr>
-</p:sld>
-</file>
-
-<file path=ppt/slides/slide5.xml><?xml version="1.0" encoding="utf-8"?>
-<p:sld xmlns:a="http://schemas.openxmlformats.org/drawingml/2006/main" xmlns:r="http://schemas.openxmlformats.org/officeDocument/2006/relationships" xmlns:p="http://schemas.openxmlformats.org/presentationml/2006/main">
-  <p:cSld>
-    <p:spTree>
-      <p:nvGrpSpPr>
-        <p:cNvPr id="1" name=""/>
-        <p:cNvGrpSpPr/>
-        <p:nvPr/>
-      </p:nvGrpSpPr>
-      <p:grpSpPr>
-        <a:xfrm>
-          <a:off x="0" y="0"/>
-          <a:ext cx="0" cy="0"/>
-          <a:chOff x="0" y="0"/>
-          <a:chExt cx="0" cy="0"/>
-        </a:xfrm>
-      </p:grpSpPr>
-      <p:sp>
-        <p:nvSpPr>
-          <p:cNvPr id="2" name="Rounded Rectangle 1">
-            <a:extLst>
-              <a:ext uri="{FF2B5EF4-FFF2-40B4-BE49-F238E27FC236}">
-                <a16:creationId xmlns:a16="http://schemas.microsoft.com/office/drawing/2014/main" id="{8A452E0C-13AD-86A3-AC9F-148FD6057228}"/>
-              </a:ext>
-            </a:extLst>
-          </p:cNvPr>
-          <p:cNvSpPr/>
-          <p:nvPr/>
-        </p:nvSpPr>
-        <p:spPr>
-          <a:xfrm>
-            <a:off x="721176" y="544285"/>
-            <a:ext cx="1681845" cy="772886"/>
-          </a:xfrm>
-          <a:prstGeom prst="roundRect">
-            <a:avLst/>
-          </a:prstGeom>
-          <a:solidFill>
-            <a:schemeClr val="accent2"/>
-          </a:solidFill>
-        </p:spPr>
-        <p:style>
-          <a:lnRef idx="2">
-            <a:schemeClr val="accent1">
-              <a:shade val="50000"/>
-            </a:schemeClr>
-          </a:lnRef>
-          <a:fillRef idx="1">
-            <a:schemeClr val="accent1"/>
-          </a:fillRef>
-          <a:effectRef idx="0">
-            <a:schemeClr val="accent1"/>
-          </a:effectRef>
-          <a:fontRef idx="minor">
-            <a:schemeClr val="lt1"/>
-          </a:fontRef>
-        </p:style>
-        <p:txBody>
-          <a:bodyPr rtlCol="0" anchor="ctr"/>
-          <a:lstStyle/>
-          <a:p>
-            <a:pPr algn="ctr"/>
-            <a:r>
-              <a:rPr lang="en-US" b="1" dirty="0">
-                <a:latin typeface="Avenir Book" panose="02000503020000020003" pitchFamily="2" charset="0"/>
-                <a:cs typeface="Baghdad" pitchFamily="2" charset="-78"/>
-              </a:rPr>
-              <a:t>Define Classes</a:t>
-            </a:r>
-          </a:p>
-        </p:txBody>
-      </p:sp>
-      <p:sp>
-        <p:nvSpPr>
-          <p:cNvPr id="6" name="Left Arrow 5">
-            <a:extLst>
-              <a:ext uri="{FF2B5EF4-FFF2-40B4-BE49-F238E27FC236}">
-                <a16:creationId xmlns:a16="http://schemas.microsoft.com/office/drawing/2014/main" id="{C67B7D99-433A-42C2-67EB-080E1FC518C1}"/>
-              </a:ext>
-            </a:extLst>
-          </p:cNvPr>
-          <p:cNvSpPr/>
-          <p:nvPr/>
-        </p:nvSpPr>
-        <p:spPr>
-          <a:xfrm rot="10800000">
-            <a:off x="2179387" y="2051049"/>
-            <a:ext cx="522513" cy="206829"/>
-          </a:xfrm>
-          <a:prstGeom prst="leftArrow">
-            <a:avLst/>
-          </a:prstGeom>
-          <a:solidFill>
-            <a:schemeClr val="accent2">
-              <a:lumMod val="20000"/>
-              <a:lumOff val="80000"/>
-            </a:schemeClr>
-          </a:solidFill>
-          <a:ln>
-            <a:solidFill>
-              <a:schemeClr val="accent2"/>
-            </a:solidFill>
-          </a:ln>
-        </p:spPr>
-        <p:style>
-          <a:lnRef idx="2">
-            <a:schemeClr val="accent1">
-              <a:shade val="50000"/>
-            </a:schemeClr>
-          </a:lnRef>
-          <a:fillRef idx="1">
-            <a:schemeClr val="accent1"/>
-          </a:fillRef>
-          <a:effectRef idx="0">
-            <a:schemeClr val="accent1"/>
-          </a:effectRef>
-          <a:fontRef idx="minor">
-            <a:schemeClr val="lt1"/>
-          </a:fontRef>
-        </p:style>
-        <p:txBody>
-          <a:bodyPr rtlCol="0" anchor="ctr"/>
-          <a:lstStyle/>
-          <a:p>
-            <a:pPr algn="ctr"/>
-            <a:endParaRPr lang="en-US"/>
-          </a:p>
-        </p:txBody>
-      </p:sp>
-      <p:pic>
-        <p:nvPicPr>
-          <p:cNvPr id="9" name="Picture 8">
-            <a:extLst>
-              <a:ext uri="{FF2B5EF4-FFF2-40B4-BE49-F238E27FC236}">
-                <a16:creationId xmlns:a16="http://schemas.microsoft.com/office/drawing/2014/main" id="{8729E551-866B-47EE-8CD3-153566092CAC}"/>
-              </a:ext>
-            </a:extLst>
-          </p:cNvPr>
-          <p:cNvPicPr>
-            <a:picLocks noChangeAspect="1"/>
-          </p:cNvPicPr>
-          <p:nvPr/>
-        </p:nvPicPr>
-        <p:blipFill>
-          <a:blip r:embed="rId3"/>
-          <a:stretch>
-            <a:fillRect/>
-          </a:stretch>
-        </p:blipFill>
-        <p:spPr>
-          <a:xfrm>
-            <a:off x="2937330" y="930728"/>
-            <a:ext cx="2654300" cy="2654300"/>
-          </a:xfrm>
-          <a:prstGeom prst="rect">
-            <a:avLst/>
-          </a:prstGeom>
-        </p:spPr>
-      </p:pic>
-      <p:sp>
-        <p:nvSpPr>
-          <p:cNvPr id="12" name="TextBox 11">
-            <a:extLst>
-              <a:ext uri="{FF2B5EF4-FFF2-40B4-BE49-F238E27FC236}">
-                <a16:creationId xmlns:a16="http://schemas.microsoft.com/office/drawing/2014/main" id="{F0058070-F82A-7D34-1E64-CB2CD12DE9BB}"/>
-              </a:ext>
-            </a:extLst>
-          </p:cNvPr>
-          <p:cNvSpPr txBox="1"/>
-          <p:nvPr/>
-        </p:nvSpPr>
-        <p:spPr>
-          <a:xfrm>
-            <a:off x="621992" y="1402806"/>
-            <a:ext cx="1844479" cy="1477328"/>
-          </a:xfrm>
-          <a:prstGeom prst="rect">
-            <a:avLst/>
-          </a:prstGeom>
-          <a:noFill/>
-        </p:spPr>
-        <p:txBody>
-          <a:bodyPr wrap="none" rtlCol="0">
-            <a:spAutoFit/>
-          </a:bodyPr>
-          <a:lstStyle/>
-          <a:p>
-            <a:pPr marL="285750" indent="-285750">
-              <a:buFont typeface="Arial" panose="020B0604020202020204" pitchFamily="34" charset="0"/>
-              <a:buChar char="•"/>
-            </a:pPr>
-            <a:r>
-              <a:rPr lang="en-US" b="1" dirty="0"/>
-              <a:t>Settings</a:t>
-            </a:r>
-          </a:p>
-          <a:p>
-            <a:pPr marL="285750" indent="-285750">
-              <a:buFont typeface="Arial" panose="020B0604020202020204" pitchFamily="34" charset="0"/>
-              <a:buChar char="•"/>
-            </a:pPr>
-            <a:r>
-              <a:rPr lang="en-US" b="1" dirty="0"/>
-              <a:t>Environment </a:t>
-            </a:r>
-          </a:p>
-          <a:p>
-            <a:pPr marL="285750" indent="-285750">
-              <a:buFont typeface="Arial" panose="020B0604020202020204" pitchFamily="34" charset="0"/>
-              <a:buChar char="•"/>
-            </a:pPr>
-            <a:r>
-              <a:rPr lang="en-US" b="1" dirty="0">
-                <a:solidFill>
-                  <a:schemeClr val="accent2"/>
-                </a:solidFill>
-              </a:rPr>
-              <a:t>Chemical </a:t>
-            </a:r>
-          </a:p>
-          <a:p>
-            <a:pPr marL="285750" indent="-285750">
-              <a:buFont typeface="Arial" panose="020B0604020202020204" pitchFamily="34" charset="0"/>
-              <a:buChar char="•"/>
-            </a:pPr>
-            <a:r>
-              <a:rPr lang="en-US" b="1" dirty="0"/>
-              <a:t>Chemical Data</a:t>
-            </a:r>
-          </a:p>
-          <a:p>
-            <a:pPr marL="285750" indent="-285750">
-              <a:buFont typeface="Arial" panose="020B0604020202020204" pitchFamily="34" charset="0"/>
-              <a:buChar char="•"/>
-            </a:pPr>
-            <a:r>
-              <a:rPr lang="en-US" b="1" dirty="0"/>
-              <a:t>Organism </a:t>
-            </a:r>
-          </a:p>
-        </p:txBody>
-      </p:sp>
-      <p:sp>
-        <p:nvSpPr>
-          <p:cNvPr id="3" name="TextBox 2">
-            <a:extLst>
-              <a:ext uri="{FF2B5EF4-FFF2-40B4-BE49-F238E27FC236}">
-                <a16:creationId xmlns:a16="http://schemas.microsoft.com/office/drawing/2014/main" id="{AF3CB2AB-A239-6403-774B-DD1693AE85B4}"/>
-              </a:ext>
-            </a:extLst>
-          </p:cNvPr>
-          <p:cNvSpPr txBox="1"/>
-          <p:nvPr/>
-        </p:nvSpPr>
-        <p:spPr>
-          <a:xfrm>
-            <a:off x="6487886" y="544285"/>
-            <a:ext cx="3929743" cy="523220"/>
-          </a:xfrm>
-          <a:prstGeom prst="rect">
-            <a:avLst/>
-          </a:prstGeom>
-          <a:noFill/>
-        </p:spPr>
-        <p:txBody>
-          <a:bodyPr wrap="square" rtlCol="0">
-            <a:spAutoFit/>
-          </a:bodyPr>
-          <a:lstStyle/>
-          <a:p>
-            <a:pPr algn="ctr"/>
-            <a:r>
-              <a:rPr lang="en-US" sz="2800" dirty="0">
-                <a:latin typeface="Avenir Book" panose="02000503020000020003" pitchFamily="2" charset="0"/>
-              </a:rPr>
-              <a:t>OUTPUTS/description</a:t>
-            </a:r>
-          </a:p>
-        </p:txBody>
-      </p:sp>
-      <p:sp>
-        <p:nvSpPr>
-          <p:cNvPr id="5" name="Rounded Rectangle 4">
-            <a:extLst>
-              <a:ext uri="{FF2B5EF4-FFF2-40B4-BE49-F238E27FC236}">
-                <a16:creationId xmlns:a16="http://schemas.microsoft.com/office/drawing/2014/main" id="{36DB3BC5-B733-DAE0-5528-179F5AB88FD9}"/>
-              </a:ext>
-            </a:extLst>
-          </p:cNvPr>
-          <p:cNvSpPr/>
-          <p:nvPr/>
-        </p:nvSpPr>
-        <p:spPr>
-          <a:xfrm>
-            <a:off x="3178628" y="2993572"/>
-            <a:ext cx="1230085" cy="685800"/>
-          </a:xfrm>
-          <a:prstGeom prst="roundRect">
-            <a:avLst/>
-          </a:prstGeom>
-          <a:noFill/>
-          <a:ln w="38100">
-            <a:solidFill>
-              <a:srgbClr val="00B050"/>
-            </a:solidFill>
-          </a:ln>
-        </p:spPr>
-        <p:style>
-          <a:lnRef idx="2">
-            <a:schemeClr val="accent1">
-              <a:shade val="50000"/>
-            </a:schemeClr>
-          </a:lnRef>
-          <a:fillRef idx="1">
-            <a:schemeClr val="accent1"/>
-          </a:fillRef>
-          <a:effectRef idx="0">
-            <a:schemeClr val="accent1"/>
-          </a:effectRef>
-          <a:fontRef idx="minor">
-            <a:schemeClr val="lt1"/>
-          </a:fontRef>
-        </p:style>
-        <p:txBody>
-          <a:bodyPr rtlCol="0" anchor="ctr"/>
-          <a:lstStyle/>
-          <a:p>
-            <a:pPr algn="ctr"/>
-            <a:endParaRPr lang="en-US"/>
-          </a:p>
-        </p:txBody>
-      </p:sp>
-      <p:sp>
-        <p:nvSpPr>
-          <p:cNvPr id="11" name="TextBox 10">
-            <a:extLst>
-              <a:ext uri="{FF2B5EF4-FFF2-40B4-BE49-F238E27FC236}">
-                <a16:creationId xmlns:a16="http://schemas.microsoft.com/office/drawing/2014/main" id="{14437B84-E827-9350-9E82-9152B6A1A60B}"/>
-              </a:ext>
-            </a:extLst>
-          </p:cNvPr>
-          <p:cNvSpPr txBox="1"/>
-          <p:nvPr/>
-        </p:nvSpPr>
-        <p:spPr>
-          <a:xfrm>
-            <a:off x="6096000" y="1240971"/>
-            <a:ext cx="4993820" cy="5847755"/>
-          </a:xfrm>
-          <a:prstGeom prst="rect">
-            <a:avLst/>
-          </a:prstGeom>
-          <a:noFill/>
-        </p:spPr>
-        <p:txBody>
-          <a:bodyPr wrap="square" rtlCol="0">
-            <a:spAutoFit/>
-          </a:bodyPr>
-          <a:lstStyle/>
-          <a:p>
-            <a:r>
-              <a:rPr lang="en-US" dirty="0" err="1"/>
-              <a:t>Dataclass</a:t>
-            </a:r>
-            <a:r>
-              <a:rPr lang="en-US" dirty="0"/>
-              <a:t> that holds parameters unique to each PFAS chemical.</a:t>
-            </a:r>
-          </a:p>
-          <a:p>
-            <a:endParaRPr lang="en-US" dirty="0"/>
-          </a:p>
-          <a:p>
-            <a:r>
-              <a:rPr lang="en-US" dirty="0"/>
-              <a:t>Parameters include </a:t>
-            </a:r>
-            <a:r>
-              <a:rPr lang="en-US" dirty="0" err="1"/>
-              <a:t>physiochemial</a:t>
-            </a:r>
-            <a:r>
-              <a:rPr lang="en-US" dirty="0"/>
-              <a:t> properties, pH-dependent properties (varies with environment), and empirically-derived parameter values (sometimes varies with organism characteristics/study; this choice is made during the instantiation of this class)</a:t>
-            </a:r>
-          </a:p>
-          <a:p>
-            <a:r>
-              <a:rPr lang="en-US" dirty="0"/>
-              <a:t>      </a:t>
-            </a:r>
-          </a:p>
-          <a:p>
-            <a:r>
-              <a:rPr lang="en-US" dirty="0"/>
-              <a:t>Functions include calculation of chemical-specific parameters, which may depend on environmental parameters (class Environment):</a:t>
-            </a:r>
-          </a:p>
-          <a:p>
-            <a:pPr marL="574675"/>
-            <a:endParaRPr lang="en-US" dirty="0"/>
-          </a:p>
-          <a:p>
-            <a:pPr marL="860425" indent="-285750">
-              <a:buFont typeface="Arial" panose="020B0604020202020204" pitchFamily="34" charset="0"/>
-              <a:buChar char="•"/>
-            </a:pPr>
-            <a:r>
-              <a:rPr lang="en-US" dirty="0"/>
-              <a:t>Partitioning coefficients</a:t>
-            </a:r>
-          </a:p>
-          <a:p>
-            <a:pPr marL="860425" indent="-285750">
-              <a:buFont typeface="Arial" panose="020B0604020202020204" pitchFamily="34" charset="0"/>
-              <a:buChar char="•"/>
-            </a:pPr>
-            <a:r>
-              <a:rPr lang="en-US" dirty="0"/>
-              <a:t>Organism functions</a:t>
-            </a:r>
-          </a:p>
-          <a:p>
-            <a:pPr marL="860425" indent="-285750">
-              <a:buFont typeface="Arial" panose="020B0604020202020204" pitchFamily="34" charset="0"/>
-              <a:buChar char="•"/>
-            </a:pPr>
-            <a:r>
-              <a:rPr lang="en-US" dirty="0"/>
-              <a:t>Diet functions</a:t>
-            </a:r>
-          </a:p>
-          <a:p>
-            <a:pPr marL="860425" indent="-285750">
-              <a:buFont typeface="Arial" panose="020B0604020202020204" pitchFamily="34" charset="0"/>
-              <a:buChar char="•"/>
-            </a:pPr>
-            <a:r>
-              <a:rPr lang="en-US" dirty="0"/>
-              <a:t>Rate constant functions (</a:t>
-            </a:r>
-            <a:r>
-              <a:rPr lang="en-US" sz="1200" dirty="0"/>
-              <a:t>e.g. k_1 = clearance rate constant (L/kg*d)  for chemical uptake via respiratory area (i.e., gills and skin) </a:t>
-            </a:r>
-          </a:p>
-          <a:p>
-            <a:pPr marL="860425" indent="-285750">
-              <a:buFont typeface="Arial" panose="020B0604020202020204" pitchFamily="34" charset="0"/>
-              <a:buChar char="•"/>
-            </a:pPr>
-            <a:endParaRPr lang="en-US" dirty="0"/>
-          </a:p>
-        </p:txBody>
-      </p:sp>
-    </p:spTree>
-    <p:extLst>
-      <p:ext uri="{BB962C8B-B14F-4D97-AF65-F5344CB8AC3E}">
-        <p14:creationId xmlns:p14="http://schemas.microsoft.com/office/powerpoint/2010/main" val="884323427"/>
-      </p:ext>
-    </p:extLst>
-  </p:cSld>
-  <p:clrMapOvr>
-    <a:masterClrMapping/>
-  </p:clrMapOvr>
-</p:sld>
-</file>
-
-<file path=ppt/slides/slide6.xml><?xml version="1.0" encoding="utf-8"?>
-<p:sld xmlns:a="http://schemas.openxmlformats.org/drawingml/2006/main" xmlns:r="http://schemas.openxmlformats.org/officeDocument/2006/relationships" xmlns:p="http://schemas.openxmlformats.org/presentationml/2006/main">
-  <p:cSld>
-    <p:spTree>
-      <p:nvGrpSpPr>
-        <p:cNvPr id="1" name=""/>
-        <p:cNvGrpSpPr/>
-        <p:nvPr/>
-      </p:nvGrpSpPr>
-      <p:grpSpPr>
-        <a:xfrm>
-          <a:off x="0" y="0"/>
-          <a:ext cx="0" cy="0"/>
-          <a:chOff x="0" y="0"/>
-          <a:chExt cx="0" cy="0"/>
-        </a:xfrm>
-      </p:grpSpPr>
-      <p:sp>
-        <p:nvSpPr>
-          <p:cNvPr id="2" name="Rounded Rectangle 1">
-            <a:extLst>
-              <a:ext uri="{FF2B5EF4-FFF2-40B4-BE49-F238E27FC236}">
-                <a16:creationId xmlns:a16="http://schemas.microsoft.com/office/drawing/2014/main" id="{8A452E0C-13AD-86A3-AC9F-148FD6057228}"/>
-              </a:ext>
-            </a:extLst>
-          </p:cNvPr>
-          <p:cNvSpPr/>
-          <p:nvPr/>
-        </p:nvSpPr>
-        <p:spPr>
-          <a:xfrm>
-            <a:off x="721176" y="544285"/>
-            <a:ext cx="1681845" cy="772886"/>
-          </a:xfrm>
-          <a:prstGeom prst="roundRect">
-            <a:avLst/>
-          </a:prstGeom>
-          <a:solidFill>
-            <a:schemeClr val="accent2"/>
-          </a:solidFill>
-        </p:spPr>
-        <p:style>
-          <a:lnRef idx="2">
-            <a:schemeClr val="accent1">
-              <a:shade val="50000"/>
-            </a:schemeClr>
-          </a:lnRef>
-          <a:fillRef idx="1">
-            <a:schemeClr val="accent1"/>
-          </a:fillRef>
-          <a:effectRef idx="0">
-            <a:schemeClr val="accent1"/>
-          </a:effectRef>
-          <a:fontRef idx="minor">
-            <a:schemeClr val="lt1"/>
-          </a:fontRef>
-        </p:style>
-        <p:txBody>
-          <a:bodyPr rtlCol="0" anchor="ctr"/>
-          <a:lstStyle/>
-          <a:p>
-            <a:pPr algn="ctr"/>
-            <a:r>
-              <a:rPr lang="en-US" b="1" dirty="0">
-                <a:latin typeface="Avenir Book" panose="02000503020000020003" pitchFamily="2" charset="0"/>
-                <a:cs typeface="Baghdad" pitchFamily="2" charset="-78"/>
-              </a:rPr>
-              <a:t>Define Classes</a:t>
-            </a:r>
-          </a:p>
-        </p:txBody>
-      </p:sp>
-      <p:sp>
-        <p:nvSpPr>
-          <p:cNvPr id="6" name="Left Arrow 5">
-            <a:extLst>
-              <a:ext uri="{FF2B5EF4-FFF2-40B4-BE49-F238E27FC236}">
-                <a16:creationId xmlns:a16="http://schemas.microsoft.com/office/drawing/2014/main" id="{C67B7D99-433A-42C2-67EB-080E1FC518C1}"/>
-              </a:ext>
-            </a:extLst>
-          </p:cNvPr>
-          <p:cNvSpPr/>
-          <p:nvPr/>
-        </p:nvSpPr>
-        <p:spPr>
-          <a:xfrm rot="10800000">
-            <a:off x="2488243" y="2324098"/>
-            <a:ext cx="522513" cy="206829"/>
-          </a:xfrm>
-          <a:prstGeom prst="leftArrow">
-            <a:avLst/>
-          </a:prstGeom>
-          <a:solidFill>
-            <a:schemeClr val="accent2">
-              <a:lumMod val="20000"/>
-              <a:lumOff val="80000"/>
-            </a:schemeClr>
-          </a:solidFill>
-          <a:ln>
-            <a:solidFill>
-              <a:schemeClr val="accent2"/>
-            </a:solidFill>
-          </a:ln>
-        </p:spPr>
-        <p:style>
-          <a:lnRef idx="2">
-            <a:schemeClr val="accent1">
-              <a:shade val="50000"/>
-            </a:schemeClr>
-          </a:lnRef>
-          <a:fillRef idx="1">
-            <a:schemeClr val="accent1"/>
-          </a:fillRef>
-          <a:effectRef idx="0">
-            <a:schemeClr val="accent1"/>
-          </a:effectRef>
-          <a:fontRef idx="minor">
-            <a:schemeClr val="lt1"/>
-          </a:fontRef>
-        </p:style>
-        <p:txBody>
-          <a:bodyPr rtlCol="0" anchor="ctr"/>
-          <a:lstStyle/>
-          <a:p>
-            <a:pPr algn="ctr"/>
-            <a:endParaRPr lang="en-US"/>
-          </a:p>
-        </p:txBody>
-      </p:sp>
-      <p:pic>
-        <p:nvPicPr>
-          <p:cNvPr id="11" name="Picture 10">
-            <a:extLst>
-              <a:ext uri="{FF2B5EF4-FFF2-40B4-BE49-F238E27FC236}">
-                <a16:creationId xmlns:a16="http://schemas.microsoft.com/office/drawing/2014/main" id="{6B1FBC34-5B14-1355-52EE-AFC7C1527A35}"/>
-              </a:ext>
-            </a:extLst>
-          </p:cNvPr>
-          <p:cNvPicPr>
-            <a:picLocks noChangeAspect="1"/>
-          </p:cNvPicPr>
-          <p:nvPr/>
-        </p:nvPicPr>
-        <p:blipFill>
-          <a:blip r:embed="rId2"/>
-          <a:stretch>
-            <a:fillRect/>
-          </a:stretch>
-        </p:blipFill>
-        <p:spPr>
-          <a:xfrm>
-            <a:off x="3147785" y="1709332"/>
-            <a:ext cx="2717800" cy="1447800"/>
-          </a:xfrm>
-          <a:prstGeom prst="rect">
-            <a:avLst/>
-          </a:prstGeom>
-        </p:spPr>
-      </p:pic>
-      <p:sp>
-        <p:nvSpPr>
-          <p:cNvPr id="4" name="TextBox 3">
-            <a:extLst>
-              <a:ext uri="{FF2B5EF4-FFF2-40B4-BE49-F238E27FC236}">
-                <a16:creationId xmlns:a16="http://schemas.microsoft.com/office/drawing/2014/main" id="{29737E63-4DF2-09F3-8932-D54F51C2B4B1}"/>
-              </a:ext>
-            </a:extLst>
-          </p:cNvPr>
-          <p:cNvSpPr txBox="1"/>
-          <p:nvPr/>
-        </p:nvSpPr>
-        <p:spPr>
-          <a:xfrm>
-            <a:off x="621992" y="1402806"/>
-            <a:ext cx="1844479" cy="1754326"/>
-          </a:xfrm>
-          <a:prstGeom prst="rect">
-            <a:avLst/>
-          </a:prstGeom>
-          <a:noFill/>
-        </p:spPr>
-        <p:txBody>
-          <a:bodyPr wrap="none" rtlCol="0">
-            <a:spAutoFit/>
-          </a:bodyPr>
-          <a:lstStyle/>
-          <a:p>
-            <a:pPr marL="285750" indent="-285750">
-              <a:buFont typeface="Arial" panose="020B0604020202020204" pitchFamily="34" charset="0"/>
-              <a:buChar char="•"/>
-            </a:pPr>
-            <a:r>
-              <a:rPr lang="en-US" b="1" dirty="0"/>
-              <a:t>Settings</a:t>
-            </a:r>
-          </a:p>
-          <a:p>
-            <a:pPr marL="285750" indent="-285750">
-              <a:buFont typeface="Arial" panose="020B0604020202020204" pitchFamily="34" charset="0"/>
-              <a:buChar char="•"/>
-            </a:pPr>
-            <a:r>
-              <a:rPr lang="en-US" b="1" dirty="0"/>
-              <a:t>Environment </a:t>
-            </a:r>
-          </a:p>
-          <a:p>
-            <a:pPr marL="285750" indent="-285750">
-              <a:buFont typeface="Arial" panose="020B0604020202020204" pitchFamily="34" charset="0"/>
-              <a:buChar char="•"/>
-            </a:pPr>
-            <a:r>
-              <a:rPr lang="en-US" b="1" dirty="0"/>
-              <a:t>Chemical </a:t>
-            </a:r>
-          </a:p>
-          <a:p>
-            <a:pPr marL="285750" indent="-285750">
-              <a:buFont typeface="Arial" panose="020B0604020202020204" pitchFamily="34" charset="0"/>
-              <a:buChar char="•"/>
-            </a:pPr>
-            <a:r>
-              <a:rPr lang="en-US" b="1" dirty="0">
-                <a:solidFill>
-                  <a:schemeClr val="accent2"/>
-                </a:solidFill>
-              </a:rPr>
-              <a:t>Chemical Data</a:t>
-            </a:r>
-          </a:p>
-          <a:p>
-            <a:pPr marL="285750" indent="-285750">
-              <a:buFont typeface="Arial" panose="020B0604020202020204" pitchFamily="34" charset="0"/>
-              <a:buChar char="•"/>
-            </a:pPr>
-            <a:r>
-              <a:rPr lang="en-US" b="1" dirty="0"/>
-              <a:t>Organism </a:t>
-            </a:r>
-          </a:p>
-          <a:p>
-            <a:endParaRPr lang="en-US" b="1" dirty="0"/>
-          </a:p>
-        </p:txBody>
-      </p:sp>
-      <p:sp>
-        <p:nvSpPr>
-          <p:cNvPr id="3" name="TextBox 2">
-            <a:extLst>
-              <a:ext uri="{FF2B5EF4-FFF2-40B4-BE49-F238E27FC236}">
-                <a16:creationId xmlns:a16="http://schemas.microsoft.com/office/drawing/2014/main" id="{4174DC09-5F11-B59F-4F96-685E49270224}"/>
-              </a:ext>
-            </a:extLst>
-          </p:cNvPr>
-          <p:cNvSpPr txBox="1"/>
-          <p:nvPr/>
-        </p:nvSpPr>
-        <p:spPr>
-          <a:xfrm>
-            <a:off x="7600948" y="598361"/>
-            <a:ext cx="3488872" cy="523220"/>
-          </a:xfrm>
-          <a:prstGeom prst="rect">
-            <a:avLst/>
-          </a:prstGeom>
-          <a:noFill/>
-        </p:spPr>
-        <p:txBody>
-          <a:bodyPr wrap="square" rtlCol="0">
-            <a:spAutoFit/>
-          </a:bodyPr>
-          <a:lstStyle/>
-          <a:p>
-            <a:pPr algn="ctr"/>
-            <a:r>
-              <a:rPr lang="en-US" sz="2800" dirty="0">
-                <a:latin typeface="Avenir Book" panose="02000503020000020003" pitchFamily="2" charset="0"/>
-              </a:rPr>
-              <a:t>OUTPUTS</a:t>
-            </a:r>
-          </a:p>
-        </p:txBody>
-      </p:sp>
-      <p:sp>
-        <p:nvSpPr>
-          <p:cNvPr id="5" name="Rounded Rectangle 4">
-            <a:extLst>
-              <a:ext uri="{FF2B5EF4-FFF2-40B4-BE49-F238E27FC236}">
-                <a16:creationId xmlns:a16="http://schemas.microsoft.com/office/drawing/2014/main" id="{777B5F20-385A-74B6-EF7C-41843DE2F7A6}"/>
-              </a:ext>
-            </a:extLst>
-          </p:cNvPr>
-          <p:cNvSpPr/>
-          <p:nvPr/>
-        </p:nvSpPr>
-        <p:spPr>
-          <a:xfrm>
-            <a:off x="3147785" y="2645229"/>
-            <a:ext cx="1230085" cy="685800"/>
-          </a:xfrm>
-          <a:prstGeom prst="roundRect">
-            <a:avLst/>
-          </a:prstGeom>
-          <a:noFill/>
-          <a:ln w="38100">
-            <a:solidFill>
-              <a:srgbClr val="00B050"/>
-            </a:solidFill>
-          </a:ln>
-        </p:spPr>
-        <p:style>
-          <a:lnRef idx="2">
-            <a:schemeClr val="accent1">
-              <a:shade val="50000"/>
-            </a:schemeClr>
-          </a:lnRef>
-          <a:fillRef idx="1">
-            <a:schemeClr val="accent1"/>
-          </a:fillRef>
-          <a:effectRef idx="0">
-            <a:schemeClr val="accent1"/>
-          </a:effectRef>
-          <a:fontRef idx="minor">
-            <a:schemeClr val="lt1"/>
-          </a:fontRef>
-        </p:style>
-        <p:txBody>
-          <a:bodyPr rtlCol="0" anchor="ctr"/>
-          <a:lstStyle/>
-          <a:p>
-            <a:pPr algn="ctr"/>
-            <a:endParaRPr lang="en-US"/>
-          </a:p>
-        </p:txBody>
-      </p:sp>
-      <p:sp>
-        <p:nvSpPr>
-          <p:cNvPr id="8" name="TextBox 7">
-            <a:extLst>
-              <a:ext uri="{FF2B5EF4-FFF2-40B4-BE49-F238E27FC236}">
-                <a16:creationId xmlns:a16="http://schemas.microsoft.com/office/drawing/2014/main" id="{DD90EB01-8A4E-7AE7-D23E-1395F7171925}"/>
-              </a:ext>
-            </a:extLst>
-          </p:cNvPr>
-          <p:cNvSpPr txBox="1"/>
-          <p:nvPr/>
-        </p:nvSpPr>
-        <p:spPr>
-          <a:xfrm>
-            <a:off x="6781800" y="1515265"/>
-            <a:ext cx="4788208" cy="2585323"/>
-          </a:xfrm>
-          <a:prstGeom prst="rect">
-            <a:avLst/>
-          </a:prstGeom>
-          <a:noFill/>
-        </p:spPr>
-        <p:txBody>
-          <a:bodyPr wrap="square">
-            <a:spAutoFit/>
-          </a:bodyPr>
-          <a:lstStyle/>
-          <a:p>
-            <a:r>
-              <a:rPr lang="en-US" dirty="0" err="1"/>
-              <a:t>Dataclass</a:t>
-            </a:r>
-            <a:r>
-              <a:rPr lang="en-US" dirty="0"/>
-              <a:t> that holds chemical data that is unique to each model system. This includes both model parameters and input variables</a:t>
-            </a:r>
-          </a:p>
-          <a:p>
-            <a:endParaRPr lang="en-US" dirty="0"/>
-          </a:p>
-          <a:p>
-            <a:r>
-              <a:rPr lang="en-US" dirty="0"/>
-              <a:t>(</a:t>
-            </a:r>
-            <a:r>
-              <a:rPr lang="en-US" dirty="0" err="1"/>
-              <a:t>ChemData</a:t>
-            </a:r>
-            <a:r>
-              <a:rPr lang="en-US" dirty="0"/>
-              <a:t> .csv)</a:t>
-            </a:r>
-          </a:p>
-          <a:p>
-            <a:r>
-              <a:rPr lang="en-US" dirty="0"/>
-              <a:t>Cs = Concentration in sediment</a:t>
-            </a:r>
-          </a:p>
-          <a:p>
-            <a:r>
-              <a:rPr lang="en-US" dirty="0"/>
-              <a:t>OCS =organic carbon content of the sediment</a:t>
-            </a:r>
-          </a:p>
-          <a:p>
-            <a:r>
-              <a:rPr lang="en-US" dirty="0" err="1"/>
-              <a:t>Koc</a:t>
-            </a:r>
-            <a:r>
-              <a:rPr lang="en-US" dirty="0"/>
-              <a:t> = organic carbon partitioning coefficient; </a:t>
-            </a:r>
-            <a:r>
-              <a:rPr lang="en-US" dirty="0" err="1"/>
-              <a:t>Koc</a:t>
-            </a:r>
-            <a:r>
-              <a:rPr lang="en-US" dirty="0"/>
-              <a:t> = </a:t>
-            </a:r>
-            <a:r>
-              <a:rPr lang="en-US" dirty="0" err="1"/>
-              <a:t>Kd</a:t>
-            </a:r>
-            <a:r>
-              <a:rPr lang="en-US" dirty="0"/>
-              <a:t> / OCS  </a:t>
-            </a:r>
-          </a:p>
-        </p:txBody>
-      </p:sp>
-    </p:spTree>
-    <p:extLst>
-      <p:ext uri="{BB962C8B-B14F-4D97-AF65-F5344CB8AC3E}">
-        <p14:creationId xmlns:p14="http://schemas.microsoft.com/office/powerpoint/2010/main" val="632664802"/>
-      </p:ext>
-    </p:extLst>
-  </p:cSld>
-  <p:clrMapOvr>
-    <a:masterClrMapping/>
-  </p:clrMapOvr>
-</p:sld>
-</file>
-
-<file path=ppt/slides/slide7.xml><?xml version="1.0" encoding="utf-8"?>
-<p:sld xmlns:a="http://schemas.openxmlformats.org/drawingml/2006/main" xmlns:r="http://schemas.openxmlformats.org/officeDocument/2006/relationships" xmlns:p="http://schemas.openxmlformats.org/presentationml/2006/main">
-  <p:cSld>
-    <p:spTree>
-      <p:nvGrpSpPr>
-        <p:cNvPr id="1" name=""/>
-        <p:cNvGrpSpPr/>
-        <p:nvPr/>
-      </p:nvGrpSpPr>
-      <p:grpSpPr>
-        <a:xfrm>
-          <a:off x="0" y="0"/>
-          <a:ext cx="0" cy="0"/>
-          <a:chOff x="0" y="0"/>
-          <a:chExt cx="0" cy="0"/>
-        </a:xfrm>
-      </p:grpSpPr>
-      <p:sp>
-        <p:nvSpPr>
-          <p:cNvPr id="2" name="Rounded Rectangle 1">
-            <a:extLst>
-              <a:ext uri="{FF2B5EF4-FFF2-40B4-BE49-F238E27FC236}">
-                <a16:creationId xmlns:a16="http://schemas.microsoft.com/office/drawing/2014/main" id="{8A452E0C-13AD-86A3-AC9F-148FD6057228}"/>
-              </a:ext>
-            </a:extLst>
-          </p:cNvPr>
-          <p:cNvSpPr/>
-          <p:nvPr/>
-        </p:nvSpPr>
-        <p:spPr>
-          <a:xfrm>
-            <a:off x="721176" y="544285"/>
-            <a:ext cx="1681845" cy="772886"/>
-          </a:xfrm>
-          <a:prstGeom prst="roundRect">
-            <a:avLst/>
-          </a:prstGeom>
-          <a:solidFill>
-            <a:schemeClr val="accent2"/>
-          </a:solidFill>
-        </p:spPr>
-        <p:style>
-          <a:lnRef idx="2">
-            <a:schemeClr val="accent1">
-              <a:shade val="50000"/>
-            </a:schemeClr>
-          </a:lnRef>
-          <a:fillRef idx="1">
-            <a:schemeClr val="accent1"/>
-          </a:fillRef>
-          <a:effectRef idx="0">
-            <a:schemeClr val="accent1"/>
-          </a:effectRef>
-          <a:fontRef idx="minor">
-            <a:schemeClr val="lt1"/>
-          </a:fontRef>
-        </p:style>
-        <p:txBody>
-          <a:bodyPr rtlCol="0" anchor="ctr"/>
-          <a:lstStyle/>
-          <a:p>
-            <a:pPr algn="ctr"/>
-            <a:r>
-              <a:rPr lang="en-US" b="1" dirty="0">
-                <a:latin typeface="Avenir Book" panose="02000503020000020003" pitchFamily="2" charset="0"/>
-                <a:cs typeface="Baghdad" pitchFamily="2" charset="-78"/>
-              </a:rPr>
-              <a:t>Define Classes</a:t>
-            </a:r>
-          </a:p>
-        </p:txBody>
-      </p:sp>
-      <p:sp>
-        <p:nvSpPr>
-          <p:cNvPr id="6" name="Left Arrow 5">
-            <a:extLst>
-              <a:ext uri="{FF2B5EF4-FFF2-40B4-BE49-F238E27FC236}">
-                <a16:creationId xmlns:a16="http://schemas.microsoft.com/office/drawing/2014/main" id="{C67B7D99-433A-42C2-67EB-080E1FC518C1}"/>
-              </a:ext>
-            </a:extLst>
-          </p:cNvPr>
-          <p:cNvSpPr/>
-          <p:nvPr/>
-        </p:nvSpPr>
-        <p:spPr>
-          <a:xfrm rot="10800000">
-            <a:off x="2141764" y="2612571"/>
-            <a:ext cx="522513" cy="206829"/>
-          </a:xfrm>
-          <a:prstGeom prst="leftArrow">
-            <a:avLst/>
-          </a:prstGeom>
-          <a:solidFill>
-            <a:schemeClr val="accent2">
-              <a:lumMod val="20000"/>
-              <a:lumOff val="80000"/>
-            </a:schemeClr>
-          </a:solidFill>
-          <a:ln>
-            <a:solidFill>
-              <a:schemeClr val="accent2"/>
-            </a:solidFill>
-          </a:ln>
-        </p:spPr>
-        <p:style>
-          <a:lnRef idx="2">
-            <a:schemeClr val="accent1">
-              <a:shade val="50000"/>
-            </a:schemeClr>
-          </a:lnRef>
-          <a:fillRef idx="1">
-            <a:schemeClr val="accent1"/>
-          </a:fillRef>
-          <a:effectRef idx="0">
-            <a:schemeClr val="accent1"/>
-          </a:effectRef>
-          <a:fontRef idx="minor">
-            <a:schemeClr val="lt1"/>
-          </a:fontRef>
-        </p:style>
-        <p:txBody>
-          <a:bodyPr rtlCol="0" anchor="ctr"/>
-          <a:lstStyle/>
-          <a:p>
-            <a:pPr algn="ctr"/>
-            <a:endParaRPr lang="en-US"/>
-          </a:p>
-        </p:txBody>
-      </p:sp>
-      <p:pic>
-        <p:nvPicPr>
-          <p:cNvPr id="10" name="Picture 9">
-            <a:extLst>
-              <a:ext uri="{FF2B5EF4-FFF2-40B4-BE49-F238E27FC236}">
-                <a16:creationId xmlns:a16="http://schemas.microsoft.com/office/drawing/2014/main" id="{268148B7-AA4C-4281-5EF3-4DF0EB375E07}"/>
-              </a:ext>
-            </a:extLst>
-          </p:cNvPr>
-          <p:cNvPicPr>
-            <a:picLocks noChangeAspect="1"/>
-          </p:cNvPicPr>
-          <p:nvPr/>
-        </p:nvPicPr>
-        <p:blipFill>
-          <a:blip r:embed="rId2"/>
-          <a:stretch>
-            <a:fillRect/>
-          </a:stretch>
-        </p:blipFill>
-        <p:spPr>
-          <a:xfrm>
-            <a:off x="2777473" y="1517893"/>
-            <a:ext cx="3951868" cy="1693658"/>
-          </a:xfrm>
-          <a:prstGeom prst="rect">
-            <a:avLst/>
-          </a:prstGeom>
-        </p:spPr>
-      </p:pic>
-      <p:sp>
-        <p:nvSpPr>
-          <p:cNvPr id="4" name="TextBox 3">
-            <a:extLst>
-              <a:ext uri="{FF2B5EF4-FFF2-40B4-BE49-F238E27FC236}">
-                <a16:creationId xmlns:a16="http://schemas.microsoft.com/office/drawing/2014/main" id="{29737E63-4DF2-09F3-8932-D54F51C2B4B1}"/>
-              </a:ext>
-            </a:extLst>
-          </p:cNvPr>
-          <p:cNvSpPr txBox="1"/>
-          <p:nvPr/>
-        </p:nvSpPr>
-        <p:spPr>
-          <a:xfrm>
-            <a:off x="621992" y="1402806"/>
-            <a:ext cx="1844479" cy="1477328"/>
-          </a:xfrm>
-          <a:prstGeom prst="rect">
-            <a:avLst/>
-          </a:prstGeom>
-          <a:noFill/>
-        </p:spPr>
-        <p:txBody>
-          <a:bodyPr wrap="none" rtlCol="0">
-            <a:spAutoFit/>
-          </a:bodyPr>
-          <a:lstStyle/>
-          <a:p>
-            <a:pPr marL="285750" indent="-285750">
-              <a:buFont typeface="Arial" panose="020B0604020202020204" pitchFamily="34" charset="0"/>
-              <a:buChar char="•"/>
-            </a:pPr>
-            <a:r>
-              <a:rPr lang="en-US" b="1" dirty="0"/>
-              <a:t>Settings</a:t>
-            </a:r>
-          </a:p>
-          <a:p>
-            <a:pPr marL="285750" indent="-285750">
-              <a:buFont typeface="Arial" panose="020B0604020202020204" pitchFamily="34" charset="0"/>
-              <a:buChar char="•"/>
-            </a:pPr>
-            <a:r>
-              <a:rPr lang="en-US" b="1" dirty="0"/>
-              <a:t>Environment </a:t>
-            </a:r>
-          </a:p>
-          <a:p>
-            <a:pPr marL="285750" indent="-285750">
-              <a:buFont typeface="Arial" panose="020B0604020202020204" pitchFamily="34" charset="0"/>
-              <a:buChar char="•"/>
-            </a:pPr>
-            <a:r>
-              <a:rPr lang="en-US" b="1" dirty="0"/>
-              <a:t>Chemical </a:t>
-            </a:r>
-          </a:p>
-          <a:p>
-            <a:pPr marL="285750" indent="-285750">
-              <a:buFont typeface="Arial" panose="020B0604020202020204" pitchFamily="34" charset="0"/>
-              <a:buChar char="•"/>
-            </a:pPr>
-            <a:r>
-              <a:rPr lang="en-US" b="1" dirty="0"/>
-              <a:t>Chemical Data</a:t>
-            </a:r>
-          </a:p>
-          <a:p>
-            <a:pPr marL="285750" indent="-285750">
-              <a:buFont typeface="Arial" panose="020B0604020202020204" pitchFamily="34" charset="0"/>
-              <a:buChar char="•"/>
-            </a:pPr>
-            <a:r>
-              <a:rPr lang="en-US" b="1" dirty="0">
-                <a:solidFill>
-                  <a:schemeClr val="accent2"/>
-                </a:solidFill>
-              </a:rPr>
-              <a:t>Organism </a:t>
-            </a:r>
-          </a:p>
-        </p:txBody>
-      </p:sp>
-      <p:sp>
-        <p:nvSpPr>
-          <p:cNvPr id="3" name="TextBox 2">
-            <a:extLst>
-              <a:ext uri="{FF2B5EF4-FFF2-40B4-BE49-F238E27FC236}">
-                <a16:creationId xmlns:a16="http://schemas.microsoft.com/office/drawing/2014/main" id="{CFF88173-B8AE-1E03-4ADA-B43302684A2B}"/>
-              </a:ext>
-            </a:extLst>
-          </p:cNvPr>
-          <p:cNvSpPr txBox="1"/>
-          <p:nvPr/>
-        </p:nvSpPr>
-        <p:spPr>
-          <a:xfrm>
-            <a:off x="7600948" y="598361"/>
-            <a:ext cx="3488872" cy="523220"/>
-          </a:xfrm>
-          <a:prstGeom prst="rect">
-            <a:avLst/>
-          </a:prstGeom>
-          <a:noFill/>
-        </p:spPr>
-        <p:txBody>
-          <a:bodyPr wrap="square" rtlCol="0">
-            <a:spAutoFit/>
-          </a:bodyPr>
-          <a:lstStyle/>
-          <a:p>
-            <a:pPr algn="ctr"/>
-            <a:r>
-              <a:rPr lang="en-US" sz="2800" dirty="0">
-                <a:latin typeface="Avenir Book" panose="02000503020000020003" pitchFamily="2" charset="0"/>
-              </a:rPr>
-              <a:t>OUTPUTS</a:t>
-            </a:r>
-          </a:p>
-        </p:txBody>
-      </p:sp>
-      <p:sp>
-        <p:nvSpPr>
-          <p:cNvPr id="5" name="Rounded Rectangle 4">
-            <a:extLst>
-              <a:ext uri="{FF2B5EF4-FFF2-40B4-BE49-F238E27FC236}">
-                <a16:creationId xmlns:a16="http://schemas.microsoft.com/office/drawing/2014/main" id="{92C14066-B4B1-0E5A-EBAA-F287D70C0A1C}"/>
-              </a:ext>
-            </a:extLst>
-          </p:cNvPr>
-          <p:cNvSpPr/>
-          <p:nvPr/>
-        </p:nvSpPr>
-        <p:spPr>
-          <a:xfrm>
-            <a:off x="2777474" y="2880134"/>
-            <a:ext cx="1631240" cy="429123"/>
-          </a:xfrm>
-          <a:prstGeom prst="roundRect">
-            <a:avLst/>
-          </a:prstGeom>
-          <a:noFill/>
-          <a:ln w="38100">
-            <a:solidFill>
-              <a:srgbClr val="00B050"/>
-            </a:solidFill>
-          </a:ln>
-        </p:spPr>
-        <p:style>
-          <a:lnRef idx="2">
-            <a:schemeClr val="accent1">
-              <a:shade val="50000"/>
-            </a:schemeClr>
-          </a:lnRef>
-          <a:fillRef idx="1">
-            <a:schemeClr val="accent1"/>
-          </a:fillRef>
-          <a:effectRef idx="0">
-            <a:schemeClr val="accent1"/>
-          </a:effectRef>
-          <a:fontRef idx="minor">
-            <a:schemeClr val="lt1"/>
-          </a:fontRef>
-        </p:style>
-        <p:txBody>
-          <a:bodyPr rtlCol="0" anchor="ctr"/>
-          <a:lstStyle/>
-          <a:p>
-            <a:pPr algn="ctr"/>
-            <a:endParaRPr lang="en-US"/>
-          </a:p>
-        </p:txBody>
-      </p:sp>
-      <p:sp>
-        <p:nvSpPr>
-          <p:cNvPr id="7" name="TextBox 6">
-            <a:extLst>
-              <a:ext uri="{FF2B5EF4-FFF2-40B4-BE49-F238E27FC236}">
-                <a16:creationId xmlns:a16="http://schemas.microsoft.com/office/drawing/2014/main" id="{0C61034E-11C8-B2E2-7740-7546E4057703}"/>
-              </a:ext>
-            </a:extLst>
-          </p:cNvPr>
-          <p:cNvSpPr txBox="1"/>
-          <p:nvPr/>
-        </p:nvSpPr>
-        <p:spPr>
-          <a:xfrm>
-            <a:off x="7413170" y="1317170"/>
-            <a:ext cx="4057653" cy="1754326"/>
-          </a:xfrm>
-          <a:prstGeom prst="rect">
-            <a:avLst/>
-          </a:prstGeom>
-          <a:noFill/>
-        </p:spPr>
-        <p:txBody>
-          <a:bodyPr wrap="square" rtlCol="0">
-            <a:spAutoFit/>
-          </a:bodyPr>
-          <a:lstStyle/>
-          <a:p>
-            <a:r>
-              <a:rPr lang="en-US" dirty="0"/>
-              <a:t>Functions include calculations of </a:t>
-            </a:r>
-          </a:p>
-          <a:p>
-            <a:r>
-              <a:rPr lang="en-US" dirty="0"/>
-              <a:t>(1) diet composition</a:t>
-            </a:r>
-          </a:p>
-          <a:p>
-            <a:r>
-              <a:rPr lang="en-US" dirty="0"/>
-              <a:t>(2) bioenergetic rates</a:t>
-            </a:r>
-          </a:p>
-          <a:p>
-            <a:r>
-              <a:rPr lang="en-US" dirty="0"/>
-              <a:t>(3) partitioning coefficients</a:t>
-            </a:r>
-          </a:p>
-          <a:p>
-            <a:r>
-              <a:rPr lang="en-US" dirty="0"/>
-              <a:t>(4) chemical uptake and elimination rate constants</a:t>
-            </a:r>
-          </a:p>
-        </p:txBody>
-      </p:sp>
-    </p:spTree>
-    <p:extLst>
-      <p:ext uri="{BB962C8B-B14F-4D97-AF65-F5344CB8AC3E}">
-        <p14:creationId xmlns:p14="http://schemas.microsoft.com/office/powerpoint/2010/main" val="1460455717"/>
-      </p:ext>
-    </p:extLst>
-  </p:cSld>
-  <p:clrMapOvr>
-    <a:masterClrMapping/>
-  </p:clrMapOvr>
-</p:sld>
-</file>
-
-<file path=ppt/slides/slide8.xml><?xml version="1.0" encoding="utf-8"?>
-<p:sld xmlns:a="http://schemas.openxmlformats.org/drawingml/2006/main" xmlns:r="http://schemas.openxmlformats.org/officeDocument/2006/relationships" xmlns:p="http://schemas.openxmlformats.org/presentationml/2006/main">
-  <p:cSld>
-    <p:spTree>
-      <p:nvGrpSpPr>
-        <p:cNvPr id="1" name=""/>
-        <p:cNvGrpSpPr/>
-        <p:nvPr/>
-      </p:nvGrpSpPr>
-      <p:grpSpPr>
-        <a:xfrm>
-          <a:off x="0" y="0"/>
-          <a:ext cx="0" cy="0"/>
-          <a:chOff x="0" y="0"/>
-          <a:chExt cx="0" cy="0"/>
-        </a:xfrm>
-      </p:grpSpPr>
-      <p:sp>
-        <p:nvSpPr>
-          <p:cNvPr id="2" name="Title 1">
-            <a:extLst>
-              <a:ext uri="{FF2B5EF4-FFF2-40B4-BE49-F238E27FC236}">
-                <a16:creationId xmlns:a16="http://schemas.microsoft.com/office/drawing/2014/main" id="{69D08501-47E9-C505-2C24-09B1CC67B0B0}"/>
-              </a:ext>
-            </a:extLst>
-          </p:cNvPr>
-          <p:cNvSpPr>
-            <a:spLocks noGrp="1"/>
-          </p:cNvSpPr>
-          <p:nvPr>
-            <p:ph type="title"/>
-          </p:nvPr>
-        </p:nvSpPr>
-        <p:spPr/>
-        <p:txBody>
-          <a:bodyPr/>
-          <a:lstStyle/>
-          <a:p>
-            <a:r>
-              <a:rPr lang="en-US" dirty="0"/>
-              <a:t>Goals:</a:t>
-            </a:r>
-          </a:p>
-        </p:txBody>
-      </p:sp>
-      <p:sp>
-        <p:nvSpPr>
-          <p:cNvPr id="3" name="Content Placeholder 2">
-            <a:extLst>
-              <a:ext uri="{FF2B5EF4-FFF2-40B4-BE49-F238E27FC236}">
-                <a16:creationId xmlns:a16="http://schemas.microsoft.com/office/drawing/2014/main" id="{8C9754F8-EA81-BA54-C947-CE87F0F6C0CD}"/>
-              </a:ext>
-            </a:extLst>
-          </p:cNvPr>
-          <p:cNvSpPr>
-            <a:spLocks noGrp="1"/>
-          </p:cNvSpPr>
-          <p:nvPr>
-            <p:ph idx="1"/>
-          </p:nvPr>
-        </p:nvSpPr>
-        <p:spPr/>
-        <p:txBody>
-          <a:bodyPr>
-            <a:normAutofit fontScale="70000" lnSpcReduction="20000"/>
-          </a:bodyPr>
-          <a:lstStyle/>
-          <a:p>
-            <a:r>
-              <a:rPr lang="en-US" dirty="0"/>
-              <a:t>BMF with our data:</a:t>
-            </a:r>
-          </a:p>
-          <a:p>
-            <a:pPr lvl="1"/>
-            <a:r>
-              <a:rPr lang="en-US" dirty="0"/>
-              <a:t>Change: </a:t>
-            </a:r>
-          </a:p>
-          <a:p>
-            <a:pPr lvl="2"/>
-            <a:r>
-              <a:rPr lang="en-US" b="1" u="sng" dirty="0"/>
-              <a:t>organism weight (</a:t>
-            </a:r>
-            <a:r>
-              <a:rPr lang="en-US" b="1" u="sng" dirty="0" err="1"/>
-              <a:t>organismData</a:t>
-            </a:r>
-            <a:r>
-              <a:rPr lang="en-US" b="1" u="sng" dirty="0"/>
-              <a:t>); </a:t>
-            </a:r>
-            <a:r>
-              <a:rPr lang="en-US" u="sng" dirty="0"/>
-              <a:t>see table S2</a:t>
-            </a:r>
-            <a:r>
-              <a:rPr lang="en-US" b="1" u="sng" dirty="0"/>
-              <a:t> </a:t>
-            </a:r>
-          </a:p>
-          <a:p>
-            <a:pPr lvl="2"/>
-            <a:r>
-              <a:rPr lang="en-US" u="sng" dirty="0"/>
-              <a:t>Temperature (</a:t>
-            </a:r>
-            <a:r>
-              <a:rPr lang="en-US" u="sng" dirty="0" err="1"/>
-              <a:t>oceanData</a:t>
-            </a:r>
-            <a:r>
-              <a:rPr lang="en-US" u="sng" dirty="0"/>
-              <a:t>)</a:t>
-            </a:r>
-          </a:p>
-          <a:p>
-            <a:pPr lvl="2"/>
-            <a:r>
-              <a:rPr lang="en-US" u="sng" dirty="0"/>
-              <a:t>DO? (</a:t>
-            </a:r>
-            <a:r>
-              <a:rPr lang="en-US" u="sng" dirty="0" err="1"/>
-              <a:t>oceanData</a:t>
-            </a:r>
-            <a:r>
-              <a:rPr lang="en-US" u="sng" dirty="0"/>
-              <a:t>)</a:t>
-            </a:r>
-          </a:p>
-          <a:p>
-            <a:pPr lvl="2"/>
-            <a:r>
-              <a:rPr lang="en-US" u="sng" dirty="0"/>
-              <a:t>OCS (</a:t>
-            </a:r>
-            <a:r>
-              <a:rPr lang="en-US" u="sng" dirty="0" err="1"/>
-              <a:t>oceanData</a:t>
-            </a:r>
-            <a:r>
-              <a:rPr lang="en-US" u="sng" dirty="0"/>
-              <a:t>)</a:t>
-            </a:r>
-          </a:p>
-          <a:p>
-            <a:pPr lvl="2"/>
-            <a:r>
-              <a:rPr lang="en-US" dirty="0"/>
-              <a:t>growth rates? (cite)</a:t>
-            </a:r>
-          </a:p>
-          <a:p>
-            <a:pPr lvl="2"/>
-            <a:r>
-              <a:rPr lang="en-US" dirty="0"/>
-              <a:t>Chemical uptake rates (use trout Martin et al) </a:t>
-            </a:r>
-          </a:p>
-          <a:p>
-            <a:r>
-              <a:rPr lang="en-US" dirty="0"/>
-              <a:t>OCS: they don’t have for Martin BCF BMF – we do!</a:t>
-            </a:r>
-          </a:p>
-          <a:p>
-            <a:pPr lvl="1"/>
-            <a:r>
-              <a:rPr lang="en-US" dirty="0"/>
-              <a:t>The BAF with mean max etc. </a:t>
-            </a:r>
-          </a:p>
-          <a:p>
-            <a:pPr lvl="2"/>
-            <a:r>
-              <a:rPr lang="en-US" dirty="0"/>
-              <a:t>Use S6c (while body ) </a:t>
-            </a:r>
-          </a:p>
-          <a:p>
-            <a:pPr lvl="2"/>
-            <a:r>
-              <a:rPr lang="en-US" dirty="0"/>
-              <a:t>Season </a:t>
-            </a:r>
-          </a:p>
-          <a:p>
-            <a:pPr lvl="3"/>
-            <a:r>
-              <a:rPr lang="en-US" dirty="0"/>
-              <a:t>Temp</a:t>
-            </a:r>
-          </a:p>
-          <a:p>
-            <a:pPr lvl="3"/>
-            <a:r>
-              <a:rPr lang="en-US" dirty="0"/>
-              <a:t>DO</a:t>
-            </a:r>
-          </a:p>
-          <a:p>
-            <a:pPr lvl="2"/>
-            <a:r>
-              <a:rPr lang="en-US" dirty="0"/>
-              <a:t>Body size</a:t>
-            </a:r>
-          </a:p>
-          <a:p>
-            <a:pPr lvl="2"/>
-            <a:r>
-              <a:rPr lang="en-US" dirty="0"/>
-              <a:t>Activity (ventilation rate)</a:t>
-            </a:r>
-          </a:p>
-          <a:p>
-            <a:pPr lvl="1"/>
-            <a:r>
-              <a:rPr lang="en-US" dirty="0">
-                <a:solidFill>
-                  <a:srgbClr val="FF0000"/>
-                </a:solidFill>
-              </a:rPr>
-              <a:t>The water PFAA??? </a:t>
-            </a:r>
-          </a:p>
-          <a:p>
-            <a:pPr lvl="2"/>
-            <a:r>
-              <a:rPr lang="en-US" dirty="0">
-                <a:solidFill>
-                  <a:srgbClr val="FF0000"/>
-                </a:solidFill>
-              </a:rPr>
-              <a:t>Can we incorporate?</a:t>
-            </a:r>
-          </a:p>
-          <a:p>
-            <a:pPr lvl="1"/>
-            <a:endParaRPr lang="en-US" dirty="0">
-              <a:solidFill>
-                <a:srgbClr val="FF0000"/>
-              </a:solidFill>
-            </a:endParaRPr>
-          </a:p>
-        </p:txBody>
-      </p:sp>
-    </p:spTree>
-    <p:extLst>
-      <p:ext uri="{BB962C8B-B14F-4D97-AF65-F5344CB8AC3E}">
-        <p14:creationId xmlns:p14="http://schemas.microsoft.com/office/powerpoint/2010/main" val="1502424472"/>
-      </p:ext>
-    </p:extLst>
-  </p:cSld>
-  <p:clrMapOvr>
-    <a:masterClrMapping/>
-  </p:clrMapOvr>
-</p:sld>
-</file>
-
-<file path=ppt/slides/slide9.xml><?xml version="1.0" encoding="utf-8"?>
 <p:sld xmlns:a="http://schemas.openxmlformats.org/drawingml/2006/main" xmlns:r="http://schemas.openxmlformats.org/officeDocument/2006/relationships" xmlns:p="http://schemas.openxmlformats.org/presentationml/2006/main">
   <p:cSld>
     <p:spTree>
@@ -7112,8 +4634,8 @@
         </p:blipFill>
         <p:spPr>
           <a:xfrm>
-            <a:off x="2838450" y="114300"/>
-            <a:ext cx="5600700" cy="3314700"/>
+            <a:off x="952500" y="297180"/>
+            <a:ext cx="9521190" cy="5634990"/>
           </a:xfrm>
           <a:prstGeom prst="rect">
             <a:avLst/>
@@ -7124,6 +4646,2759 @@
     <p:extLst>
       <p:ext uri="{BB962C8B-B14F-4D97-AF65-F5344CB8AC3E}">
         <p14:creationId xmlns:p14="http://schemas.microsoft.com/office/powerpoint/2010/main" val="2908643542"/>
+      </p:ext>
+    </p:extLst>
+  </p:cSld>
+  <p:clrMapOvr>
+    <a:masterClrMapping/>
+  </p:clrMapOvr>
+</p:sld>
+</file>
+
+<file path=ppt/slides/slide4.xml><?xml version="1.0" encoding="utf-8"?>
+<p:sld xmlns:a="http://schemas.openxmlformats.org/drawingml/2006/main" xmlns:r="http://schemas.openxmlformats.org/officeDocument/2006/relationships" xmlns:p="http://schemas.openxmlformats.org/presentationml/2006/main">
+  <p:cSld>
+    <p:spTree>
+      <p:nvGrpSpPr>
+        <p:cNvPr id="1" name=""/>
+        <p:cNvGrpSpPr/>
+        <p:nvPr/>
+      </p:nvGrpSpPr>
+      <p:grpSpPr>
+        <a:xfrm>
+          <a:off x="0" y="0"/>
+          <a:ext cx="0" cy="0"/>
+          <a:chOff x="0" y="0"/>
+          <a:chExt cx="0" cy="0"/>
+        </a:xfrm>
+      </p:grpSpPr>
+      <p:sp>
+        <p:nvSpPr>
+          <p:cNvPr id="2" name="Title 1">
+            <a:extLst>
+              <a:ext uri="{FF2B5EF4-FFF2-40B4-BE49-F238E27FC236}">
+                <a16:creationId xmlns:a16="http://schemas.microsoft.com/office/drawing/2014/main" id="{2F7EFDC1-602A-A169-6462-1EEC17677F6F}"/>
+              </a:ext>
+            </a:extLst>
+          </p:cNvPr>
+          <p:cNvSpPr>
+            <a:spLocks noGrp="1"/>
+          </p:cNvSpPr>
+          <p:nvPr>
+            <p:ph type="title"/>
+          </p:nvPr>
+        </p:nvSpPr>
+        <p:spPr/>
+        <p:txBody>
+          <a:bodyPr/>
+          <a:lstStyle/>
+          <a:p>
+            <a:endParaRPr lang="en-US" dirty="0"/>
+          </a:p>
+        </p:txBody>
+      </p:sp>
+      <p:sp>
+        <p:nvSpPr>
+          <p:cNvPr id="3" name="Content Placeholder 2">
+            <a:extLst>
+              <a:ext uri="{FF2B5EF4-FFF2-40B4-BE49-F238E27FC236}">
+                <a16:creationId xmlns:a16="http://schemas.microsoft.com/office/drawing/2014/main" id="{019DB622-4F21-852A-B6D2-BBB1419F5DCA}"/>
+              </a:ext>
+            </a:extLst>
+          </p:cNvPr>
+          <p:cNvSpPr>
+            <a:spLocks noGrp="1"/>
+          </p:cNvSpPr>
+          <p:nvPr>
+            <p:ph idx="1"/>
+          </p:nvPr>
+        </p:nvSpPr>
+        <p:spPr/>
+        <p:txBody>
+          <a:bodyPr/>
+          <a:lstStyle/>
+          <a:p>
+            <a:endParaRPr lang="en-US"/>
+          </a:p>
+        </p:txBody>
+      </p:sp>
+    </p:spTree>
+    <p:extLst>
+      <p:ext uri="{BB962C8B-B14F-4D97-AF65-F5344CB8AC3E}">
+        <p14:creationId xmlns:p14="http://schemas.microsoft.com/office/powerpoint/2010/main" val="3918468947"/>
+      </p:ext>
+    </p:extLst>
+  </p:cSld>
+  <p:clrMapOvr>
+    <a:masterClrMapping/>
+  </p:clrMapOvr>
+</p:sld>
+</file>
+
+<file path=ppt/slides/slide5.xml><?xml version="1.0" encoding="utf-8"?>
+<p:sld xmlns:a="http://schemas.openxmlformats.org/drawingml/2006/main" xmlns:r="http://schemas.openxmlformats.org/officeDocument/2006/relationships" xmlns:p="http://schemas.openxmlformats.org/presentationml/2006/main">
+  <p:cSld>
+    <p:spTree>
+      <p:nvGrpSpPr>
+        <p:cNvPr id="1" name=""/>
+        <p:cNvGrpSpPr/>
+        <p:nvPr/>
+      </p:nvGrpSpPr>
+      <p:grpSpPr>
+        <a:xfrm>
+          <a:off x="0" y="0"/>
+          <a:ext cx="0" cy="0"/>
+          <a:chOff x="0" y="0"/>
+          <a:chExt cx="0" cy="0"/>
+        </a:xfrm>
+      </p:grpSpPr>
+      <p:sp>
+        <p:nvSpPr>
+          <p:cNvPr id="2" name="Rounded Rectangle 1">
+            <a:extLst>
+              <a:ext uri="{FF2B5EF4-FFF2-40B4-BE49-F238E27FC236}">
+                <a16:creationId xmlns:a16="http://schemas.microsoft.com/office/drawing/2014/main" id="{8A452E0C-13AD-86A3-AC9F-148FD6057228}"/>
+              </a:ext>
+            </a:extLst>
+          </p:cNvPr>
+          <p:cNvSpPr/>
+          <p:nvPr/>
+        </p:nvSpPr>
+        <p:spPr>
+          <a:xfrm>
+            <a:off x="721176" y="544285"/>
+            <a:ext cx="1681845" cy="772886"/>
+          </a:xfrm>
+          <a:prstGeom prst="roundRect">
+            <a:avLst/>
+          </a:prstGeom>
+          <a:solidFill>
+            <a:schemeClr val="accent2"/>
+          </a:solidFill>
+        </p:spPr>
+        <p:style>
+          <a:lnRef idx="2">
+            <a:schemeClr val="accent1">
+              <a:shade val="50000"/>
+            </a:schemeClr>
+          </a:lnRef>
+          <a:fillRef idx="1">
+            <a:schemeClr val="accent1"/>
+          </a:fillRef>
+          <a:effectRef idx="0">
+            <a:schemeClr val="accent1"/>
+          </a:effectRef>
+          <a:fontRef idx="minor">
+            <a:schemeClr val="lt1"/>
+          </a:fontRef>
+        </p:style>
+        <p:txBody>
+          <a:bodyPr rtlCol="0" anchor="ctr"/>
+          <a:lstStyle/>
+          <a:p>
+            <a:pPr algn="ctr"/>
+            <a:r>
+              <a:rPr lang="en-US" b="1" dirty="0">
+                <a:latin typeface="Avenir Book" panose="02000503020000020003" pitchFamily="2" charset="0"/>
+                <a:cs typeface="Baghdad" pitchFamily="2" charset="-78"/>
+              </a:rPr>
+              <a:t>Define Classes</a:t>
+            </a:r>
+          </a:p>
+        </p:txBody>
+      </p:sp>
+      <p:sp>
+        <p:nvSpPr>
+          <p:cNvPr id="3" name="TextBox 2">
+            <a:extLst>
+              <a:ext uri="{FF2B5EF4-FFF2-40B4-BE49-F238E27FC236}">
+                <a16:creationId xmlns:a16="http://schemas.microsoft.com/office/drawing/2014/main" id="{A5068393-64E4-FE55-55F0-47067636F83C}"/>
+              </a:ext>
+            </a:extLst>
+          </p:cNvPr>
+          <p:cNvSpPr txBox="1"/>
+          <p:nvPr/>
+        </p:nvSpPr>
+        <p:spPr>
+          <a:xfrm>
+            <a:off x="621992" y="1402806"/>
+            <a:ext cx="1844479" cy="1754326"/>
+          </a:xfrm>
+          <a:prstGeom prst="rect">
+            <a:avLst/>
+          </a:prstGeom>
+          <a:noFill/>
+        </p:spPr>
+        <p:txBody>
+          <a:bodyPr wrap="none" rtlCol="0">
+            <a:spAutoFit/>
+          </a:bodyPr>
+          <a:lstStyle/>
+          <a:p>
+            <a:pPr marL="285750" indent="-285750">
+              <a:buFont typeface="Arial" panose="020B0604020202020204" pitchFamily="34" charset="0"/>
+              <a:buChar char="•"/>
+            </a:pPr>
+            <a:r>
+              <a:rPr lang="en-US" b="1" dirty="0">
+                <a:solidFill>
+                  <a:schemeClr val="accent2"/>
+                </a:solidFill>
+              </a:rPr>
+              <a:t>Settings</a:t>
+            </a:r>
+          </a:p>
+          <a:p>
+            <a:pPr marL="285750" indent="-285750">
+              <a:buFont typeface="Arial" panose="020B0604020202020204" pitchFamily="34" charset="0"/>
+              <a:buChar char="•"/>
+            </a:pPr>
+            <a:r>
+              <a:rPr lang="en-US" b="1" dirty="0"/>
+              <a:t>Environment </a:t>
+            </a:r>
+          </a:p>
+          <a:p>
+            <a:pPr marL="285750" indent="-285750">
+              <a:buFont typeface="Arial" panose="020B0604020202020204" pitchFamily="34" charset="0"/>
+              <a:buChar char="•"/>
+            </a:pPr>
+            <a:r>
+              <a:rPr lang="en-US" b="1" dirty="0"/>
+              <a:t>Chemical </a:t>
+            </a:r>
+          </a:p>
+          <a:p>
+            <a:pPr marL="285750" indent="-285750">
+              <a:buFont typeface="Arial" panose="020B0604020202020204" pitchFamily="34" charset="0"/>
+              <a:buChar char="•"/>
+            </a:pPr>
+            <a:r>
+              <a:rPr lang="en-US" b="1" dirty="0"/>
+              <a:t>Chemical Data</a:t>
+            </a:r>
+          </a:p>
+          <a:p>
+            <a:pPr marL="285750" indent="-285750">
+              <a:buFont typeface="Arial" panose="020B0604020202020204" pitchFamily="34" charset="0"/>
+              <a:buChar char="•"/>
+            </a:pPr>
+            <a:r>
+              <a:rPr lang="en-US" b="1" dirty="0"/>
+              <a:t>Organism </a:t>
+            </a:r>
+          </a:p>
+          <a:p>
+            <a:endParaRPr lang="en-US" b="1" dirty="0"/>
+          </a:p>
+        </p:txBody>
+      </p:sp>
+      <p:sp>
+        <p:nvSpPr>
+          <p:cNvPr id="6" name="Left Arrow 5">
+            <a:extLst>
+              <a:ext uri="{FF2B5EF4-FFF2-40B4-BE49-F238E27FC236}">
+                <a16:creationId xmlns:a16="http://schemas.microsoft.com/office/drawing/2014/main" id="{C67B7D99-433A-42C2-67EB-080E1FC518C1}"/>
+              </a:ext>
+            </a:extLst>
+          </p:cNvPr>
+          <p:cNvSpPr/>
+          <p:nvPr/>
+        </p:nvSpPr>
+        <p:spPr>
+          <a:xfrm rot="10800000">
+            <a:off x="1853291" y="1513113"/>
+            <a:ext cx="522513" cy="206829"/>
+          </a:xfrm>
+          <a:prstGeom prst="leftArrow">
+            <a:avLst/>
+          </a:prstGeom>
+          <a:solidFill>
+            <a:schemeClr val="accent2">
+              <a:lumMod val="20000"/>
+              <a:lumOff val="80000"/>
+            </a:schemeClr>
+          </a:solidFill>
+          <a:ln>
+            <a:solidFill>
+              <a:schemeClr val="accent2"/>
+            </a:solidFill>
+          </a:ln>
+        </p:spPr>
+        <p:style>
+          <a:lnRef idx="2">
+            <a:schemeClr val="accent1">
+              <a:shade val="50000"/>
+            </a:schemeClr>
+          </a:lnRef>
+          <a:fillRef idx="1">
+            <a:schemeClr val="accent1"/>
+          </a:fillRef>
+          <a:effectRef idx="0">
+            <a:schemeClr val="accent1"/>
+          </a:effectRef>
+          <a:fontRef idx="minor">
+            <a:schemeClr val="lt1"/>
+          </a:fontRef>
+        </p:style>
+        <p:txBody>
+          <a:bodyPr rtlCol="0" anchor="ctr"/>
+          <a:lstStyle/>
+          <a:p>
+            <a:pPr algn="ctr"/>
+            <a:endParaRPr lang="en-US"/>
+          </a:p>
+        </p:txBody>
+      </p:sp>
+      <p:pic>
+        <p:nvPicPr>
+          <p:cNvPr id="8" name="Picture 7">
+            <a:extLst>
+              <a:ext uri="{FF2B5EF4-FFF2-40B4-BE49-F238E27FC236}">
+                <a16:creationId xmlns:a16="http://schemas.microsoft.com/office/drawing/2014/main" id="{55B4A4A8-8A95-1FE3-FF8E-7003D25588CA}"/>
+              </a:ext>
+            </a:extLst>
+          </p:cNvPr>
+          <p:cNvPicPr>
+            <a:picLocks noChangeAspect="1"/>
+          </p:cNvPicPr>
+          <p:nvPr/>
+        </p:nvPicPr>
+        <p:blipFill>
+          <a:blip r:embed="rId2"/>
+          <a:stretch>
+            <a:fillRect/>
+          </a:stretch>
+        </p:blipFill>
+        <p:spPr>
+          <a:xfrm>
+            <a:off x="2708730" y="857818"/>
+            <a:ext cx="3530600" cy="2019300"/>
+          </a:xfrm>
+          <a:prstGeom prst="rect">
+            <a:avLst/>
+          </a:prstGeom>
+        </p:spPr>
+      </p:pic>
+      <p:sp>
+        <p:nvSpPr>
+          <p:cNvPr id="5" name="TextBox 4">
+            <a:extLst>
+              <a:ext uri="{FF2B5EF4-FFF2-40B4-BE49-F238E27FC236}">
+                <a16:creationId xmlns:a16="http://schemas.microsoft.com/office/drawing/2014/main" id="{30307DF8-7D57-978C-570E-6713CEDED4E9}"/>
+              </a:ext>
+            </a:extLst>
+          </p:cNvPr>
+          <p:cNvSpPr txBox="1"/>
+          <p:nvPr/>
+        </p:nvSpPr>
+        <p:spPr>
+          <a:xfrm>
+            <a:off x="7126784" y="581814"/>
+            <a:ext cx="4712972" cy="523220"/>
+          </a:xfrm>
+          <a:prstGeom prst="rect">
+            <a:avLst/>
+          </a:prstGeom>
+          <a:noFill/>
+        </p:spPr>
+        <p:txBody>
+          <a:bodyPr wrap="square" rtlCol="0">
+            <a:spAutoFit/>
+          </a:bodyPr>
+          <a:lstStyle/>
+          <a:p>
+            <a:pPr algn="ctr"/>
+            <a:r>
+              <a:rPr lang="en-US" sz="2800" dirty="0">
+                <a:latin typeface="Avenir Book" panose="02000503020000020003" pitchFamily="2" charset="0"/>
+              </a:rPr>
+              <a:t>OUTPUTS/ description</a:t>
+            </a:r>
+          </a:p>
+        </p:txBody>
+      </p:sp>
+      <p:sp>
+        <p:nvSpPr>
+          <p:cNvPr id="9" name="TextBox 8">
+            <a:extLst>
+              <a:ext uri="{FF2B5EF4-FFF2-40B4-BE49-F238E27FC236}">
+                <a16:creationId xmlns:a16="http://schemas.microsoft.com/office/drawing/2014/main" id="{98BE9636-5666-E2AC-DFDC-2246333F5865}"/>
+              </a:ext>
+            </a:extLst>
+          </p:cNvPr>
+          <p:cNvSpPr txBox="1"/>
+          <p:nvPr/>
+        </p:nvSpPr>
+        <p:spPr>
+          <a:xfrm>
+            <a:off x="6774197" y="1105034"/>
+            <a:ext cx="5234923" cy="5893921"/>
+          </a:xfrm>
+          <a:prstGeom prst="rect">
+            <a:avLst/>
+          </a:prstGeom>
+          <a:noFill/>
+        </p:spPr>
+        <p:txBody>
+          <a:bodyPr wrap="square" rtlCol="0">
+            <a:spAutoFit/>
+          </a:bodyPr>
+          <a:lstStyle/>
+          <a:p>
+            <a:pPr marL="285750" indent="-285750">
+              <a:buFont typeface="Arial" panose="020B0604020202020204" pitchFamily="34" charset="0"/>
+              <a:buChar char="•"/>
+            </a:pPr>
+            <a:r>
+              <a:rPr lang="en-US" dirty="0"/>
+              <a:t>New settings, used to define how the model runs</a:t>
+            </a:r>
+          </a:p>
+          <a:p>
+            <a:pPr marL="285750" indent="-285750">
+              <a:buFont typeface="Arial" panose="020B0604020202020204" pitchFamily="34" charset="0"/>
+              <a:buChar char="•"/>
+            </a:pPr>
+            <a:r>
+              <a:rPr lang="en-US" b="1" dirty="0" err="1"/>
+              <a:t>chooseEd</a:t>
+            </a:r>
+            <a:endParaRPr lang="en-US" dirty="0"/>
+          </a:p>
+          <a:p>
+            <a:r>
+              <a:rPr lang="en-US" sz="1050" i="1" dirty="0">
+                <a:effectLst/>
+                <a:latin typeface="Helvetica" pitchFamily="2" charset="0"/>
+              </a:rPr>
+              <a:t>E_D = Chemical absorption efficiency across the gut</a:t>
+            </a:r>
+            <a:r>
+              <a:rPr lang="en-US" sz="1050" dirty="0">
+                <a:latin typeface="Helvetica" pitchFamily="2" charset="0"/>
+              </a:rPr>
+              <a:t> </a:t>
+            </a:r>
+            <a:r>
+              <a:rPr lang="en-US" sz="1050" i="1" dirty="0">
+                <a:effectLst/>
+                <a:latin typeface="Helvetica" pitchFamily="2" charset="0"/>
+              </a:rPr>
+              <a:t>membrane (gut or dietary chemical absorption efficiency) </a:t>
+            </a:r>
+            <a:endParaRPr lang="en-US" sz="1050" dirty="0">
+              <a:effectLst/>
+              <a:latin typeface="Helvetica" pitchFamily="2" charset="0"/>
+            </a:endParaRPr>
+          </a:p>
+          <a:p>
+            <a:pPr marL="742950" lvl="1" indent="-285750">
+              <a:buFont typeface="Arial" panose="020B0604020202020204" pitchFamily="34" charset="0"/>
+              <a:buChar char="•"/>
+            </a:pPr>
+            <a:r>
+              <a:rPr lang="en-US" dirty="0">
+                <a:solidFill>
+                  <a:schemeClr val="accent3"/>
+                </a:solidFill>
+              </a:rPr>
+              <a:t>In </a:t>
+            </a:r>
+            <a:r>
+              <a:rPr lang="en-US" dirty="0" err="1">
+                <a:solidFill>
+                  <a:schemeClr val="accent3"/>
+                </a:solidFill>
+              </a:rPr>
+              <a:t>chemicalParameters</a:t>
+            </a:r>
+            <a:r>
+              <a:rPr lang="en-US" dirty="0">
+                <a:solidFill>
+                  <a:schemeClr val="accent3"/>
+                </a:solidFill>
+              </a:rPr>
+              <a:t> data</a:t>
+            </a:r>
+          </a:p>
+          <a:p>
+            <a:pPr marL="285750" indent="-285750">
+              <a:buFont typeface="Arial" panose="020B0604020202020204" pitchFamily="34" charset="0"/>
+              <a:buChar char="•"/>
+            </a:pPr>
+            <a:r>
+              <a:rPr lang="en-US" b="1" dirty="0" err="1"/>
+              <a:t>chooseDiet</a:t>
+            </a:r>
+            <a:endParaRPr lang="en-US" b="1" dirty="0"/>
+          </a:p>
+          <a:p>
+            <a:pPr marL="742950" lvl="1" indent="-285750">
+              <a:buFont typeface="Arial" panose="020B0604020202020204" pitchFamily="34" charset="0"/>
+              <a:buChar char="•"/>
+            </a:pPr>
+            <a:r>
+              <a:rPr lang="en-US" sz="1600" dirty="0"/>
+              <a:t>‘default’, ‘zero’, 'Martin BMF’ | 'Martin BMF rev’, 'forced Munoz’ (</a:t>
+            </a:r>
+            <a:r>
+              <a:rPr lang="en-US" sz="1600" u="sng" dirty="0"/>
+              <a:t>Manual –read in provided data)</a:t>
+            </a:r>
+          </a:p>
+          <a:p>
+            <a:pPr marL="742950" lvl="1" indent="-285750">
+              <a:buFont typeface="Arial" panose="020B0604020202020204" pitchFamily="34" charset="0"/>
+              <a:buChar char="•"/>
+            </a:pPr>
+            <a:r>
+              <a:rPr lang="en-US" dirty="0" err="1">
+                <a:solidFill>
+                  <a:schemeClr val="accent1"/>
+                </a:solidFill>
+              </a:rPr>
+              <a:t>dietData</a:t>
+            </a:r>
+            <a:endParaRPr lang="en-US" dirty="0">
+              <a:solidFill>
+                <a:schemeClr val="accent1"/>
+              </a:solidFill>
+            </a:endParaRPr>
+          </a:p>
+          <a:p>
+            <a:pPr marL="285750" indent="-285750">
+              <a:buFont typeface="Arial" panose="020B0604020202020204" pitchFamily="34" charset="0"/>
+              <a:buChar char="•"/>
+            </a:pPr>
+            <a:r>
+              <a:rPr lang="en-US" b="1" dirty="0" err="1"/>
+              <a:t>chooseDmw</a:t>
+            </a:r>
+            <a:r>
+              <a:rPr lang="en-US" dirty="0"/>
+              <a:t> = "</a:t>
+            </a:r>
+            <a:r>
+              <a:rPr lang="en-US" dirty="0" err="1"/>
+              <a:t>Droge</a:t>
+            </a:r>
+            <a:r>
+              <a:rPr lang="en-US" dirty="0"/>
+              <a:t>”</a:t>
+            </a:r>
+          </a:p>
+          <a:p>
+            <a:r>
+              <a:rPr lang="en-US" sz="1100" i="1" dirty="0">
+                <a:effectLst/>
+                <a:latin typeface="Helvetica" pitchFamily="2" charset="0"/>
+              </a:rPr>
+              <a:t>Partitioning to phospholipids is described by the membrane-water partitioning coefficient</a:t>
+            </a:r>
+            <a:endParaRPr lang="en-US" sz="1100" dirty="0"/>
+          </a:p>
+          <a:p>
+            <a:pPr marL="742950" lvl="1" indent="-285750">
+              <a:buFont typeface="Arial" panose="020B0604020202020204" pitchFamily="34" charset="0"/>
+              <a:buChar char="•"/>
+            </a:pPr>
+            <a:r>
+              <a:rPr lang="en-US" dirty="0">
+                <a:solidFill>
+                  <a:schemeClr val="accent3"/>
+                </a:solidFill>
+              </a:rPr>
+              <a:t>In </a:t>
+            </a:r>
+            <a:r>
+              <a:rPr lang="en-US" dirty="0" err="1">
+                <a:solidFill>
+                  <a:schemeClr val="accent3"/>
+                </a:solidFill>
+              </a:rPr>
+              <a:t>chemicalParameters</a:t>
+            </a:r>
+            <a:r>
+              <a:rPr lang="en-US" dirty="0">
+                <a:solidFill>
+                  <a:schemeClr val="accent3"/>
+                </a:solidFill>
+              </a:rPr>
+              <a:t> data</a:t>
+            </a:r>
+          </a:p>
+          <a:p>
+            <a:pPr marL="742950" lvl="1" indent="-285750">
+              <a:buFont typeface="Arial" panose="020B0604020202020204" pitchFamily="34" charset="0"/>
+              <a:buChar char="•"/>
+            </a:pPr>
+            <a:r>
+              <a:rPr lang="en-US" dirty="0"/>
+              <a:t>Table S3a. Log </a:t>
+            </a:r>
+            <a:r>
+              <a:rPr lang="en-US" dirty="0" err="1"/>
+              <a:t>Dmw</a:t>
+            </a:r>
+            <a:endParaRPr lang="en-US" dirty="0"/>
+          </a:p>
+          <a:p>
+            <a:pPr marL="285750" indent="-285750">
+              <a:buFont typeface="Arial" panose="020B0604020202020204" pitchFamily="34" charset="0"/>
+              <a:buChar char="•"/>
+            </a:pPr>
+            <a:r>
+              <a:rPr lang="en-US" b="1" dirty="0" err="1"/>
+              <a:t>chooseEw</a:t>
+            </a:r>
+            <a:r>
+              <a:rPr lang="en-US" b="1" dirty="0"/>
+              <a:t> </a:t>
+            </a:r>
+            <a:r>
+              <a:rPr lang="en-US" dirty="0"/>
+              <a:t>= "empirical”</a:t>
+            </a:r>
+          </a:p>
+          <a:p>
+            <a:r>
+              <a:rPr lang="en-US" sz="1100" i="1" dirty="0">
+                <a:effectLst/>
+                <a:latin typeface="Helvetica" pitchFamily="2" charset="0"/>
+              </a:rPr>
+              <a:t>Chemical absorption efficiency across the gill</a:t>
+            </a:r>
+            <a:r>
+              <a:rPr lang="en-US" sz="1100" dirty="0">
+                <a:latin typeface="Helvetica" pitchFamily="2" charset="0"/>
+              </a:rPr>
+              <a:t> </a:t>
+            </a:r>
+            <a:r>
+              <a:rPr lang="en-US" sz="1100" i="1" dirty="0">
+                <a:effectLst/>
+                <a:latin typeface="Helvetica" pitchFamily="2" charset="0"/>
+              </a:rPr>
+              <a:t>membrane (aqueous chemical absorption</a:t>
+            </a:r>
+            <a:r>
+              <a:rPr lang="en-US" sz="1100" dirty="0">
+                <a:latin typeface="Helvetica" pitchFamily="2" charset="0"/>
+              </a:rPr>
+              <a:t> </a:t>
+            </a:r>
+            <a:r>
+              <a:rPr lang="en-US" sz="1100" i="1" dirty="0">
+                <a:effectLst/>
+                <a:latin typeface="Helvetica" pitchFamily="2" charset="0"/>
+              </a:rPr>
+              <a:t>efficiency)</a:t>
+            </a:r>
+            <a:endParaRPr lang="en-US" sz="1100" dirty="0"/>
+          </a:p>
+          <a:p>
+            <a:pPr marL="742950" lvl="1" indent="-285750">
+              <a:buFont typeface="Arial" panose="020B0604020202020204" pitchFamily="34" charset="0"/>
+              <a:buChar char="•"/>
+            </a:pPr>
+            <a:r>
+              <a:rPr lang="en-US" dirty="0">
+                <a:solidFill>
+                  <a:schemeClr val="accent3"/>
+                </a:solidFill>
+              </a:rPr>
+              <a:t>In </a:t>
+            </a:r>
+            <a:r>
+              <a:rPr lang="en-US" dirty="0" err="1">
+                <a:solidFill>
+                  <a:schemeClr val="accent3"/>
+                </a:solidFill>
+              </a:rPr>
+              <a:t>chemicalParameters</a:t>
+            </a:r>
+            <a:r>
+              <a:rPr lang="en-US" dirty="0">
+                <a:solidFill>
+                  <a:schemeClr val="accent3"/>
+                </a:solidFill>
+              </a:rPr>
+              <a:t> data</a:t>
+            </a:r>
+            <a:endParaRPr lang="en-US" dirty="0"/>
+          </a:p>
+          <a:p>
+            <a:pPr marL="285750" indent="-285750">
+              <a:buFont typeface="Arial" panose="020B0604020202020204" pitchFamily="34" charset="0"/>
+              <a:buChar char="•"/>
+            </a:pPr>
+            <a:r>
+              <a:rPr lang="en-US" b="1" dirty="0" err="1"/>
+              <a:t>chooseKoc</a:t>
+            </a:r>
+            <a:r>
+              <a:rPr lang="en-US" dirty="0"/>
+              <a:t> = "</a:t>
+            </a:r>
+            <a:r>
+              <a:rPr lang="en-US" dirty="0" err="1"/>
+              <a:t>Koc_Munoz</a:t>
+            </a:r>
+            <a:r>
+              <a:rPr lang="en-US" dirty="0"/>
+              <a:t>”</a:t>
+            </a:r>
+          </a:p>
+          <a:p>
+            <a:r>
+              <a:rPr lang="en-US" sz="1200" i="1" dirty="0" err="1"/>
+              <a:t>Koc</a:t>
+            </a:r>
+            <a:r>
+              <a:rPr lang="en-US" sz="1200" i="1" dirty="0"/>
+              <a:t> is the organic carbon partitioning coefficient; </a:t>
+            </a:r>
+            <a:r>
+              <a:rPr lang="en-US" sz="1200" i="1" dirty="0" err="1"/>
+              <a:t>Koc</a:t>
+            </a:r>
+            <a:r>
+              <a:rPr lang="en-US" sz="1200" i="1" dirty="0"/>
+              <a:t> = </a:t>
+            </a:r>
+            <a:r>
+              <a:rPr lang="en-US" sz="1200" i="1" dirty="0" err="1"/>
+              <a:t>Kd</a:t>
+            </a:r>
+            <a:r>
+              <a:rPr lang="en-US" sz="1200" i="1" dirty="0"/>
+              <a:t> / OCS</a:t>
+            </a:r>
+          </a:p>
+          <a:p>
+            <a:r>
+              <a:rPr lang="en-US" sz="1200" i="1" dirty="0"/>
+              <a:t>OCS is the organic carbon content of the sediment</a:t>
+            </a:r>
+          </a:p>
+          <a:p>
+            <a:r>
+              <a:rPr lang="en-US" sz="1200" i="1" dirty="0" err="1"/>
+              <a:t>Kd</a:t>
+            </a:r>
+            <a:r>
+              <a:rPr lang="en-US" sz="1200" i="1" dirty="0"/>
+              <a:t> = </a:t>
+            </a:r>
+            <a:r>
+              <a:rPr lang="en-US" sz="1200" i="1" dirty="0">
+                <a:effectLst/>
+                <a:latin typeface="Helvetica" pitchFamily="2" charset="0"/>
+              </a:rPr>
+              <a:t>Dietary uptake rate constant</a:t>
+            </a:r>
+            <a:endParaRPr lang="en-US" sz="1200" i="1" dirty="0"/>
+          </a:p>
+          <a:p>
+            <a:pPr marL="742950" lvl="1" indent="-285750">
+              <a:buFont typeface="Arial" panose="020B0604020202020204" pitchFamily="34" charset="0"/>
+              <a:buChar char="•"/>
+            </a:pPr>
+            <a:r>
+              <a:rPr lang="en-US" dirty="0">
+                <a:solidFill>
+                  <a:schemeClr val="accent3"/>
+                </a:solidFill>
+              </a:rPr>
+              <a:t>In </a:t>
+            </a:r>
+            <a:r>
+              <a:rPr lang="en-US" dirty="0" err="1">
+                <a:solidFill>
+                  <a:schemeClr val="accent3"/>
+                </a:solidFill>
+              </a:rPr>
+              <a:t>chemicalParameters</a:t>
+            </a:r>
+            <a:r>
+              <a:rPr lang="en-US" dirty="0">
+                <a:solidFill>
+                  <a:schemeClr val="accent3"/>
+                </a:solidFill>
+              </a:rPr>
+              <a:t> data</a:t>
+            </a:r>
+          </a:p>
+          <a:p>
+            <a:pPr lvl="1"/>
+            <a:endParaRPr lang="en-US" dirty="0"/>
+          </a:p>
+        </p:txBody>
+      </p:sp>
+      <p:sp>
+        <p:nvSpPr>
+          <p:cNvPr id="4" name="Oval 3">
+            <a:extLst>
+              <a:ext uri="{FF2B5EF4-FFF2-40B4-BE49-F238E27FC236}">
+                <a16:creationId xmlns:a16="http://schemas.microsoft.com/office/drawing/2014/main" id="{03E901EC-EFC8-C419-D5E7-00BEF0E5B9AB}"/>
+              </a:ext>
+            </a:extLst>
+          </p:cNvPr>
+          <p:cNvSpPr/>
+          <p:nvPr/>
+        </p:nvSpPr>
+        <p:spPr>
+          <a:xfrm>
+            <a:off x="156842" y="696413"/>
+            <a:ext cx="434340" cy="468630"/>
+          </a:xfrm>
+          <a:prstGeom prst="ellipse">
+            <a:avLst/>
+          </a:prstGeom>
+        </p:spPr>
+        <p:style>
+          <a:lnRef idx="2">
+            <a:schemeClr val="accent6"/>
+          </a:lnRef>
+          <a:fillRef idx="1">
+            <a:schemeClr val="lt1"/>
+          </a:fillRef>
+          <a:effectRef idx="0">
+            <a:schemeClr val="accent6"/>
+          </a:effectRef>
+          <a:fontRef idx="minor">
+            <a:schemeClr val="dk1"/>
+          </a:fontRef>
+        </p:style>
+        <p:txBody>
+          <a:bodyPr rtlCol="0" anchor="ctr"/>
+          <a:lstStyle/>
+          <a:p>
+            <a:pPr algn="ctr"/>
+            <a:r>
+              <a:rPr lang="en-US" dirty="0"/>
+              <a:t>1</a:t>
+            </a:r>
+          </a:p>
+        </p:txBody>
+      </p:sp>
+    </p:spTree>
+    <p:extLst>
+      <p:ext uri="{BB962C8B-B14F-4D97-AF65-F5344CB8AC3E}">
+        <p14:creationId xmlns:p14="http://schemas.microsoft.com/office/powerpoint/2010/main" val="441069687"/>
+      </p:ext>
+    </p:extLst>
+  </p:cSld>
+  <p:clrMapOvr>
+    <a:masterClrMapping/>
+  </p:clrMapOvr>
+</p:sld>
+</file>
+
+<file path=ppt/slides/slide6.xml><?xml version="1.0" encoding="utf-8"?>
+<p:sld xmlns:a="http://schemas.openxmlformats.org/drawingml/2006/main" xmlns:r="http://schemas.openxmlformats.org/officeDocument/2006/relationships" xmlns:p="http://schemas.openxmlformats.org/presentationml/2006/main">
+  <p:cSld>
+    <p:spTree>
+      <p:nvGrpSpPr>
+        <p:cNvPr id="1" name=""/>
+        <p:cNvGrpSpPr/>
+        <p:nvPr/>
+      </p:nvGrpSpPr>
+      <p:grpSpPr>
+        <a:xfrm>
+          <a:off x="0" y="0"/>
+          <a:ext cx="0" cy="0"/>
+          <a:chOff x="0" y="0"/>
+          <a:chExt cx="0" cy="0"/>
+        </a:xfrm>
+      </p:grpSpPr>
+      <p:sp>
+        <p:nvSpPr>
+          <p:cNvPr id="2" name="Rounded Rectangle 1">
+            <a:extLst>
+              <a:ext uri="{FF2B5EF4-FFF2-40B4-BE49-F238E27FC236}">
+                <a16:creationId xmlns:a16="http://schemas.microsoft.com/office/drawing/2014/main" id="{8A452E0C-13AD-86A3-AC9F-148FD6057228}"/>
+              </a:ext>
+            </a:extLst>
+          </p:cNvPr>
+          <p:cNvSpPr/>
+          <p:nvPr/>
+        </p:nvSpPr>
+        <p:spPr>
+          <a:xfrm>
+            <a:off x="721176" y="544285"/>
+            <a:ext cx="1681845" cy="772886"/>
+          </a:xfrm>
+          <a:prstGeom prst="roundRect">
+            <a:avLst/>
+          </a:prstGeom>
+          <a:solidFill>
+            <a:schemeClr val="accent2"/>
+          </a:solidFill>
+        </p:spPr>
+        <p:style>
+          <a:lnRef idx="2">
+            <a:schemeClr val="accent1">
+              <a:shade val="50000"/>
+            </a:schemeClr>
+          </a:lnRef>
+          <a:fillRef idx="1">
+            <a:schemeClr val="accent1"/>
+          </a:fillRef>
+          <a:effectRef idx="0">
+            <a:schemeClr val="accent1"/>
+          </a:effectRef>
+          <a:fontRef idx="minor">
+            <a:schemeClr val="lt1"/>
+          </a:fontRef>
+        </p:style>
+        <p:txBody>
+          <a:bodyPr rtlCol="0" anchor="ctr"/>
+          <a:lstStyle/>
+          <a:p>
+            <a:pPr algn="ctr"/>
+            <a:r>
+              <a:rPr lang="en-US" b="1" dirty="0">
+                <a:latin typeface="Avenir Book" panose="02000503020000020003" pitchFamily="2" charset="0"/>
+                <a:cs typeface="Baghdad" pitchFamily="2" charset="-78"/>
+              </a:rPr>
+              <a:t>Define Classes</a:t>
+            </a:r>
+          </a:p>
+        </p:txBody>
+      </p:sp>
+      <p:sp>
+        <p:nvSpPr>
+          <p:cNvPr id="6" name="Left Arrow 5">
+            <a:extLst>
+              <a:ext uri="{FF2B5EF4-FFF2-40B4-BE49-F238E27FC236}">
+                <a16:creationId xmlns:a16="http://schemas.microsoft.com/office/drawing/2014/main" id="{C67B7D99-433A-42C2-67EB-080E1FC518C1}"/>
+              </a:ext>
+            </a:extLst>
+          </p:cNvPr>
+          <p:cNvSpPr/>
+          <p:nvPr/>
+        </p:nvSpPr>
+        <p:spPr>
+          <a:xfrm rot="10800000">
+            <a:off x="2315724" y="1788342"/>
+            <a:ext cx="522513" cy="206829"/>
+          </a:xfrm>
+          <a:prstGeom prst="leftArrow">
+            <a:avLst/>
+          </a:prstGeom>
+          <a:solidFill>
+            <a:schemeClr val="accent2">
+              <a:lumMod val="20000"/>
+              <a:lumOff val="80000"/>
+            </a:schemeClr>
+          </a:solidFill>
+          <a:ln>
+            <a:solidFill>
+              <a:schemeClr val="accent2"/>
+            </a:solidFill>
+          </a:ln>
+        </p:spPr>
+        <p:style>
+          <a:lnRef idx="2">
+            <a:schemeClr val="accent1">
+              <a:shade val="50000"/>
+            </a:schemeClr>
+          </a:lnRef>
+          <a:fillRef idx="1">
+            <a:schemeClr val="accent1"/>
+          </a:fillRef>
+          <a:effectRef idx="0">
+            <a:schemeClr val="accent1"/>
+          </a:effectRef>
+          <a:fontRef idx="minor">
+            <a:schemeClr val="lt1"/>
+          </a:fontRef>
+        </p:style>
+        <p:txBody>
+          <a:bodyPr rtlCol="0" anchor="ctr"/>
+          <a:lstStyle/>
+          <a:p>
+            <a:pPr algn="ctr"/>
+            <a:endParaRPr lang="en-US"/>
+          </a:p>
+        </p:txBody>
+      </p:sp>
+      <p:pic>
+        <p:nvPicPr>
+          <p:cNvPr id="7" name="Picture 6">
+            <a:extLst>
+              <a:ext uri="{FF2B5EF4-FFF2-40B4-BE49-F238E27FC236}">
+                <a16:creationId xmlns:a16="http://schemas.microsoft.com/office/drawing/2014/main" id="{40988A4E-8CC1-7B17-FB8A-8693A92D4AC2}"/>
+              </a:ext>
+            </a:extLst>
+          </p:cNvPr>
+          <p:cNvPicPr>
+            <a:picLocks noChangeAspect="1"/>
+          </p:cNvPicPr>
+          <p:nvPr/>
+        </p:nvPicPr>
+        <p:blipFill>
+          <a:blip r:embed="rId2"/>
+          <a:stretch>
+            <a:fillRect/>
+          </a:stretch>
+        </p:blipFill>
+        <p:spPr>
+          <a:xfrm>
+            <a:off x="2941865" y="1402806"/>
+            <a:ext cx="2933700" cy="1803400"/>
+          </a:xfrm>
+          <a:prstGeom prst="rect">
+            <a:avLst/>
+          </a:prstGeom>
+        </p:spPr>
+      </p:pic>
+      <p:sp>
+        <p:nvSpPr>
+          <p:cNvPr id="4" name="TextBox 3">
+            <a:extLst>
+              <a:ext uri="{FF2B5EF4-FFF2-40B4-BE49-F238E27FC236}">
+                <a16:creationId xmlns:a16="http://schemas.microsoft.com/office/drawing/2014/main" id="{29737E63-4DF2-09F3-8932-D54F51C2B4B1}"/>
+              </a:ext>
+            </a:extLst>
+          </p:cNvPr>
+          <p:cNvSpPr txBox="1"/>
+          <p:nvPr/>
+        </p:nvSpPr>
+        <p:spPr>
+          <a:xfrm>
+            <a:off x="621992" y="1402806"/>
+            <a:ext cx="1844479" cy="1477328"/>
+          </a:xfrm>
+          <a:prstGeom prst="rect">
+            <a:avLst/>
+          </a:prstGeom>
+          <a:noFill/>
+        </p:spPr>
+        <p:txBody>
+          <a:bodyPr wrap="none" rtlCol="0">
+            <a:spAutoFit/>
+          </a:bodyPr>
+          <a:lstStyle/>
+          <a:p>
+            <a:pPr marL="285750" indent="-285750">
+              <a:buFont typeface="Arial" panose="020B0604020202020204" pitchFamily="34" charset="0"/>
+              <a:buChar char="•"/>
+            </a:pPr>
+            <a:r>
+              <a:rPr lang="en-US" b="1" dirty="0"/>
+              <a:t>Settings</a:t>
+            </a:r>
+          </a:p>
+          <a:p>
+            <a:pPr marL="285750" indent="-285750">
+              <a:buFont typeface="Arial" panose="020B0604020202020204" pitchFamily="34" charset="0"/>
+              <a:buChar char="•"/>
+            </a:pPr>
+            <a:r>
+              <a:rPr lang="en-US" b="1" dirty="0">
+                <a:solidFill>
+                  <a:schemeClr val="accent2"/>
+                </a:solidFill>
+              </a:rPr>
+              <a:t>Environment</a:t>
+            </a:r>
+            <a:r>
+              <a:rPr lang="en-US" b="1" dirty="0"/>
+              <a:t> </a:t>
+            </a:r>
+          </a:p>
+          <a:p>
+            <a:pPr marL="285750" indent="-285750">
+              <a:buFont typeface="Arial" panose="020B0604020202020204" pitchFamily="34" charset="0"/>
+              <a:buChar char="•"/>
+            </a:pPr>
+            <a:r>
+              <a:rPr lang="en-US" b="1" dirty="0"/>
+              <a:t>Chemical </a:t>
+            </a:r>
+          </a:p>
+          <a:p>
+            <a:pPr marL="285750" indent="-285750">
+              <a:buFont typeface="Arial" panose="020B0604020202020204" pitchFamily="34" charset="0"/>
+              <a:buChar char="•"/>
+            </a:pPr>
+            <a:r>
+              <a:rPr lang="en-US" b="1" dirty="0"/>
+              <a:t>Chemical Data</a:t>
+            </a:r>
+          </a:p>
+          <a:p>
+            <a:pPr marL="285750" indent="-285750">
+              <a:buFont typeface="Arial" panose="020B0604020202020204" pitchFamily="34" charset="0"/>
+              <a:buChar char="•"/>
+            </a:pPr>
+            <a:r>
+              <a:rPr lang="en-US" b="1" dirty="0"/>
+              <a:t>Organism </a:t>
+            </a:r>
+          </a:p>
+        </p:txBody>
+      </p:sp>
+      <p:sp>
+        <p:nvSpPr>
+          <p:cNvPr id="3" name="TextBox 2">
+            <a:extLst>
+              <a:ext uri="{FF2B5EF4-FFF2-40B4-BE49-F238E27FC236}">
+                <a16:creationId xmlns:a16="http://schemas.microsoft.com/office/drawing/2014/main" id="{B44BA849-0768-8954-1A29-5F2B94C401FC}"/>
+              </a:ext>
+            </a:extLst>
+          </p:cNvPr>
+          <p:cNvSpPr txBox="1"/>
+          <p:nvPr/>
+        </p:nvSpPr>
+        <p:spPr>
+          <a:xfrm>
+            <a:off x="7600948" y="598361"/>
+            <a:ext cx="3488872" cy="738664"/>
+          </a:xfrm>
+          <a:prstGeom prst="rect">
+            <a:avLst/>
+          </a:prstGeom>
+          <a:noFill/>
+        </p:spPr>
+        <p:txBody>
+          <a:bodyPr wrap="square" rtlCol="0">
+            <a:spAutoFit/>
+          </a:bodyPr>
+          <a:lstStyle/>
+          <a:p>
+            <a:pPr algn="ctr"/>
+            <a:r>
+              <a:rPr lang="en-US" sz="2800" dirty="0">
+                <a:latin typeface="Avenir Book" panose="02000503020000020003" pitchFamily="2" charset="0"/>
+              </a:rPr>
+              <a:t>OUTPUTS</a:t>
+            </a:r>
+          </a:p>
+          <a:p>
+            <a:pPr algn="ctr"/>
+            <a:r>
+              <a:rPr lang="en-US" sz="1400" dirty="0">
+                <a:latin typeface="Avenir Book" panose="02000503020000020003" pitchFamily="2" charset="0"/>
+              </a:rPr>
+              <a:t>(all provided no internal calculations)</a:t>
+            </a:r>
+          </a:p>
+        </p:txBody>
+      </p:sp>
+      <p:sp>
+        <p:nvSpPr>
+          <p:cNvPr id="5" name="TextBox 4">
+            <a:extLst>
+              <a:ext uri="{FF2B5EF4-FFF2-40B4-BE49-F238E27FC236}">
+                <a16:creationId xmlns:a16="http://schemas.microsoft.com/office/drawing/2014/main" id="{313C2BA3-D27C-8B9B-9618-C3CBA9506DAB}"/>
+              </a:ext>
+            </a:extLst>
+          </p:cNvPr>
+          <p:cNvSpPr txBox="1"/>
+          <p:nvPr/>
+        </p:nvSpPr>
+        <p:spPr>
+          <a:xfrm>
+            <a:off x="6879771" y="1524000"/>
+            <a:ext cx="4093029" cy="3416320"/>
+          </a:xfrm>
+          <a:prstGeom prst="rect">
+            <a:avLst/>
+          </a:prstGeom>
+          <a:noFill/>
+        </p:spPr>
+        <p:txBody>
+          <a:bodyPr wrap="square" rtlCol="0">
+            <a:spAutoFit/>
+          </a:bodyPr>
+          <a:lstStyle/>
+          <a:p>
+            <a:pPr marL="285750" indent="-285750">
+              <a:buFont typeface="Arial" panose="020B0604020202020204" pitchFamily="34" charset="0"/>
+              <a:buChar char="•"/>
+            </a:pPr>
+            <a:r>
+              <a:rPr lang="en-US" b="1" dirty="0" err="1"/>
+              <a:t>oceanData</a:t>
+            </a:r>
+            <a:endParaRPr lang="en-US" b="1" dirty="0"/>
+          </a:p>
+          <a:p>
+            <a:pPr marL="742950" lvl="1" indent="-285750">
+              <a:buFont typeface="Arial" panose="020B0604020202020204" pitchFamily="34" charset="0"/>
+              <a:buChar char="•"/>
+            </a:pPr>
+            <a:r>
+              <a:rPr lang="en-US" dirty="0"/>
+              <a:t>C_OX: dissolved oxygen concentration (mg/L)</a:t>
+            </a:r>
+          </a:p>
+          <a:p>
+            <a:pPr marL="742950" lvl="1" indent="-285750">
+              <a:buFont typeface="Arial" panose="020B0604020202020204" pitchFamily="34" charset="0"/>
+              <a:buChar char="•"/>
+            </a:pPr>
+            <a:r>
+              <a:rPr lang="en-US" dirty="0"/>
+              <a:t>T: temperature (C)</a:t>
+            </a:r>
+          </a:p>
+          <a:p>
+            <a:pPr marL="742950" lvl="1" indent="-285750">
+              <a:buFont typeface="Arial" panose="020B0604020202020204" pitchFamily="34" charset="0"/>
+              <a:buChar char="•"/>
+            </a:pPr>
+            <a:r>
+              <a:rPr lang="en-US" dirty="0"/>
+              <a:t>C_SS: concentration of suspended solids (kg/L)</a:t>
+            </a:r>
+          </a:p>
+          <a:p>
+            <a:pPr marL="742950" lvl="1" indent="-285750">
+              <a:buFont typeface="Arial" panose="020B0604020202020204" pitchFamily="34" charset="0"/>
+              <a:buChar char="•"/>
+            </a:pPr>
+            <a:r>
+              <a:rPr lang="en-US" dirty="0"/>
+              <a:t>OCS: organic carbon content of the sediment (kg/L)</a:t>
+            </a:r>
+          </a:p>
+          <a:p>
+            <a:pPr marL="742950" lvl="1" indent="-285750">
+              <a:buFont typeface="Arial" panose="020B0604020202020204" pitchFamily="34" charset="0"/>
+              <a:buChar char="•"/>
+            </a:pPr>
+            <a:r>
+              <a:rPr lang="en-US" dirty="0"/>
+              <a:t>pH</a:t>
+            </a:r>
+          </a:p>
+          <a:p>
+            <a:pPr marL="742950" lvl="1" indent="-285750">
+              <a:buFont typeface="Arial" panose="020B0604020202020204" pitchFamily="34" charset="0"/>
+              <a:buChar char="•"/>
+            </a:pPr>
+            <a:r>
+              <a:rPr lang="en-US" dirty="0" err="1"/>
+              <a:t>pHi</a:t>
+            </a:r>
+            <a:r>
+              <a:rPr lang="en-US" dirty="0"/>
+              <a:t> = 7.4 default for internal pH as suggested by Armitage et  al. 2013</a:t>
+            </a:r>
+          </a:p>
+        </p:txBody>
+      </p:sp>
+      <p:sp>
+        <p:nvSpPr>
+          <p:cNvPr id="8" name="Oval 7">
+            <a:extLst>
+              <a:ext uri="{FF2B5EF4-FFF2-40B4-BE49-F238E27FC236}">
+                <a16:creationId xmlns:a16="http://schemas.microsoft.com/office/drawing/2014/main" id="{3A6BBACF-F56C-FF96-8431-E060BEE2465C}"/>
+              </a:ext>
+            </a:extLst>
+          </p:cNvPr>
+          <p:cNvSpPr/>
+          <p:nvPr/>
+        </p:nvSpPr>
+        <p:spPr>
+          <a:xfrm>
+            <a:off x="156842" y="696413"/>
+            <a:ext cx="434340" cy="468630"/>
+          </a:xfrm>
+          <a:prstGeom prst="ellipse">
+            <a:avLst/>
+          </a:prstGeom>
+        </p:spPr>
+        <p:style>
+          <a:lnRef idx="2">
+            <a:schemeClr val="accent6"/>
+          </a:lnRef>
+          <a:fillRef idx="1">
+            <a:schemeClr val="lt1"/>
+          </a:fillRef>
+          <a:effectRef idx="0">
+            <a:schemeClr val="accent6"/>
+          </a:effectRef>
+          <a:fontRef idx="minor">
+            <a:schemeClr val="dk1"/>
+          </a:fontRef>
+        </p:style>
+        <p:txBody>
+          <a:bodyPr rtlCol="0" anchor="ctr"/>
+          <a:lstStyle/>
+          <a:p>
+            <a:pPr algn="ctr"/>
+            <a:r>
+              <a:rPr lang="en-US" dirty="0"/>
+              <a:t>1</a:t>
+            </a:r>
+          </a:p>
+        </p:txBody>
+      </p:sp>
+    </p:spTree>
+    <p:extLst>
+      <p:ext uri="{BB962C8B-B14F-4D97-AF65-F5344CB8AC3E}">
+        <p14:creationId xmlns:p14="http://schemas.microsoft.com/office/powerpoint/2010/main" val="1287239087"/>
+      </p:ext>
+    </p:extLst>
+  </p:cSld>
+  <p:clrMapOvr>
+    <a:masterClrMapping/>
+  </p:clrMapOvr>
+</p:sld>
+</file>
+
+<file path=ppt/slides/slide7.xml><?xml version="1.0" encoding="utf-8"?>
+<p:sld xmlns:a="http://schemas.openxmlformats.org/drawingml/2006/main" xmlns:r="http://schemas.openxmlformats.org/officeDocument/2006/relationships" xmlns:p="http://schemas.openxmlformats.org/presentationml/2006/main">
+  <p:cSld>
+    <p:spTree>
+      <p:nvGrpSpPr>
+        <p:cNvPr id="1" name=""/>
+        <p:cNvGrpSpPr/>
+        <p:nvPr/>
+      </p:nvGrpSpPr>
+      <p:grpSpPr>
+        <a:xfrm>
+          <a:off x="0" y="0"/>
+          <a:ext cx="0" cy="0"/>
+          <a:chOff x="0" y="0"/>
+          <a:chExt cx="0" cy="0"/>
+        </a:xfrm>
+      </p:grpSpPr>
+      <p:sp>
+        <p:nvSpPr>
+          <p:cNvPr id="2" name="Rounded Rectangle 1">
+            <a:extLst>
+              <a:ext uri="{FF2B5EF4-FFF2-40B4-BE49-F238E27FC236}">
+                <a16:creationId xmlns:a16="http://schemas.microsoft.com/office/drawing/2014/main" id="{8A452E0C-13AD-86A3-AC9F-148FD6057228}"/>
+              </a:ext>
+            </a:extLst>
+          </p:cNvPr>
+          <p:cNvSpPr/>
+          <p:nvPr/>
+        </p:nvSpPr>
+        <p:spPr>
+          <a:xfrm>
+            <a:off x="721176" y="544285"/>
+            <a:ext cx="1681845" cy="772886"/>
+          </a:xfrm>
+          <a:prstGeom prst="roundRect">
+            <a:avLst/>
+          </a:prstGeom>
+          <a:solidFill>
+            <a:schemeClr val="accent2"/>
+          </a:solidFill>
+        </p:spPr>
+        <p:style>
+          <a:lnRef idx="2">
+            <a:schemeClr val="accent1">
+              <a:shade val="50000"/>
+            </a:schemeClr>
+          </a:lnRef>
+          <a:fillRef idx="1">
+            <a:schemeClr val="accent1"/>
+          </a:fillRef>
+          <a:effectRef idx="0">
+            <a:schemeClr val="accent1"/>
+          </a:effectRef>
+          <a:fontRef idx="minor">
+            <a:schemeClr val="lt1"/>
+          </a:fontRef>
+        </p:style>
+        <p:txBody>
+          <a:bodyPr rtlCol="0" anchor="ctr"/>
+          <a:lstStyle/>
+          <a:p>
+            <a:pPr algn="ctr"/>
+            <a:r>
+              <a:rPr lang="en-US" b="1" dirty="0">
+                <a:latin typeface="Avenir Book" panose="02000503020000020003" pitchFamily="2" charset="0"/>
+                <a:cs typeface="Baghdad" pitchFamily="2" charset="-78"/>
+              </a:rPr>
+              <a:t>Define Classes</a:t>
+            </a:r>
+          </a:p>
+        </p:txBody>
+      </p:sp>
+      <p:sp>
+        <p:nvSpPr>
+          <p:cNvPr id="6" name="Left Arrow 5">
+            <a:extLst>
+              <a:ext uri="{FF2B5EF4-FFF2-40B4-BE49-F238E27FC236}">
+                <a16:creationId xmlns:a16="http://schemas.microsoft.com/office/drawing/2014/main" id="{C67B7D99-433A-42C2-67EB-080E1FC518C1}"/>
+              </a:ext>
+            </a:extLst>
+          </p:cNvPr>
+          <p:cNvSpPr/>
+          <p:nvPr/>
+        </p:nvSpPr>
+        <p:spPr>
+          <a:xfrm rot="10800000">
+            <a:off x="2179387" y="2051049"/>
+            <a:ext cx="522513" cy="206829"/>
+          </a:xfrm>
+          <a:prstGeom prst="leftArrow">
+            <a:avLst/>
+          </a:prstGeom>
+          <a:solidFill>
+            <a:schemeClr val="accent2">
+              <a:lumMod val="20000"/>
+              <a:lumOff val="80000"/>
+            </a:schemeClr>
+          </a:solidFill>
+          <a:ln>
+            <a:solidFill>
+              <a:schemeClr val="accent2"/>
+            </a:solidFill>
+          </a:ln>
+        </p:spPr>
+        <p:style>
+          <a:lnRef idx="2">
+            <a:schemeClr val="accent1">
+              <a:shade val="50000"/>
+            </a:schemeClr>
+          </a:lnRef>
+          <a:fillRef idx="1">
+            <a:schemeClr val="accent1"/>
+          </a:fillRef>
+          <a:effectRef idx="0">
+            <a:schemeClr val="accent1"/>
+          </a:effectRef>
+          <a:fontRef idx="minor">
+            <a:schemeClr val="lt1"/>
+          </a:fontRef>
+        </p:style>
+        <p:txBody>
+          <a:bodyPr rtlCol="0" anchor="ctr"/>
+          <a:lstStyle/>
+          <a:p>
+            <a:pPr algn="ctr"/>
+            <a:endParaRPr lang="en-US"/>
+          </a:p>
+        </p:txBody>
+      </p:sp>
+      <p:pic>
+        <p:nvPicPr>
+          <p:cNvPr id="9" name="Picture 8">
+            <a:extLst>
+              <a:ext uri="{FF2B5EF4-FFF2-40B4-BE49-F238E27FC236}">
+                <a16:creationId xmlns:a16="http://schemas.microsoft.com/office/drawing/2014/main" id="{8729E551-866B-47EE-8CD3-153566092CAC}"/>
+              </a:ext>
+            </a:extLst>
+          </p:cNvPr>
+          <p:cNvPicPr>
+            <a:picLocks noChangeAspect="1"/>
+          </p:cNvPicPr>
+          <p:nvPr/>
+        </p:nvPicPr>
+        <p:blipFill>
+          <a:blip r:embed="rId3"/>
+          <a:stretch>
+            <a:fillRect/>
+          </a:stretch>
+        </p:blipFill>
+        <p:spPr>
+          <a:xfrm>
+            <a:off x="2937330" y="930728"/>
+            <a:ext cx="2654300" cy="2654300"/>
+          </a:xfrm>
+          <a:prstGeom prst="rect">
+            <a:avLst/>
+          </a:prstGeom>
+        </p:spPr>
+      </p:pic>
+      <p:sp>
+        <p:nvSpPr>
+          <p:cNvPr id="12" name="TextBox 11">
+            <a:extLst>
+              <a:ext uri="{FF2B5EF4-FFF2-40B4-BE49-F238E27FC236}">
+                <a16:creationId xmlns:a16="http://schemas.microsoft.com/office/drawing/2014/main" id="{F0058070-F82A-7D34-1E64-CB2CD12DE9BB}"/>
+              </a:ext>
+            </a:extLst>
+          </p:cNvPr>
+          <p:cNvSpPr txBox="1"/>
+          <p:nvPr/>
+        </p:nvSpPr>
+        <p:spPr>
+          <a:xfrm>
+            <a:off x="621992" y="1402806"/>
+            <a:ext cx="1844479" cy="1477328"/>
+          </a:xfrm>
+          <a:prstGeom prst="rect">
+            <a:avLst/>
+          </a:prstGeom>
+          <a:noFill/>
+        </p:spPr>
+        <p:txBody>
+          <a:bodyPr wrap="none" rtlCol="0">
+            <a:spAutoFit/>
+          </a:bodyPr>
+          <a:lstStyle/>
+          <a:p>
+            <a:pPr marL="285750" indent="-285750">
+              <a:buFont typeface="Arial" panose="020B0604020202020204" pitchFamily="34" charset="0"/>
+              <a:buChar char="•"/>
+            </a:pPr>
+            <a:r>
+              <a:rPr lang="en-US" b="1" dirty="0"/>
+              <a:t>Settings</a:t>
+            </a:r>
+          </a:p>
+          <a:p>
+            <a:pPr marL="285750" indent="-285750">
+              <a:buFont typeface="Arial" panose="020B0604020202020204" pitchFamily="34" charset="0"/>
+              <a:buChar char="•"/>
+            </a:pPr>
+            <a:r>
+              <a:rPr lang="en-US" b="1" dirty="0"/>
+              <a:t>Environment </a:t>
+            </a:r>
+          </a:p>
+          <a:p>
+            <a:pPr marL="285750" indent="-285750">
+              <a:buFont typeface="Arial" panose="020B0604020202020204" pitchFamily="34" charset="0"/>
+              <a:buChar char="•"/>
+            </a:pPr>
+            <a:r>
+              <a:rPr lang="en-US" b="1" dirty="0">
+                <a:solidFill>
+                  <a:schemeClr val="accent2"/>
+                </a:solidFill>
+              </a:rPr>
+              <a:t>Chemical </a:t>
+            </a:r>
+          </a:p>
+          <a:p>
+            <a:pPr marL="285750" indent="-285750">
+              <a:buFont typeface="Arial" panose="020B0604020202020204" pitchFamily="34" charset="0"/>
+              <a:buChar char="•"/>
+            </a:pPr>
+            <a:r>
+              <a:rPr lang="en-US" b="1" dirty="0"/>
+              <a:t>Chemical Data</a:t>
+            </a:r>
+          </a:p>
+          <a:p>
+            <a:pPr marL="285750" indent="-285750">
+              <a:buFont typeface="Arial" panose="020B0604020202020204" pitchFamily="34" charset="0"/>
+              <a:buChar char="•"/>
+            </a:pPr>
+            <a:r>
+              <a:rPr lang="en-US" b="1" dirty="0"/>
+              <a:t>Organism </a:t>
+            </a:r>
+          </a:p>
+        </p:txBody>
+      </p:sp>
+      <p:sp>
+        <p:nvSpPr>
+          <p:cNvPr id="3" name="TextBox 2">
+            <a:extLst>
+              <a:ext uri="{FF2B5EF4-FFF2-40B4-BE49-F238E27FC236}">
+                <a16:creationId xmlns:a16="http://schemas.microsoft.com/office/drawing/2014/main" id="{AF3CB2AB-A239-6403-774B-DD1693AE85B4}"/>
+              </a:ext>
+            </a:extLst>
+          </p:cNvPr>
+          <p:cNvSpPr txBox="1"/>
+          <p:nvPr/>
+        </p:nvSpPr>
+        <p:spPr>
+          <a:xfrm>
+            <a:off x="6487886" y="544285"/>
+            <a:ext cx="3929743" cy="523220"/>
+          </a:xfrm>
+          <a:prstGeom prst="rect">
+            <a:avLst/>
+          </a:prstGeom>
+          <a:noFill/>
+        </p:spPr>
+        <p:txBody>
+          <a:bodyPr wrap="square" rtlCol="0">
+            <a:spAutoFit/>
+          </a:bodyPr>
+          <a:lstStyle/>
+          <a:p>
+            <a:pPr algn="ctr"/>
+            <a:r>
+              <a:rPr lang="en-US" sz="2800" dirty="0">
+                <a:latin typeface="Avenir Book" panose="02000503020000020003" pitchFamily="2" charset="0"/>
+              </a:rPr>
+              <a:t>OUTPUTS/description</a:t>
+            </a:r>
+          </a:p>
+        </p:txBody>
+      </p:sp>
+      <p:sp>
+        <p:nvSpPr>
+          <p:cNvPr id="5" name="Rounded Rectangle 4">
+            <a:extLst>
+              <a:ext uri="{FF2B5EF4-FFF2-40B4-BE49-F238E27FC236}">
+                <a16:creationId xmlns:a16="http://schemas.microsoft.com/office/drawing/2014/main" id="{36DB3BC5-B733-DAE0-5528-179F5AB88FD9}"/>
+              </a:ext>
+            </a:extLst>
+          </p:cNvPr>
+          <p:cNvSpPr/>
+          <p:nvPr/>
+        </p:nvSpPr>
+        <p:spPr>
+          <a:xfrm>
+            <a:off x="3178628" y="2993572"/>
+            <a:ext cx="1230085" cy="685800"/>
+          </a:xfrm>
+          <a:prstGeom prst="roundRect">
+            <a:avLst/>
+          </a:prstGeom>
+          <a:noFill/>
+          <a:ln w="38100">
+            <a:solidFill>
+              <a:srgbClr val="00B050"/>
+            </a:solidFill>
+          </a:ln>
+        </p:spPr>
+        <p:style>
+          <a:lnRef idx="2">
+            <a:schemeClr val="accent1">
+              <a:shade val="50000"/>
+            </a:schemeClr>
+          </a:lnRef>
+          <a:fillRef idx="1">
+            <a:schemeClr val="accent1"/>
+          </a:fillRef>
+          <a:effectRef idx="0">
+            <a:schemeClr val="accent1"/>
+          </a:effectRef>
+          <a:fontRef idx="minor">
+            <a:schemeClr val="lt1"/>
+          </a:fontRef>
+        </p:style>
+        <p:txBody>
+          <a:bodyPr rtlCol="0" anchor="ctr"/>
+          <a:lstStyle/>
+          <a:p>
+            <a:pPr algn="ctr"/>
+            <a:endParaRPr lang="en-US"/>
+          </a:p>
+        </p:txBody>
+      </p:sp>
+      <p:sp>
+        <p:nvSpPr>
+          <p:cNvPr id="11" name="TextBox 10">
+            <a:extLst>
+              <a:ext uri="{FF2B5EF4-FFF2-40B4-BE49-F238E27FC236}">
+                <a16:creationId xmlns:a16="http://schemas.microsoft.com/office/drawing/2014/main" id="{14437B84-E827-9350-9E82-9152B6A1A60B}"/>
+              </a:ext>
+            </a:extLst>
+          </p:cNvPr>
+          <p:cNvSpPr txBox="1"/>
+          <p:nvPr/>
+        </p:nvSpPr>
+        <p:spPr>
+          <a:xfrm>
+            <a:off x="6096000" y="1240971"/>
+            <a:ext cx="4993820" cy="5847755"/>
+          </a:xfrm>
+          <a:prstGeom prst="rect">
+            <a:avLst/>
+          </a:prstGeom>
+          <a:noFill/>
+        </p:spPr>
+        <p:txBody>
+          <a:bodyPr wrap="square" rtlCol="0">
+            <a:spAutoFit/>
+          </a:bodyPr>
+          <a:lstStyle/>
+          <a:p>
+            <a:r>
+              <a:rPr lang="en-US" dirty="0" err="1"/>
+              <a:t>Dataclass</a:t>
+            </a:r>
+            <a:r>
+              <a:rPr lang="en-US" dirty="0"/>
+              <a:t> that holds parameters unique to each PFAS chemical.</a:t>
+            </a:r>
+          </a:p>
+          <a:p>
+            <a:endParaRPr lang="en-US" dirty="0"/>
+          </a:p>
+          <a:p>
+            <a:r>
+              <a:rPr lang="en-US" dirty="0"/>
+              <a:t>Parameters include </a:t>
+            </a:r>
+            <a:r>
+              <a:rPr lang="en-US" dirty="0" err="1"/>
+              <a:t>physiochemial</a:t>
+            </a:r>
+            <a:r>
+              <a:rPr lang="en-US" dirty="0"/>
+              <a:t> properties, pH-dependent properties (varies with environment), and empirically-derived parameter values (sometimes varies with organism characteristics/study; this choice is made during the instantiation of this class)</a:t>
+            </a:r>
+          </a:p>
+          <a:p>
+            <a:r>
+              <a:rPr lang="en-US" dirty="0"/>
+              <a:t>      </a:t>
+            </a:r>
+          </a:p>
+          <a:p>
+            <a:r>
+              <a:rPr lang="en-US" dirty="0"/>
+              <a:t>Functions include calculation of chemical-specific parameters, which may depend on environmental parameters (class Environment):</a:t>
+            </a:r>
+          </a:p>
+          <a:p>
+            <a:pPr marL="574675"/>
+            <a:endParaRPr lang="en-US" dirty="0"/>
+          </a:p>
+          <a:p>
+            <a:pPr marL="860425" indent="-285750">
+              <a:buFont typeface="Arial" panose="020B0604020202020204" pitchFamily="34" charset="0"/>
+              <a:buChar char="•"/>
+            </a:pPr>
+            <a:r>
+              <a:rPr lang="en-US" dirty="0"/>
+              <a:t>Partitioning coefficients</a:t>
+            </a:r>
+          </a:p>
+          <a:p>
+            <a:pPr marL="860425" indent="-285750">
+              <a:buFont typeface="Arial" panose="020B0604020202020204" pitchFamily="34" charset="0"/>
+              <a:buChar char="•"/>
+            </a:pPr>
+            <a:r>
+              <a:rPr lang="en-US" dirty="0"/>
+              <a:t>Organism functions</a:t>
+            </a:r>
+          </a:p>
+          <a:p>
+            <a:pPr marL="860425" indent="-285750">
+              <a:buFont typeface="Arial" panose="020B0604020202020204" pitchFamily="34" charset="0"/>
+              <a:buChar char="•"/>
+            </a:pPr>
+            <a:r>
+              <a:rPr lang="en-US" dirty="0"/>
+              <a:t>Diet functions</a:t>
+            </a:r>
+          </a:p>
+          <a:p>
+            <a:pPr marL="860425" indent="-285750">
+              <a:buFont typeface="Arial" panose="020B0604020202020204" pitchFamily="34" charset="0"/>
+              <a:buChar char="•"/>
+            </a:pPr>
+            <a:r>
+              <a:rPr lang="en-US" dirty="0"/>
+              <a:t>Rate constant functions (</a:t>
+            </a:r>
+            <a:r>
+              <a:rPr lang="en-US" sz="1200" dirty="0"/>
+              <a:t>e.g. k_1 = clearance rate constant (L/kg*d)  for chemical uptake via respiratory area (i.e., gills and skin) </a:t>
+            </a:r>
+          </a:p>
+          <a:p>
+            <a:pPr marL="860425" indent="-285750">
+              <a:buFont typeface="Arial" panose="020B0604020202020204" pitchFamily="34" charset="0"/>
+              <a:buChar char="•"/>
+            </a:pPr>
+            <a:endParaRPr lang="en-US" dirty="0"/>
+          </a:p>
+        </p:txBody>
+      </p:sp>
+      <p:sp>
+        <p:nvSpPr>
+          <p:cNvPr id="4" name="Oval 3">
+            <a:extLst>
+              <a:ext uri="{FF2B5EF4-FFF2-40B4-BE49-F238E27FC236}">
+                <a16:creationId xmlns:a16="http://schemas.microsoft.com/office/drawing/2014/main" id="{9278FE67-E817-F85E-6789-809CAC02304A}"/>
+              </a:ext>
+            </a:extLst>
+          </p:cNvPr>
+          <p:cNvSpPr/>
+          <p:nvPr/>
+        </p:nvSpPr>
+        <p:spPr>
+          <a:xfrm>
+            <a:off x="156842" y="696413"/>
+            <a:ext cx="434340" cy="468630"/>
+          </a:xfrm>
+          <a:prstGeom prst="ellipse">
+            <a:avLst/>
+          </a:prstGeom>
+        </p:spPr>
+        <p:style>
+          <a:lnRef idx="2">
+            <a:schemeClr val="accent6"/>
+          </a:lnRef>
+          <a:fillRef idx="1">
+            <a:schemeClr val="lt1"/>
+          </a:fillRef>
+          <a:effectRef idx="0">
+            <a:schemeClr val="accent6"/>
+          </a:effectRef>
+          <a:fontRef idx="minor">
+            <a:schemeClr val="dk1"/>
+          </a:fontRef>
+        </p:style>
+        <p:txBody>
+          <a:bodyPr rtlCol="0" anchor="ctr"/>
+          <a:lstStyle/>
+          <a:p>
+            <a:pPr algn="ctr"/>
+            <a:r>
+              <a:rPr lang="en-US" dirty="0"/>
+              <a:t>1</a:t>
+            </a:r>
+          </a:p>
+        </p:txBody>
+      </p:sp>
+    </p:spTree>
+    <p:extLst>
+      <p:ext uri="{BB962C8B-B14F-4D97-AF65-F5344CB8AC3E}">
+        <p14:creationId xmlns:p14="http://schemas.microsoft.com/office/powerpoint/2010/main" val="884323427"/>
+      </p:ext>
+    </p:extLst>
+  </p:cSld>
+  <p:clrMapOvr>
+    <a:masterClrMapping/>
+  </p:clrMapOvr>
+</p:sld>
+</file>
+
+<file path=ppt/slides/slide8.xml><?xml version="1.0" encoding="utf-8"?>
+<p:sld xmlns:a="http://schemas.openxmlformats.org/drawingml/2006/main" xmlns:r="http://schemas.openxmlformats.org/officeDocument/2006/relationships" xmlns:p="http://schemas.openxmlformats.org/presentationml/2006/main">
+  <p:cSld>
+    <p:spTree>
+      <p:nvGrpSpPr>
+        <p:cNvPr id="1" name=""/>
+        <p:cNvGrpSpPr/>
+        <p:nvPr/>
+      </p:nvGrpSpPr>
+      <p:grpSpPr>
+        <a:xfrm>
+          <a:off x="0" y="0"/>
+          <a:ext cx="0" cy="0"/>
+          <a:chOff x="0" y="0"/>
+          <a:chExt cx="0" cy="0"/>
+        </a:xfrm>
+      </p:grpSpPr>
+      <p:sp>
+        <p:nvSpPr>
+          <p:cNvPr id="2" name="Rounded Rectangle 1">
+            <a:extLst>
+              <a:ext uri="{FF2B5EF4-FFF2-40B4-BE49-F238E27FC236}">
+                <a16:creationId xmlns:a16="http://schemas.microsoft.com/office/drawing/2014/main" id="{8A452E0C-13AD-86A3-AC9F-148FD6057228}"/>
+              </a:ext>
+            </a:extLst>
+          </p:cNvPr>
+          <p:cNvSpPr/>
+          <p:nvPr/>
+        </p:nvSpPr>
+        <p:spPr>
+          <a:xfrm>
+            <a:off x="721176" y="544285"/>
+            <a:ext cx="1681845" cy="772886"/>
+          </a:xfrm>
+          <a:prstGeom prst="roundRect">
+            <a:avLst/>
+          </a:prstGeom>
+          <a:solidFill>
+            <a:schemeClr val="accent2"/>
+          </a:solidFill>
+        </p:spPr>
+        <p:style>
+          <a:lnRef idx="2">
+            <a:schemeClr val="accent1">
+              <a:shade val="50000"/>
+            </a:schemeClr>
+          </a:lnRef>
+          <a:fillRef idx="1">
+            <a:schemeClr val="accent1"/>
+          </a:fillRef>
+          <a:effectRef idx="0">
+            <a:schemeClr val="accent1"/>
+          </a:effectRef>
+          <a:fontRef idx="minor">
+            <a:schemeClr val="lt1"/>
+          </a:fontRef>
+        </p:style>
+        <p:txBody>
+          <a:bodyPr rtlCol="0" anchor="ctr"/>
+          <a:lstStyle/>
+          <a:p>
+            <a:pPr algn="ctr"/>
+            <a:r>
+              <a:rPr lang="en-US" b="1" dirty="0">
+                <a:latin typeface="Avenir Book" panose="02000503020000020003" pitchFamily="2" charset="0"/>
+                <a:cs typeface="Baghdad" pitchFamily="2" charset="-78"/>
+              </a:rPr>
+              <a:t>Define Classes</a:t>
+            </a:r>
+          </a:p>
+        </p:txBody>
+      </p:sp>
+      <p:sp>
+        <p:nvSpPr>
+          <p:cNvPr id="6" name="Left Arrow 5">
+            <a:extLst>
+              <a:ext uri="{FF2B5EF4-FFF2-40B4-BE49-F238E27FC236}">
+                <a16:creationId xmlns:a16="http://schemas.microsoft.com/office/drawing/2014/main" id="{C67B7D99-433A-42C2-67EB-080E1FC518C1}"/>
+              </a:ext>
+            </a:extLst>
+          </p:cNvPr>
+          <p:cNvSpPr/>
+          <p:nvPr/>
+        </p:nvSpPr>
+        <p:spPr>
+          <a:xfrm rot="10800000">
+            <a:off x="2488243" y="2324098"/>
+            <a:ext cx="522513" cy="206829"/>
+          </a:xfrm>
+          <a:prstGeom prst="leftArrow">
+            <a:avLst/>
+          </a:prstGeom>
+          <a:solidFill>
+            <a:schemeClr val="accent2">
+              <a:lumMod val="20000"/>
+              <a:lumOff val="80000"/>
+            </a:schemeClr>
+          </a:solidFill>
+          <a:ln>
+            <a:solidFill>
+              <a:schemeClr val="accent2"/>
+            </a:solidFill>
+          </a:ln>
+        </p:spPr>
+        <p:style>
+          <a:lnRef idx="2">
+            <a:schemeClr val="accent1">
+              <a:shade val="50000"/>
+            </a:schemeClr>
+          </a:lnRef>
+          <a:fillRef idx="1">
+            <a:schemeClr val="accent1"/>
+          </a:fillRef>
+          <a:effectRef idx="0">
+            <a:schemeClr val="accent1"/>
+          </a:effectRef>
+          <a:fontRef idx="minor">
+            <a:schemeClr val="lt1"/>
+          </a:fontRef>
+        </p:style>
+        <p:txBody>
+          <a:bodyPr rtlCol="0" anchor="ctr"/>
+          <a:lstStyle/>
+          <a:p>
+            <a:pPr algn="ctr"/>
+            <a:endParaRPr lang="en-US"/>
+          </a:p>
+        </p:txBody>
+      </p:sp>
+      <p:pic>
+        <p:nvPicPr>
+          <p:cNvPr id="11" name="Picture 10">
+            <a:extLst>
+              <a:ext uri="{FF2B5EF4-FFF2-40B4-BE49-F238E27FC236}">
+                <a16:creationId xmlns:a16="http://schemas.microsoft.com/office/drawing/2014/main" id="{6B1FBC34-5B14-1355-52EE-AFC7C1527A35}"/>
+              </a:ext>
+            </a:extLst>
+          </p:cNvPr>
+          <p:cNvPicPr>
+            <a:picLocks noChangeAspect="1"/>
+          </p:cNvPicPr>
+          <p:nvPr/>
+        </p:nvPicPr>
+        <p:blipFill>
+          <a:blip r:embed="rId2"/>
+          <a:stretch>
+            <a:fillRect/>
+          </a:stretch>
+        </p:blipFill>
+        <p:spPr>
+          <a:xfrm>
+            <a:off x="3147785" y="1709332"/>
+            <a:ext cx="2717800" cy="1447800"/>
+          </a:xfrm>
+          <a:prstGeom prst="rect">
+            <a:avLst/>
+          </a:prstGeom>
+        </p:spPr>
+      </p:pic>
+      <p:sp>
+        <p:nvSpPr>
+          <p:cNvPr id="4" name="TextBox 3">
+            <a:extLst>
+              <a:ext uri="{FF2B5EF4-FFF2-40B4-BE49-F238E27FC236}">
+                <a16:creationId xmlns:a16="http://schemas.microsoft.com/office/drawing/2014/main" id="{29737E63-4DF2-09F3-8932-D54F51C2B4B1}"/>
+              </a:ext>
+            </a:extLst>
+          </p:cNvPr>
+          <p:cNvSpPr txBox="1"/>
+          <p:nvPr/>
+        </p:nvSpPr>
+        <p:spPr>
+          <a:xfrm>
+            <a:off x="621992" y="1402806"/>
+            <a:ext cx="1844479" cy="1754326"/>
+          </a:xfrm>
+          <a:prstGeom prst="rect">
+            <a:avLst/>
+          </a:prstGeom>
+          <a:noFill/>
+        </p:spPr>
+        <p:txBody>
+          <a:bodyPr wrap="none" rtlCol="0">
+            <a:spAutoFit/>
+          </a:bodyPr>
+          <a:lstStyle/>
+          <a:p>
+            <a:pPr marL="285750" indent="-285750">
+              <a:buFont typeface="Arial" panose="020B0604020202020204" pitchFamily="34" charset="0"/>
+              <a:buChar char="•"/>
+            </a:pPr>
+            <a:r>
+              <a:rPr lang="en-US" b="1" dirty="0"/>
+              <a:t>Settings</a:t>
+            </a:r>
+          </a:p>
+          <a:p>
+            <a:pPr marL="285750" indent="-285750">
+              <a:buFont typeface="Arial" panose="020B0604020202020204" pitchFamily="34" charset="0"/>
+              <a:buChar char="•"/>
+            </a:pPr>
+            <a:r>
+              <a:rPr lang="en-US" b="1" dirty="0"/>
+              <a:t>Environment </a:t>
+            </a:r>
+          </a:p>
+          <a:p>
+            <a:pPr marL="285750" indent="-285750">
+              <a:buFont typeface="Arial" panose="020B0604020202020204" pitchFamily="34" charset="0"/>
+              <a:buChar char="•"/>
+            </a:pPr>
+            <a:r>
+              <a:rPr lang="en-US" b="1" dirty="0"/>
+              <a:t>Chemical </a:t>
+            </a:r>
+          </a:p>
+          <a:p>
+            <a:pPr marL="285750" indent="-285750">
+              <a:buFont typeface="Arial" panose="020B0604020202020204" pitchFamily="34" charset="0"/>
+              <a:buChar char="•"/>
+            </a:pPr>
+            <a:r>
+              <a:rPr lang="en-US" b="1" dirty="0">
+                <a:solidFill>
+                  <a:schemeClr val="accent2"/>
+                </a:solidFill>
+              </a:rPr>
+              <a:t>Chemical Data</a:t>
+            </a:r>
+          </a:p>
+          <a:p>
+            <a:pPr marL="285750" indent="-285750">
+              <a:buFont typeface="Arial" panose="020B0604020202020204" pitchFamily="34" charset="0"/>
+              <a:buChar char="•"/>
+            </a:pPr>
+            <a:r>
+              <a:rPr lang="en-US" b="1" dirty="0"/>
+              <a:t>Organism </a:t>
+            </a:r>
+          </a:p>
+          <a:p>
+            <a:endParaRPr lang="en-US" b="1" dirty="0"/>
+          </a:p>
+        </p:txBody>
+      </p:sp>
+      <p:sp>
+        <p:nvSpPr>
+          <p:cNvPr id="3" name="TextBox 2">
+            <a:extLst>
+              <a:ext uri="{FF2B5EF4-FFF2-40B4-BE49-F238E27FC236}">
+                <a16:creationId xmlns:a16="http://schemas.microsoft.com/office/drawing/2014/main" id="{4174DC09-5F11-B59F-4F96-685E49270224}"/>
+              </a:ext>
+            </a:extLst>
+          </p:cNvPr>
+          <p:cNvSpPr txBox="1"/>
+          <p:nvPr/>
+        </p:nvSpPr>
+        <p:spPr>
+          <a:xfrm>
+            <a:off x="7600948" y="598361"/>
+            <a:ext cx="3488872" cy="523220"/>
+          </a:xfrm>
+          <a:prstGeom prst="rect">
+            <a:avLst/>
+          </a:prstGeom>
+          <a:noFill/>
+        </p:spPr>
+        <p:txBody>
+          <a:bodyPr wrap="square" rtlCol="0">
+            <a:spAutoFit/>
+          </a:bodyPr>
+          <a:lstStyle/>
+          <a:p>
+            <a:pPr algn="ctr"/>
+            <a:r>
+              <a:rPr lang="en-US" sz="2800" dirty="0">
+                <a:latin typeface="Avenir Book" panose="02000503020000020003" pitchFamily="2" charset="0"/>
+              </a:rPr>
+              <a:t>OUTPUTS</a:t>
+            </a:r>
+          </a:p>
+        </p:txBody>
+      </p:sp>
+      <p:sp>
+        <p:nvSpPr>
+          <p:cNvPr id="5" name="Rounded Rectangle 4">
+            <a:extLst>
+              <a:ext uri="{FF2B5EF4-FFF2-40B4-BE49-F238E27FC236}">
+                <a16:creationId xmlns:a16="http://schemas.microsoft.com/office/drawing/2014/main" id="{777B5F20-385A-74B6-EF7C-41843DE2F7A6}"/>
+              </a:ext>
+            </a:extLst>
+          </p:cNvPr>
+          <p:cNvSpPr/>
+          <p:nvPr/>
+        </p:nvSpPr>
+        <p:spPr>
+          <a:xfrm>
+            <a:off x="3147785" y="2645229"/>
+            <a:ext cx="1230085" cy="685800"/>
+          </a:xfrm>
+          <a:prstGeom prst="roundRect">
+            <a:avLst/>
+          </a:prstGeom>
+          <a:noFill/>
+          <a:ln w="38100">
+            <a:solidFill>
+              <a:srgbClr val="00B050"/>
+            </a:solidFill>
+          </a:ln>
+        </p:spPr>
+        <p:style>
+          <a:lnRef idx="2">
+            <a:schemeClr val="accent1">
+              <a:shade val="50000"/>
+            </a:schemeClr>
+          </a:lnRef>
+          <a:fillRef idx="1">
+            <a:schemeClr val="accent1"/>
+          </a:fillRef>
+          <a:effectRef idx="0">
+            <a:schemeClr val="accent1"/>
+          </a:effectRef>
+          <a:fontRef idx="minor">
+            <a:schemeClr val="lt1"/>
+          </a:fontRef>
+        </p:style>
+        <p:txBody>
+          <a:bodyPr rtlCol="0" anchor="ctr"/>
+          <a:lstStyle/>
+          <a:p>
+            <a:pPr algn="ctr"/>
+            <a:endParaRPr lang="en-US"/>
+          </a:p>
+        </p:txBody>
+      </p:sp>
+      <p:sp>
+        <p:nvSpPr>
+          <p:cNvPr id="8" name="TextBox 7">
+            <a:extLst>
+              <a:ext uri="{FF2B5EF4-FFF2-40B4-BE49-F238E27FC236}">
+                <a16:creationId xmlns:a16="http://schemas.microsoft.com/office/drawing/2014/main" id="{DD90EB01-8A4E-7AE7-D23E-1395F7171925}"/>
+              </a:ext>
+            </a:extLst>
+          </p:cNvPr>
+          <p:cNvSpPr txBox="1"/>
+          <p:nvPr/>
+        </p:nvSpPr>
+        <p:spPr>
+          <a:xfrm>
+            <a:off x="6781800" y="1515265"/>
+            <a:ext cx="4788208" cy="2585323"/>
+          </a:xfrm>
+          <a:prstGeom prst="rect">
+            <a:avLst/>
+          </a:prstGeom>
+          <a:noFill/>
+        </p:spPr>
+        <p:txBody>
+          <a:bodyPr wrap="square">
+            <a:spAutoFit/>
+          </a:bodyPr>
+          <a:lstStyle/>
+          <a:p>
+            <a:r>
+              <a:rPr lang="en-US" dirty="0" err="1"/>
+              <a:t>Dataclass</a:t>
+            </a:r>
+            <a:r>
+              <a:rPr lang="en-US" dirty="0"/>
+              <a:t> that holds chemical data that is unique to each model system. This includes both model parameters and input variables</a:t>
+            </a:r>
+          </a:p>
+          <a:p>
+            <a:endParaRPr lang="en-US" dirty="0"/>
+          </a:p>
+          <a:p>
+            <a:r>
+              <a:rPr lang="en-US" dirty="0"/>
+              <a:t>(</a:t>
+            </a:r>
+            <a:r>
+              <a:rPr lang="en-US" dirty="0" err="1"/>
+              <a:t>ChemData</a:t>
+            </a:r>
+            <a:r>
+              <a:rPr lang="en-US" dirty="0"/>
+              <a:t> .csv)</a:t>
+            </a:r>
+          </a:p>
+          <a:p>
+            <a:r>
+              <a:rPr lang="en-US" dirty="0"/>
+              <a:t>Cs = Concentration in sediment</a:t>
+            </a:r>
+          </a:p>
+          <a:p>
+            <a:r>
+              <a:rPr lang="en-US" dirty="0"/>
+              <a:t>OCS =organic carbon content of the sediment</a:t>
+            </a:r>
+          </a:p>
+          <a:p>
+            <a:r>
+              <a:rPr lang="en-US" dirty="0" err="1"/>
+              <a:t>Koc</a:t>
+            </a:r>
+            <a:r>
+              <a:rPr lang="en-US" dirty="0"/>
+              <a:t> = organic carbon partitioning coefficient; </a:t>
+            </a:r>
+            <a:r>
+              <a:rPr lang="en-US" dirty="0" err="1"/>
+              <a:t>Koc</a:t>
+            </a:r>
+            <a:r>
+              <a:rPr lang="en-US" dirty="0"/>
+              <a:t> = </a:t>
+            </a:r>
+            <a:r>
+              <a:rPr lang="en-US" dirty="0" err="1"/>
+              <a:t>Kd</a:t>
+            </a:r>
+            <a:r>
+              <a:rPr lang="en-US" dirty="0"/>
+              <a:t> / OCS  </a:t>
+            </a:r>
+          </a:p>
+        </p:txBody>
+      </p:sp>
+      <p:sp>
+        <p:nvSpPr>
+          <p:cNvPr id="7" name="Oval 6">
+            <a:extLst>
+              <a:ext uri="{FF2B5EF4-FFF2-40B4-BE49-F238E27FC236}">
+                <a16:creationId xmlns:a16="http://schemas.microsoft.com/office/drawing/2014/main" id="{F6FFEC69-B72C-4B36-FF03-1583F380C446}"/>
+              </a:ext>
+            </a:extLst>
+          </p:cNvPr>
+          <p:cNvSpPr/>
+          <p:nvPr/>
+        </p:nvSpPr>
+        <p:spPr>
+          <a:xfrm>
+            <a:off x="156842" y="696413"/>
+            <a:ext cx="434340" cy="468630"/>
+          </a:xfrm>
+          <a:prstGeom prst="ellipse">
+            <a:avLst/>
+          </a:prstGeom>
+        </p:spPr>
+        <p:style>
+          <a:lnRef idx="2">
+            <a:schemeClr val="accent6"/>
+          </a:lnRef>
+          <a:fillRef idx="1">
+            <a:schemeClr val="lt1"/>
+          </a:fillRef>
+          <a:effectRef idx="0">
+            <a:schemeClr val="accent6"/>
+          </a:effectRef>
+          <a:fontRef idx="minor">
+            <a:schemeClr val="dk1"/>
+          </a:fontRef>
+        </p:style>
+        <p:txBody>
+          <a:bodyPr rtlCol="0" anchor="ctr"/>
+          <a:lstStyle/>
+          <a:p>
+            <a:pPr algn="ctr"/>
+            <a:r>
+              <a:rPr lang="en-US" dirty="0"/>
+              <a:t>1</a:t>
+            </a:r>
+          </a:p>
+        </p:txBody>
+      </p:sp>
+    </p:spTree>
+    <p:extLst>
+      <p:ext uri="{BB962C8B-B14F-4D97-AF65-F5344CB8AC3E}">
+        <p14:creationId xmlns:p14="http://schemas.microsoft.com/office/powerpoint/2010/main" val="632664802"/>
+      </p:ext>
+    </p:extLst>
+  </p:cSld>
+  <p:clrMapOvr>
+    <a:masterClrMapping/>
+  </p:clrMapOvr>
+</p:sld>
+</file>
+
+<file path=ppt/slides/slide9.xml><?xml version="1.0" encoding="utf-8"?>
+<p:sld xmlns:a="http://schemas.openxmlformats.org/drawingml/2006/main" xmlns:r="http://schemas.openxmlformats.org/officeDocument/2006/relationships" xmlns:p="http://schemas.openxmlformats.org/presentationml/2006/main">
+  <p:cSld>
+    <p:spTree>
+      <p:nvGrpSpPr>
+        <p:cNvPr id="1" name=""/>
+        <p:cNvGrpSpPr/>
+        <p:nvPr/>
+      </p:nvGrpSpPr>
+      <p:grpSpPr>
+        <a:xfrm>
+          <a:off x="0" y="0"/>
+          <a:ext cx="0" cy="0"/>
+          <a:chOff x="0" y="0"/>
+          <a:chExt cx="0" cy="0"/>
+        </a:xfrm>
+      </p:grpSpPr>
+      <p:sp>
+        <p:nvSpPr>
+          <p:cNvPr id="2" name="Rounded Rectangle 1">
+            <a:extLst>
+              <a:ext uri="{FF2B5EF4-FFF2-40B4-BE49-F238E27FC236}">
+                <a16:creationId xmlns:a16="http://schemas.microsoft.com/office/drawing/2014/main" id="{8A452E0C-13AD-86A3-AC9F-148FD6057228}"/>
+              </a:ext>
+            </a:extLst>
+          </p:cNvPr>
+          <p:cNvSpPr/>
+          <p:nvPr/>
+        </p:nvSpPr>
+        <p:spPr>
+          <a:xfrm>
+            <a:off x="721176" y="544285"/>
+            <a:ext cx="1681845" cy="772886"/>
+          </a:xfrm>
+          <a:prstGeom prst="roundRect">
+            <a:avLst/>
+          </a:prstGeom>
+          <a:solidFill>
+            <a:schemeClr val="accent2"/>
+          </a:solidFill>
+        </p:spPr>
+        <p:style>
+          <a:lnRef idx="2">
+            <a:schemeClr val="accent1">
+              <a:shade val="50000"/>
+            </a:schemeClr>
+          </a:lnRef>
+          <a:fillRef idx="1">
+            <a:schemeClr val="accent1"/>
+          </a:fillRef>
+          <a:effectRef idx="0">
+            <a:schemeClr val="accent1"/>
+          </a:effectRef>
+          <a:fontRef idx="minor">
+            <a:schemeClr val="lt1"/>
+          </a:fontRef>
+        </p:style>
+        <p:txBody>
+          <a:bodyPr rtlCol="0" anchor="ctr"/>
+          <a:lstStyle/>
+          <a:p>
+            <a:pPr algn="ctr"/>
+            <a:r>
+              <a:rPr lang="en-US" b="1" dirty="0">
+                <a:latin typeface="Avenir Book" panose="02000503020000020003" pitchFamily="2" charset="0"/>
+                <a:cs typeface="Baghdad" pitchFamily="2" charset="-78"/>
+              </a:rPr>
+              <a:t>Define Classes</a:t>
+            </a:r>
+          </a:p>
+        </p:txBody>
+      </p:sp>
+      <p:sp>
+        <p:nvSpPr>
+          <p:cNvPr id="6" name="Left Arrow 5">
+            <a:extLst>
+              <a:ext uri="{FF2B5EF4-FFF2-40B4-BE49-F238E27FC236}">
+                <a16:creationId xmlns:a16="http://schemas.microsoft.com/office/drawing/2014/main" id="{C67B7D99-433A-42C2-67EB-080E1FC518C1}"/>
+              </a:ext>
+            </a:extLst>
+          </p:cNvPr>
+          <p:cNvSpPr/>
+          <p:nvPr/>
+        </p:nvSpPr>
+        <p:spPr>
+          <a:xfrm rot="10800000">
+            <a:off x="2141764" y="2612571"/>
+            <a:ext cx="522513" cy="206829"/>
+          </a:xfrm>
+          <a:prstGeom prst="leftArrow">
+            <a:avLst/>
+          </a:prstGeom>
+          <a:solidFill>
+            <a:schemeClr val="accent2">
+              <a:lumMod val="20000"/>
+              <a:lumOff val="80000"/>
+            </a:schemeClr>
+          </a:solidFill>
+          <a:ln>
+            <a:solidFill>
+              <a:schemeClr val="accent2"/>
+            </a:solidFill>
+          </a:ln>
+        </p:spPr>
+        <p:style>
+          <a:lnRef idx="2">
+            <a:schemeClr val="accent1">
+              <a:shade val="50000"/>
+            </a:schemeClr>
+          </a:lnRef>
+          <a:fillRef idx="1">
+            <a:schemeClr val="accent1"/>
+          </a:fillRef>
+          <a:effectRef idx="0">
+            <a:schemeClr val="accent1"/>
+          </a:effectRef>
+          <a:fontRef idx="minor">
+            <a:schemeClr val="lt1"/>
+          </a:fontRef>
+        </p:style>
+        <p:txBody>
+          <a:bodyPr rtlCol="0" anchor="ctr"/>
+          <a:lstStyle/>
+          <a:p>
+            <a:pPr algn="ctr"/>
+            <a:endParaRPr lang="en-US"/>
+          </a:p>
+        </p:txBody>
+      </p:sp>
+      <p:pic>
+        <p:nvPicPr>
+          <p:cNvPr id="10" name="Picture 9">
+            <a:extLst>
+              <a:ext uri="{FF2B5EF4-FFF2-40B4-BE49-F238E27FC236}">
+                <a16:creationId xmlns:a16="http://schemas.microsoft.com/office/drawing/2014/main" id="{268148B7-AA4C-4281-5EF3-4DF0EB375E07}"/>
+              </a:ext>
+            </a:extLst>
+          </p:cNvPr>
+          <p:cNvPicPr>
+            <a:picLocks noChangeAspect="1"/>
+          </p:cNvPicPr>
+          <p:nvPr/>
+        </p:nvPicPr>
+        <p:blipFill>
+          <a:blip r:embed="rId2"/>
+          <a:stretch>
+            <a:fillRect/>
+          </a:stretch>
+        </p:blipFill>
+        <p:spPr>
+          <a:xfrm>
+            <a:off x="2777473" y="1517893"/>
+            <a:ext cx="3951868" cy="1693658"/>
+          </a:xfrm>
+          <a:prstGeom prst="rect">
+            <a:avLst/>
+          </a:prstGeom>
+        </p:spPr>
+      </p:pic>
+      <p:sp>
+        <p:nvSpPr>
+          <p:cNvPr id="4" name="TextBox 3">
+            <a:extLst>
+              <a:ext uri="{FF2B5EF4-FFF2-40B4-BE49-F238E27FC236}">
+                <a16:creationId xmlns:a16="http://schemas.microsoft.com/office/drawing/2014/main" id="{29737E63-4DF2-09F3-8932-D54F51C2B4B1}"/>
+              </a:ext>
+            </a:extLst>
+          </p:cNvPr>
+          <p:cNvSpPr txBox="1"/>
+          <p:nvPr/>
+        </p:nvSpPr>
+        <p:spPr>
+          <a:xfrm>
+            <a:off x="621992" y="1402806"/>
+            <a:ext cx="1844479" cy="1477328"/>
+          </a:xfrm>
+          <a:prstGeom prst="rect">
+            <a:avLst/>
+          </a:prstGeom>
+          <a:noFill/>
+        </p:spPr>
+        <p:txBody>
+          <a:bodyPr wrap="none" rtlCol="0">
+            <a:spAutoFit/>
+          </a:bodyPr>
+          <a:lstStyle/>
+          <a:p>
+            <a:pPr marL="285750" indent="-285750">
+              <a:buFont typeface="Arial" panose="020B0604020202020204" pitchFamily="34" charset="0"/>
+              <a:buChar char="•"/>
+            </a:pPr>
+            <a:r>
+              <a:rPr lang="en-US" b="1" dirty="0"/>
+              <a:t>Settings</a:t>
+            </a:r>
+          </a:p>
+          <a:p>
+            <a:pPr marL="285750" indent="-285750">
+              <a:buFont typeface="Arial" panose="020B0604020202020204" pitchFamily="34" charset="0"/>
+              <a:buChar char="•"/>
+            </a:pPr>
+            <a:r>
+              <a:rPr lang="en-US" b="1" dirty="0"/>
+              <a:t>Environment </a:t>
+            </a:r>
+          </a:p>
+          <a:p>
+            <a:pPr marL="285750" indent="-285750">
+              <a:buFont typeface="Arial" panose="020B0604020202020204" pitchFamily="34" charset="0"/>
+              <a:buChar char="•"/>
+            </a:pPr>
+            <a:r>
+              <a:rPr lang="en-US" b="1" dirty="0"/>
+              <a:t>Chemical </a:t>
+            </a:r>
+          </a:p>
+          <a:p>
+            <a:pPr marL="285750" indent="-285750">
+              <a:buFont typeface="Arial" panose="020B0604020202020204" pitchFamily="34" charset="0"/>
+              <a:buChar char="•"/>
+            </a:pPr>
+            <a:r>
+              <a:rPr lang="en-US" b="1" dirty="0"/>
+              <a:t>Chemical Data</a:t>
+            </a:r>
+          </a:p>
+          <a:p>
+            <a:pPr marL="285750" indent="-285750">
+              <a:buFont typeface="Arial" panose="020B0604020202020204" pitchFamily="34" charset="0"/>
+              <a:buChar char="•"/>
+            </a:pPr>
+            <a:r>
+              <a:rPr lang="en-US" b="1" dirty="0">
+                <a:solidFill>
+                  <a:schemeClr val="accent2"/>
+                </a:solidFill>
+              </a:rPr>
+              <a:t>Organism </a:t>
+            </a:r>
+          </a:p>
+        </p:txBody>
+      </p:sp>
+      <p:sp>
+        <p:nvSpPr>
+          <p:cNvPr id="3" name="TextBox 2">
+            <a:extLst>
+              <a:ext uri="{FF2B5EF4-FFF2-40B4-BE49-F238E27FC236}">
+                <a16:creationId xmlns:a16="http://schemas.microsoft.com/office/drawing/2014/main" id="{CFF88173-B8AE-1E03-4ADA-B43302684A2B}"/>
+              </a:ext>
+            </a:extLst>
+          </p:cNvPr>
+          <p:cNvSpPr txBox="1"/>
+          <p:nvPr/>
+        </p:nvSpPr>
+        <p:spPr>
+          <a:xfrm>
+            <a:off x="7600948" y="598361"/>
+            <a:ext cx="3488872" cy="523220"/>
+          </a:xfrm>
+          <a:prstGeom prst="rect">
+            <a:avLst/>
+          </a:prstGeom>
+          <a:noFill/>
+        </p:spPr>
+        <p:txBody>
+          <a:bodyPr wrap="square" rtlCol="0">
+            <a:spAutoFit/>
+          </a:bodyPr>
+          <a:lstStyle/>
+          <a:p>
+            <a:pPr algn="ctr"/>
+            <a:r>
+              <a:rPr lang="en-US" sz="2800" dirty="0">
+                <a:latin typeface="Avenir Book" panose="02000503020000020003" pitchFamily="2" charset="0"/>
+              </a:rPr>
+              <a:t>OUTPUTS</a:t>
+            </a:r>
+          </a:p>
+        </p:txBody>
+      </p:sp>
+      <p:sp>
+        <p:nvSpPr>
+          <p:cNvPr id="5" name="Rounded Rectangle 4">
+            <a:extLst>
+              <a:ext uri="{FF2B5EF4-FFF2-40B4-BE49-F238E27FC236}">
+                <a16:creationId xmlns:a16="http://schemas.microsoft.com/office/drawing/2014/main" id="{92C14066-B4B1-0E5A-EBAA-F287D70C0A1C}"/>
+              </a:ext>
+            </a:extLst>
+          </p:cNvPr>
+          <p:cNvSpPr/>
+          <p:nvPr/>
+        </p:nvSpPr>
+        <p:spPr>
+          <a:xfrm>
+            <a:off x="2777474" y="2880134"/>
+            <a:ext cx="1631240" cy="429123"/>
+          </a:xfrm>
+          <a:prstGeom prst="roundRect">
+            <a:avLst/>
+          </a:prstGeom>
+          <a:noFill/>
+          <a:ln w="38100">
+            <a:solidFill>
+              <a:srgbClr val="00B050"/>
+            </a:solidFill>
+          </a:ln>
+        </p:spPr>
+        <p:style>
+          <a:lnRef idx="2">
+            <a:schemeClr val="accent1">
+              <a:shade val="50000"/>
+            </a:schemeClr>
+          </a:lnRef>
+          <a:fillRef idx="1">
+            <a:schemeClr val="accent1"/>
+          </a:fillRef>
+          <a:effectRef idx="0">
+            <a:schemeClr val="accent1"/>
+          </a:effectRef>
+          <a:fontRef idx="minor">
+            <a:schemeClr val="lt1"/>
+          </a:fontRef>
+        </p:style>
+        <p:txBody>
+          <a:bodyPr rtlCol="0" anchor="ctr"/>
+          <a:lstStyle/>
+          <a:p>
+            <a:pPr algn="ctr"/>
+            <a:endParaRPr lang="en-US"/>
+          </a:p>
+        </p:txBody>
+      </p:sp>
+      <p:sp>
+        <p:nvSpPr>
+          <p:cNvPr id="7" name="TextBox 6">
+            <a:extLst>
+              <a:ext uri="{FF2B5EF4-FFF2-40B4-BE49-F238E27FC236}">
+                <a16:creationId xmlns:a16="http://schemas.microsoft.com/office/drawing/2014/main" id="{0C61034E-11C8-B2E2-7740-7546E4057703}"/>
+              </a:ext>
+            </a:extLst>
+          </p:cNvPr>
+          <p:cNvSpPr txBox="1"/>
+          <p:nvPr/>
+        </p:nvSpPr>
+        <p:spPr>
+          <a:xfrm>
+            <a:off x="7413170" y="1317170"/>
+            <a:ext cx="4057653" cy="1754326"/>
+          </a:xfrm>
+          <a:prstGeom prst="rect">
+            <a:avLst/>
+          </a:prstGeom>
+          <a:noFill/>
+        </p:spPr>
+        <p:txBody>
+          <a:bodyPr wrap="square" rtlCol="0">
+            <a:spAutoFit/>
+          </a:bodyPr>
+          <a:lstStyle/>
+          <a:p>
+            <a:r>
+              <a:rPr lang="en-US" dirty="0"/>
+              <a:t>Functions include calculations of </a:t>
+            </a:r>
+          </a:p>
+          <a:p>
+            <a:r>
+              <a:rPr lang="en-US" dirty="0"/>
+              <a:t>(1) diet composition</a:t>
+            </a:r>
+          </a:p>
+          <a:p>
+            <a:r>
+              <a:rPr lang="en-US" dirty="0"/>
+              <a:t>(2) bioenergetic rates</a:t>
+            </a:r>
+          </a:p>
+          <a:p>
+            <a:r>
+              <a:rPr lang="en-US" dirty="0"/>
+              <a:t>(3) partitioning coefficients</a:t>
+            </a:r>
+          </a:p>
+          <a:p>
+            <a:r>
+              <a:rPr lang="en-US" dirty="0"/>
+              <a:t>(4) chemical uptake and elimination rate constants</a:t>
+            </a:r>
+          </a:p>
+        </p:txBody>
+      </p:sp>
+      <p:sp>
+        <p:nvSpPr>
+          <p:cNvPr id="8" name="Oval 7">
+            <a:extLst>
+              <a:ext uri="{FF2B5EF4-FFF2-40B4-BE49-F238E27FC236}">
+                <a16:creationId xmlns:a16="http://schemas.microsoft.com/office/drawing/2014/main" id="{4475BC2A-B195-4651-4BB8-BFC54974F290}"/>
+              </a:ext>
+            </a:extLst>
+          </p:cNvPr>
+          <p:cNvSpPr/>
+          <p:nvPr/>
+        </p:nvSpPr>
+        <p:spPr>
+          <a:xfrm>
+            <a:off x="156842" y="696413"/>
+            <a:ext cx="434340" cy="468630"/>
+          </a:xfrm>
+          <a:prstGeom prst="ellipse">
+            <a:avLst/>
+          </a:prstGeom>
+        </p:spPr>
+        <p:style>
+          <a:lnRef idx="2">
+            <a:schemeClr val="accent6"/>
+          </a:lnRef>
+          <a:fillRef idx="1">
+            <a:schemeClr val="lt1"/>
+          </a:fillRef>
+          <a:effectRef idx="0">
+            <a:schemeClr val="accent6"/>
+          </a:effectRef>
+          <a:fontRef idx="minor">
+            <a:schemeClr val="dk1"/>
+          </a:fontRef>
+        </p:style>
+        <p:txBody>
+          <a:bodyPr rtlCol="0" anchor="ctr"/>
+          <a:lstStyle/>
+          <a:p>
+            <a:pPr algn="ctr"/>
+            <a:r>
+              <a:rPr lang="en-US" dirty="0"/>
+              <a:t>1</a:t>
+            </a:r>
+          </a:p>
+        </p:txBody>
+      </p:sp>
+    </p:spTree>
+    <p:extLst>
+      <p:ext uri="{BB962C8B-B14F-4D97-AF65-F5344CB8AC3E}">
+        <p14:creationId xmlns:p14="http://schemas.microsoft.com/office/powerpoint/2010/main" val="1460455717"/>
       </p:ext>
     </p:extLst>
   </p:cSld>
